--- a/Präsi.pptx
+++ b/Präsi.pptx
@@ -11,16 +11,27 @@
     <p:sldId id="346" r:id="rId5"/>
     <p:sldId id="335" r:id="rId6"/>
     <p:sldId id="349" r:id="rId7"/>
-    <p:sldId id="347" r:id="rId8"/>
-    <p:sldId id="348" r:id="rId9"/>
+    <p:sldId id="369" r:id="rId8"/>
+    <p:sldId id="371" r:id="rId9"/>
     <p:sldId id="350" r:id="rId10"/>
     <p:sldId id="351" r:id="rId11"/>
     <p:sldId id="352" r:id="rId12"/>
-    <p:sldId id="353" r:id="rId13"/>
-    <p:sldId id="336" r:id="rId14"/>
-    <p:sldId id="356" r:id="rId15"/>
+    <p:sldId id="359" r:id="rId13"/>
+    <p:sldId id="372" r:id="rId14"/>
+    <p:sldId id="360" r:id="rId15"/>
     <p:sldId id="357" r:id="rId16"/>
-    <p:sldId id="355" r:id="rId17"/>
+    <p:sldId id="353" r:id="rId17"/>
+    <p:sldId id="377" r:id="rId18"/>
+    <p:sldId id="378" r:id="rId19"/>
+    <p:sldId id="356" r:id="rId20"/>
+    <p:sldId id="361" r:id="rId21"/>
+    <p:sldId id="362" r:id="rId22"/>
+    <p:sldId id="363" r:id="rId23"/>
+    <p:sldId id="336" r:id="rId24"/>
+    <p:sldId id="364" r:id="rId25"/>
+    <p:sldId id="365" r:id="rId26"/>
+    <p:sldId id="370" r:id="rId27"/>
+    <p:sldId id="367" r:id="rId28"/>
   </p:sldIdLst>
   <p:sldSz cx="12192000" cy="6858000"/>
   <p:notesSz cx="6858000" cy="9144000"/>
@@ -119,6 +130,11 @@
       </a:defRPr>
     </a:lvl9pPr>
   </p:defaultTextStyle>
+  <p:extLst>
+    <p:ext uri="{EFAFB233-063F-42B5-8137-9DF3F51BA10A}">
+      <p15:sldGuideLst xmlns:p15="http://schemas.microsoft.com/office/powerpoint/2012/main"/>
+    </p:ext>
+  </p:extLst>
 </p:presentation>
 </file>
 
@@ -269,7 +285,7 @@
           <a:p>
             <a:fld id="{7CD3A886-8144-4CEA-9C6D-C28B5F41F8A0}" type="datetimeFigureOut">
               <a:rPr lang="de-DE" smtClean="0"/>
-              <a:t>17.11.2022</a:t>
+              <a:t>22.11.2022</a:t>
             </a:fld>
             <a:endParaRPr lang="de-DE"/>
           </a:p>
@@ -467,7 +483,7 @@
           <a:p>
             <a:fld id="{7CD3A886-8144-4CEA-9C6D-C28B5F41F8A0}" type="datetimeFigureOut">
               <a:rPr lang="de-DE" smtClean="0"/>
-              <a:t>17.11.2022</a:t>
+              <a:t>22.11.2022</a:t>
             </a:fld>
             <a:endParaRPr lang="de-DE"/>
           </a:p>
@@ -675,7 +691,7 @@
           <a:p>
             <a:fld id="{7CD3A886-8144-4CEA-9C6D-C28B5F41F8A0}" type="datetimeFigureOut">
               <a:rPr lang="de-DE" smtClean="0"/>
-              <a:t>17.11.2022</a:t>
+              <a:t>22.11.2022</a:t>
             </a:fld>
             <a:endParaRPr lang="de-DE"/>
           </a:p>
@@ -3339,7 +3355,7 @@
           <a:p>
             <a:fld id="{7CD3A886-8144-4CEA-9C6D-C28B5F41F8A0}" type="datetimeFigureOut">
               <a:rPr lang="de-DE" smtClean="0"/>
-              <a:t>17.11.2022</a:t>
+              <a:t>22.11.2022</a:t>
             </a:fld>
             <a:endParaRPr lang="de-DE"/>
           </a:p>
@@ -7133,7 +7149,7 @@
           <a:p>
             <a:fld id="{7CD3A886-8144-4CEA-9C6D-C28B5F41F8A0}" type="datetimeFigureOut">
               <a:rPr lang="de-DE" smtClean="0"/>
-              <a:t>17.11.2022</a:t>
+              <a:t>22.11.2022</a:t>
             </a:fld>
             <a:endParaRPr lang="de-DE"/>
           </a:p>
@@ -9328,7 +9344,7 @@
           <a:p>
             <a:fld id="{7CD3A886-8144-4CEA-9C6D-C28B5F41F8A0}" type="datetimeFigureOut">
               <a:rPr lang="de-DE" smtClean="0"/>
-              <a:t>17.11.2022</a:t>
+              <a:t>22.11.2022</a:t>
             </a:fld>
             <a:endParaRPr lang="de-DE"/>
           </a:p>
@@ -9740,7 +9756,7 @@
           <a:p>
             <a:fld id="{7CD3A886-8144-4CEA-9C6D-C28B5F41F8A0}" type="datetimeFigureOut">
               <a:rPr lang="de-DE" smtClean="0"/>
-              <a:t>17.11.2022</a:t>
+              <a:t>22.11.2022</a:t>
             </a:fld>
             <a:endParaRPr lang="de-DE"/>
           </a:p>
@@ -9881,7 +9897,7 @@
           <a:p>
             <a:fld id="{7CD3A886-8144-4CEA-9C6D-C28B5F41F8A0}" type="datetimeFigureOut">
               <a:rPr lang="de-DE" smtClean="0"/>
-              <a:t>17.11.2022</a:t>
+              <a:t>22.11.2022</a:t>
             </a:fld>
             <a:endParaRPr lang="de-DE"/>
           </a:p>
@@ -9994,7 +10010,7 @@
           <a:p>
             <a:fld id="{7CD3A886-8144-4CEA-9C6D-C28B5F41F8A0}" type="datetimeFigureOut">
               <a:rPr lang="de-DE" smtClean="0"/>
-              <a:t>17.11.2022</a:t>
+              <a:t>22.11.2022</a:t>
             </a:fld>
             <a:endParaRPr lang="de-DE"/>
           </a:p>
@@ -10305,7 +10321,7 @@
           <a:p>
             <a:fld id="{7CD3A886-8144-4CEA-9C6D-C28B5F41F8A0}" type="datetimeFigureOut">
               <a:rPr lang="de-DE" smtClean="0"/>
-              <a:t>17.11.2022</a:t>
+              <a:t>22.11.2022</a:t>
             </a:fld>
             <a:endParaRPr lang="de-DE"/>
           </a:p>
@@ -10593,7 +10609,7 @@
           <a:p>
             <a:fld id="{7CD3A886-8144-4CEA-9C6D-C28B5F41F8A0}" type="datetimeFigureOut">
               <a:rPr lang="de-DE" smtClean="0"/>
-              <a:t>17.11.2022</a:t>
+              <a:t>22.11.2022</a:t>
             </a:fld>
             <a:endParaRPr lang="de-DE"/>
           </a:p>
@@ -10834,7 +10850,7 @@
           <a:p>
             <a:fld id="{7CD3A886-8144-4CEA-9C6D-C28B5F41F8A0}" type="datetimeFigureOut">
               <a:rPr lang="de-DE" smtClean="0"/>
-              <a:t>17.11.2022</a:t>
+              <a:t>22.11.2022</a:t>
             </a:fld>
             <a:endParaRPr lang="de-DE"/>
           </a:p>
@@ -20543,7 +20559,12 @@
             <p:ph idx="1"/>
           </p:nvPr>
         </p:nvSpPr>
-        <p:spPr/>
+        <p:spPr>
+          <a:xfrm>
+            <a:off x="719667" y="2767920"/>
+            <a:ext cx="10032667" cy="1322160"/>
+          </a:xfrm>
+        </p:spPr>
         <p:txBody>
           <a:bodyPr/>
           <a:lstStyle/>
@@ -20814,6 +20835,147 @@
                 <a:cs typeface="+mn-cs"/>
               </a:rPr>
               <a:t> | Lisa-Marlen Wiegandt</a:t>
+            </a:r>
+          </a:p>
+        </p:txBody>
+      </p:sp>
+      <p:sp>
+        <p:nvSpPr>
+          <p:cNvPr id="3" name="Fußzeilenplatzhalter 1">
+            <a:extLst>
+              <a:ext uri="{FF2B5EF4-FFF2-40B4-BE49-F238E27FC236}">
+                <a16:creationId xmlns:a16="http://schemas.microsoft.com/office/drawing/2014/main" id="{A7CF64DD-C9CA-F93E-CF52-DBC755A943BB}"/>
+              </a:ext>
+            </a:extLst>
+          </p:cNvPr>
+          <p:cNvSpPr txBox="1">
+            <a:spLocks/>
+          </p:cNvSpPr>
+          <p:nvPr/>
+        </p:nvSpPr>
+        <p:spPr>
+          <a:xfrm>
+            <a:off x="719667" y="3970080"/>
+            <a:ext cx="7313265" cy="240000"/>
+          </a:xfrm>
+          <a:prstGeom prst="rect">
+            <a:avLst/>
+          </a:prstGeom>
+        </p:spPr>
+        <p:txBody>
+          <a:bodyPr vert="horz" lIns="0" tIns="0" rIns="0" bIns="0" rtlCol="0" anchor="t" anchorCtr="0">
+            <a:noAutofit/>
+          </a:bodyPr>
+          <a:lstStyle>
+            <a:defPPr>
+              <a:defRPr lang="de-DE"/>
+            </a:defPPr>
+            <a:lvl1pPr marL="0" algn="l" defTabSz="914400" rtl="0" eaLnBrk="1" latinLnBrk="0" hangingPunct="1">
+              <a:defRPr lang="de-DE" sz="1333" b="0" kern="1200" smtClean="0">
+                <a:solidFill>
+                  <a:schemeClr val="bg1">
+                    <a:lumMod val="65000"/>
+                  </a:schemeClr>
+                </a:solidFill>
+                <a:latin typeface="HTWBerlin Office" panose="02000000000000000000" pitchFamily="2" charset="0"/>
+                <a:ea typeface="+mn-ea"/>
+                <a:cs typeface="+mn-cs"/>
+              </a:defRPr>
+            </a:lvl1pPr>
+            <a:lvl2pPr marL="457200" algn="l" defTabSz="914400" rtl="0" eaLnBrk="1" latinLnBrk="0" hangingPunct="1">
+              <a:defRPr sz="1800" kern="1200">
+                <a:solidFill>
+                  <a:schemeClr val="tx1"/>
+                </a:solidFill>
+                <a:latin typeface="+mn-lt"/>
+                <a:ea typeface="+mn-ea"/>
+                <a:cs typeface="+mn-cs"/>
+              </a:defRPr>
+            </a:lvl2pPr>
+            <a:lvl3pPr marL="914400" algn="l" defTabSz="914400" rtl="0" eaLnBrk="1" latinLnBrk="0" hangingPunct="1">
+              <a:defRPr sz="1800" kern="1200">
+                <a:solidFill>
+                  <a:schemeClr val="tx1"/>
+                </a:solidFill>
+                <a:latin typeface="+mn-lt"/>
+                <a:ea typeface="+mn-ea"/>
+                <a:cs typeface="+mn-cs"/>
+              </a:defRPr>
+            </a:lvl3pPr>
+            <a:lvl4pPr marL="1371600" algn="l" defTabSz="914400" rtl="0" eaLnBrk="1" latinLnBrk="0" hangingPunct="1">
+              <a:defRPr sz="1800" kern="1200">
+                <a:solidFill>
+                  <a:schemeClr val="tx1"/>
+                </a:solidFill>
+                <a:latin typeface="+mn-lt"/>
+                <a:ea typeface="+mn-ea"/>
+                <a:cs typeface="+mn-cs"/>
+              </a:defRPr>
+            </a:lvl4pPr>
+            <a:lvl5pPr marL="1828800" algn="l" defTabSz="914400" rtl="0" eaLnBrk="1" latinLnBrk="0" hangingPunct="1">
+              <a:defRPr sz="1800" kern="1200">
+                <a:solidFill>
+                  <a:schemeClr val="tx1"/>
+                </a:solidFill>
+                <a:latin typeface="+mn-lt"/>
+                <a:ea typeface="+mn-ea"/>
+                <a:cs typeface="+mn-cs"/>
+              </a:defRPr>
+            </a:lvl5pPr>
+            <a:lvl6pPr marL="2286000" algn="l" defTabSz="914400" rtl="0" eaLnBrk="1" latinLnBrk="0" hangingPunct="1">
+              <a:defRPr sz="1800" kern="1200">
+                <a:solidFill>
+                  <a:schemeClr val="tx1"/>
+                </a:solidFill>
+                <a:latin typeface="+mn-lt"/>
+                <a:ea typeface="+mn-ea"/>
+                <a:cs typeface="+mn-cs"/>
+              </a:defRPr>
+            </a:lvl6pPr>
+            <a:lvl7pPr marL="2743200" algn="l" defTabSz="914400" rtl="0" eaLnBrk="1" latinLnBrk="0" hangingPunct="1">
+              <a:defRPr sz="1800" kern="1200">
+                <a:solidFill>
+                  <a:schemeClr val="tx1"/>
+                </a:solidFill>
+                <a:latin typeface="+mn-lt"/>
+                <a:ea typeface="+mn-ea"/>
+                <a:cs typeface="+mn-cs"/>
+              </a:defRPr>
+            </a:lvl7pPr>
+            <a:lvl8pPr marL="3200400" algn="l" defTabSz="914400" rtl="0" eaLnBrk="1" latinLnBrk="0" hangingPunct="1">
+              <a:defRPr sz="1800" kern="1200">
+                <a:solidFill>
+                  <a:schemeClr val="tx1"/>
+                </a:solidFill>
+                <a:latin typeface="+mn-lt"/>
+                <a:ea typeface="+mn-ea"/>
+                <a:cs typeface="+mn-cs"/>
+              </a:defRPr>
+            </a:lvl8pPr>
+            <a:lvl9pPr marL="3657600" algn="l" defTabSz="914400" rtl="0" eaLnBrk="1" latinLnBrk="0" hangingPunct="1">
+              <a:defRPr sz="1800" kern="1200">
+                <a:solidFill>
+                  <a:schemeClr val="tx1"/>
+                </a:solidFill>
+                <a:latin typeface="+mn-lt"/>
+                <a:ea typeface="+mn-ea"/>
+                <a:cs typeface="+mn-cs"/>
+              </a:defRPr>
+            </a:lvl9pPr>
+          </a:lstStyle>
+          <a:p>
+            <a:pPr>
+              <a:defRPr/>
+            </a:pPr>
+            <a:r>
+              <a:rPr lang="de-DE" sz="1000" dirty="0">
+                <a:solidFill>
+                  <a:srgbClr val="FFFFFF">
+                    <a:lumMod val="65000"/>
+                  </a:srgbClr>
+                </a:solidFill>
+              </a:rPr>
+              <a:t>https://snapstack.cz/data-augmentation-advantages-challenges-and-instances/ (14.11.22) </a:t>
             </a:r>
           </a:p>
         </p:txBody>
@@ -20862,10 +21024,10 @@
       </p:grpSpPr>
       <p:sp>
         <p:nvSpPr>
-          <p:cNvPr id="7" name="Titel 6">
+          <p:cNvPr id="5" name="Titel 4">
             <a:extLst>
               <a:ext uri="{FF2B5EF4-FFF2-40B4-BE49-F238E27FC236}">
-                <a16:creationId xmlns:a16="http://schemas.microsoft.com/office/drawing/2014/main" id="{A2BA0C1E-7BE0-4EA4-93B2-80850F76EFF7}"/>
+                <a16:creationId xmlns:a16="http://schemas.microsoft.com/office/drawing/2014/main" id="{42C11151-AFD3-4918-B546-DA880E401E81}"/>
               </a:ext>
             </a:extLst>
           </p:cNvPr>
@@ -20876,38 +21038,29 @@
             <p:ph type="title"/>
           </p:nvPr>
         </p:nvSpPr>
-        <p:spPr>
-          <a:xfrm>
-            <a:off x="719666" y="1348381"/>
-            <a:ext cx="8040511" cy="584327"/>
-          </a:xfrm>
-        </p:spPr>
+        <p:spPr/>
         <p:txBody>
           <a:bodyPr/>
           <a:lstStyle/>
           <a:p>
             <a:r>
               <a:rPr lang="de-DE" dirty="0"/>
-              <a:t>4. Online </a:t>
+              <a:t>Challenges – brauchbare </a:t>
             </a:r>
             <a:r>
               <a:rPr lang="de-DE" dirty="0" err="1"/>
-              <a:t>vs</a:t>
-            </a:r>
-            <a:r>
-              <a:rPr lang="de-DE" dirty="0"/>
-              <a:t> Offline Augmentation</a:t>
-            </a:r>
-            <a:endParaRPr lang="sr-Latn-CS" b="0" dirty="0"/>
+              <a:t>Augmentierung</a:t>
+            </a:r>
+            <a:endParaRPr lang="sr-Latn-CS" dirty="0"/>
           </a:p>
         </p:txBody>
       </p:sp>
       <p:sp>
         <p:nvSpPr>
-          <p:cNvPr id="8" name="Foliennummernplatzhalter 7">
+          <p:cNvPr id="4" name="Foliennummernplatzhalter 3">
             <a:extLst>
               <a:ext uri="{FF2B5EF4-FFF2-40B4-BE49-F238E27FC236}">
-                <a16:creationId xmlns:a16="http://schemas.microsoft.com/office/drawing/2014/main" id="{B4709D36-B4EC-4703-8CE4-A0457C99B432}"/>
+                <a16:creationId xmlns:a16="http://schemas.microsoft.com/office/drawing/2014/main" id="{65C6B3CB-482B-4686-A31C-3C1E7DE2CB2C}"/>
               </a:ext>
             </a:extLst>
           </p:cNvPr>
@@ -20946,7 +21099,7 @@
                   <a:noFill/>
                 </a:ln>
                 <a:solidFill>
-                  <a:srgbClr val="FFFFFF"/>
+                  <a:srgbClr val="787878"/>
                 </a:solidFill>
                 <a:effectLst/>
                 <a:uLnTx/>
@@ -20979,7 +21132,7 @@
                 <a:noFill/>
               </a:ln>
               <a:solidFill>
-                <a:srgbClr val="FFFFFF"/>
+                <a:srgbClr val="787878"/>
               </a:solidFill>
               <a:effectLst/>
               <a:uLnTx/>
@@ -20996,7 +21149,7 @@
           <p:cNvPr id="2" name="Fußzeilenplatzhalter 1">
             <a:extLst>
               <a:ext uri="{FF2B5EF4-FFF2-40B4-BE49-F238E27FC236}">
-                <a16:creationId xmlns:a16="http://schemas.microsoft.com/office/drawing/2014/main" id="{931BEC8B-5A45-4C7F-9B47-9A1E161FAC78}"/>
+                <a16:creationId xmlns:a16="http://schemas.microsoft.com/office/drawing/2014/main" id="{132B9206-613C-42CD-9344-72F6A9511C96}"/>
               </a:ext>
             </a:extLst>
           </p:cNvPr>
@@ -21012,7 +21165,7 @@
           <a:bodyPr/>
           <a:lstStyle/>
           <a:p>
-            <a:pPr marL="0" marR="0" lvl="0" indent="0" algn="l" defTabSz="609585" rtl="0" eaLnBrk="1" fontAlgn="auto" latinLnBrk="0" hangingPunct="1">
+            <a:pPr marL="0" marR="0" lvl="0" indent="0" algn="l" defTabSz="914400" rtl="0" eaLnBrk="1" fontAlgn="auto" latinLnBrk="0" hangingPunct="1">
               <a:lnSpc>
                 <a:spcPct val="100000"/>
               </a:lnSpc>
@@ -21035,7 +21188,9 @@
                   <a:noFill/>
                 </a:ln>
                 <a:solidFill>
-                  <a:srgbClr val="FFFFFF"/>
+                  <a:srgbClr val="FFFFFF">
+                    <a:lumMod val="65000"/>
+                  </a:srgbClr>
                 </a:solidFill>
                 <a:effectLst/>
                 <a:uLnTx/>
@@ -21052,7 +21207,9 @@
                   <a:noFill/>
                 </a:ln>
                 <a:solidFill>
-                  <a:srgbClr val="FFFFFF"/>
+                  <a:srgbClr val="FFFFFF">
+                    <a:lumMod val="65000"/>
+                  </a:srgbClr>
                 </a:solidFill>
                 <a:effectLst/>
                 <a:uLnTx/>
@@ -21069,7 +21226,9 @@
                   <a:noFill/>
                 </a:ln>
                 <a:solidFill>
-                  <a:srgbClr val="FFFFFF"/>
+                  <a:srgbClr val="FFFFFF">
+                    <a:lumMod val="65000"/>
+                  </a:srgbClr>
                 </a:solidFill>
                 <a:effectLst/>
                 <a:uLnTx/>
@@ -21079,6 +21238,452 @@
                 <a:cs typeface="+mn-cs"/>
               </a:rPr>
               <a:t> | Lisa-Marlen Wiegandt</a:t>
+            </a:r>
+          </a:p>
+        </p:txBody>
+      </p:sp>
+      <p:sp>
+        <p:nvSpPr>
+          <p:cNvPr id="10" name="Pfeil: nach rechts 9">
+            <a:extLst>
+              <a:ext uri="{FF2B5EF4-FFF2-40B4-BE49-F238E27FC236}">
+                <a16:creationId xmlns:a16="http://schemas.microsoft.com/office/drawing/2014/main" id="{4DC28271-4EAE-F9A7-3966-27F578989F06}"/>
+              </a:ext>
+            </a:extLst>
+          </p:cNvPr>
+          <p:cNvSpPr/>
+          <p:nvPr/>
+        </p:nvSpPr>
+        <p:spPr>
+          <a:xfrm>
+            <a:off x="4700016" y="3218688"/>
+            <a:ext cx="2791968" cy="420624"/>
+          </a:xfrm>
+          <a:prstGeom prst="rightArrow">
+            <a:avLst/>
+          </a:prstGeom>
+        </p:spPr>
+        <p:style>
+          <a:lnRef idx="2">
+            <a:schemeClr val="accent1">
+              <a:shade val="50000"/>
+            </a:schemeClr>
+          </a:lnRef>
+          <a:fillRef idx="1">
+            <a:schemeClr val="accent1"/>
+          </a:fillRef>
+          <a:effectRef idx="0">
+            <a:schemeClr val="accent1"/>
+          </a:effectRef>
+          <a:fontRef idx="minor">
+            <a:schemeClr val="lt1"/>
+          </a:fontRef>
+        </p:style>
+        <p:txBody>
+          <a:bodyPr rtlCol="0" anchor="ctr"/>
+          <a:lstStyle/>
+          <a:p>
+            <a:pPr marL="0" marR="0" lvl="0" indent="0" algn="ctr" defTabSz="914400" rtl="0" eaLnBrk="1" fontAlgn="auto" latinLnBrk="0" hangingPunct="1">
+              <a:lnSpc>
+                <a:spcPct val="100000"/>
+              </a:lnSpc>
+              <a:spcBef>
+                <a:spcPts val="0"/>
+              </a:spcBef>
+              <a:spcAft>
+                <a:spcPts val="0"/>
+              </a:spcAft>
+              <a:buClrTx/>
+              <a:buSzTx/>
+              <a:buFontTx/>
+              <a:buNone/>
+              <a:tabLst/>
+              <a:defRPr/>
+            </a:pPr>
+            <a:endParaRPr kumimoji="0" lang="de-DE" sz="1800" b="0" i="0" u="none" strike="noStrike" kern="1200" cap="none" spc="0" normalizeH="0" baseline="0" noProof="0">
+              <a:ln>
+                <a:noFill/>
+              </a:ln>
+              <a:solidFill>
+                <a:srgbClr val="FFFFFF"/>
+              </a:solidFill>
+              <a:effectLst/>
+              <a:uLnTx/>
+              <a:uFillTx/>
+              <a:latin typeface="Calibri"/>
+              <a:ea typeface="+mn-ea"/>
+              <a:cs typeface="+mn-cs"/>
+            </a:endParaRPr>
+          </a:p>
+        </p:txBody>
+      </p:sp>
+      <p:sp>
+        <p:nvSpPr>
+          <p:cNvPr id="13" name="Inhaltsplatzhalter 5">
+            <a:extLst>
+              <a:ext uri="{FF2B5EF4-FFF2-40B4-BE49-F238E27FC236}">
+                <a16:creationId xmlns:a16="http://schemas.microsoft.com/office/drawing/2014/main" id="{739895EC-66F4-22FE-72BB-F3A4A17C4117}"/>
+              </a:ext>
+            </a:extLst>
+          </p:cNvPr>
+          <p:cNvSpPr>
+            <a:spLocks noGrp="1"/>
+          </p:cNvSpPr>
+          <p:nvPr>
+            <p:ph idx="1"/>
+          </p:nvPr>
+        </p:nvSpPr>
+        <p:spPr>
+          <a:xfrm>
+            <a:off x="5681977" y="2895217"/>
+            <a:ext cx="828045" cy="323471"/>
+          </a:xfrm>
+        </p:spPr>
+        <p:txBody>
+          <a:bodyPr/>
+          <a:lstStyle/>
+          <a:p>
+            <a:pPr marL="0" lvl="3" indent="0">
+              <a:lnSpc>
+                <a:spcPct val="100000"/>
+              </a:lnSpc>
+              <a:spcAft>
+                <a:spcPts val="800"/>
+              </a:spcAft>
+              <a:buNone/>
+            </a:pPr>
+            <a:r>
+              <a:rPr lang="de-DE" sz="1867" noProof="1"/>
+              <a:t>Rotation</a:t>
+            </a:r>
+          </a:p>
+        </p:txBody>
+      </p:sp>
+      <p:pic>
+        <p:nvPicPr>
+          <p:cNvPr id="2050" name="Picture 2">
+            <a:extLst>
+              <a:ext uri="{FF2B5EF4-FFF2-40B4-BE49-F238E27FC236}">
+                <a16:creationId xmlns:a16="http://schemas.microsoft.com/office/drawing/2014/main" id="{C1842AC0-4AA7-8BC8-2EA1-52265E02A6AA}"/>
+              </a:ext>
+            </a:extLst>
+          </p:cNvPr>
+          <p:cNvPicPr>
+            <a:picLocks noChangeAspect="1" noChangeArrowheads="1"/>
+          </p:cNvPicPr>
+          <p:nvPr/>
+        </p:nvPicPr>
+        <p:blipFill>
+          <a:blip r:embed="rId2">
+            <a:extLst>
+              <a:ext uri="{28A0092B-C50C-407E-A947-70E740481C1C}">
+                <a14:useLocalDpi xmlns:a14="http://schemas.microsoft.com/office/drawing/2010/main" val="0"/>
+              </a:ext>
+            </a:extLst>
+          </a:blip>
+          <a:srcRect/>
+          <a:stretch>
+            <a:fillRect/>
+          </a:stretch>
+        </p:blipFill>
+        <p:spPr bwMode="auto">
+          <a:xfrm>
+            <a:off x="2396068" y="2399727"/>
+            <a:ext cx="628650" cy="657225"/>
+          </a:xfrm>
+          <a:prstGeom prst="rect">
+            <a:avLst/>
+          </a:prstGeom>
+          <a:noFill/>
+          <a:extLst>
+            <a:ext uri="{909E8E84-426E-40DD-AFC4-6F175D3DCCD1}">
+              <a14:hiddenFill xmlns:a14="http://schemas.microsoft.com/office/drawing/2010/main">
+                <a:solidFill>
+                  <a:srgbClr val="FFFFFF"/>
+                </a:solidFill>
+              </a14:hiddenFill>
+            </a:ext>
+          </a:extLst>
+        </p:spPr>
+      </p:pic>
+      <p:pic>
+        <p:nvPicPr>
+          <p:cNvPr id="2052" name="Picture 4">
+            <a:extLst>
+              <a:ext uri="{FF2B5EF4-FFF2-40B4-BE49-F238E27FC236}">
+                <a16:creationId xmlns:a16="http://schemas.microsoft.com/office/drawing/2014/main" id="{07DAE315-B4D6-14D0-D307-ADC0F0B10481}"/>
+              </a:ext>
+            </a:extLst>
+          </p:cNvPr>
+          <p:cNvPicPr>
+            <a:picLocks noChangeAspect="1" noChangeArrowheads="1"/>
+          </p:cNvPicPr>
+          <p:nvPr/>
+        </p:nvPicPr>
+        <p:blipFill>
+          <a:blip r:embed="rId3">
+            <a:extLst>
+              <a:ext uri="{28A0092B-C50C-407E-A947-70E740481C1C}">
+                <a14:useLocalDpi xmlns:a14="http://schemas.microsoft.com/office/drawing/2010/main" val="0"/>
+              </a:ext>
+            </a:extLst>
+          </a:blip>
+          <a:srcRect/>
+          <a:stretch>
+            <a:fillRect/>
+          </a:stretch>
+        </p:blipFill>
+        <p:spPr bwMode="auto">
+          <a:xfrm>
+            <a:off x="2367493" y="3639312"/>
+            <a:ext cx="657225" cy="666750"/>
+          </a:xfrm>
+          <a:prstGeom prst="rect">
+            <a:avLst/>
+          </a:prstGeom>
+          <a:noFill/>
+          <a:extLst>
+            <a:ext uri="{909E8E84-426E-40DD-AFC4-6F175D3DCCD1}">
+              <a14:hiddenFill xmlns:a14="http://schemas.microsoft.com/office/drawing/2010/main">
+                <a:solidFill>
+                  <a:srgbClr val="FFFFFF"/>
+                </a:solidFill>
+              </a14:hiddenFill>
+            </a:ext>
+          </a:extLst>
+        </p:spPr>
+      </p:pic>
+      <p:pic>
+        <p:nvPicPr>
+          <p:cNvPr id="3" name="Picture 2">
+            <a:extLst>
+              <a:ext uri="{FF2B5EF4-FFF2-40B4-BE49-F238E27FC236}">
+                <a16:creationId xmlns:a16="http://schemas.microsoft.com/office/drawing/2014/main" id="{67C07ECD-6860-6A92-C919-6DB6E4234400}"/>
+              </a:ext>
+            </a:extLst>
+          </p:cNvPr>
+          <p:cNvPicPr>
+            <a:picLocks noChangeAspect="1" noChangeArrowheads="1"/>
+          </p:cNvPicPr>
+          <p:nvPr/>
+        </p:nvPicPr>
+        <p:blipFill>
+          <a:blip r:embed="rId2">
+            <a:extLst>
+              <a:ext uri="{28A0092B-C50C-407E-A947-70E740481C1C}">
+                <a14:useLocalDpi xmlns:a14="http://schemas.microsoft.com/office/drawing/2010/main" val="0"/>
+              </a:ext>
+            </a:extLst>
+          </a:blip>
+          <a:srcRect/>
+          <a:stretch>
+            <a:fillRect/>
+          </a:stretch>
+        </p:blipFill>
+        <p:spPr bwMode="auto">
+          <a:xfrm rot="10800000">
+            <a:off x="8937236" y="2399727"/>
+            <a:ext cx="628650" cy="657225"/>
+          </a:xfrm>
+          <a:prstGeom prst="rect">
+            <a:avLst/>
+          </a:prstGeom>
+          <a:noFill/>
+          <a:extLst>
+            <a:ext uri="{909E8E84-426E-40DD-AFC4-6F175D3DCCD1}">
+              <a14:hiddenFill xmlns:a14="http://schemas.microsoft.com/office/drawing/2010/main">
+                <a:solidFill>
+                  <a:srgbClr val="FFFFFF"/>
+                </a:solidFill>
+              </a14:hiddenFill>
+            </a:ext>
+          </a:extLst>
+        </p:spPr>
+      </p:pic>
+      <p:pic>
+        <p:nvPicPr>
+          <p:cNvPr id="6" name="Picture 4">
+            <a:extLst>
+              <a:ext uri="{FF2B5EF4-FFF2-40B4-BE49-F238E27FC236}">
+                <a16:creationId xmlns:a16="http://schemas.microsoft.com/office/drawing/2014/main" id="{983110DB-FCC7-7E0B-2E35-EC7367CFF52B}"/>
+              </a:ext>
+            </a:extLst>
+          </p:cNvPr>
+          <p:cNvPicPr>
+            <a:picLocks noChangeAspect="1" noChangeArrowheads="1"/>
+          </p:cNvPicPr>
+          <p:nvPr/>
+        </p:nvPicPr>
+        <p:blipFill>
+          <a:blip r:embed="rId3">
+            <a:extLst>
+              <a:ext uri="{28A0092B-C50C-407E-A947-70E740481C1C}">
+                <a14:useLocalDpi xmlns:a14="http://schemas.microsoft.com/office/drawing/2010/main" val="0"/>
+              </a:ext>
+            </a:extLst>
+          </a:blip>
+          <a:srcRect/>
+          <a:stretch>
+            <a:fillRect/>
+          </a:stretch>
+        </p:blipFill>
+        <p:spPr bwMode="auto">
+          <a:xfrm rot="5400000">
+            <a:off x="8903898" y="3649450"/>
+            <a:ext cx="657225" cy="666750"/>
+          </a:xfrm>
+          <a:prstGeom prst="rect">
+            <a:avLst/>
+          </a:prstGeom>
+          <a:noFill/>
+          <a:extLst>
+            <a:ext uri="{909E8E84-426E-40DD-AFC4-6F175D3DCCD1}">
+              <a14:hiddenFill xmlns:a14="http://schemas.microsoft.com/office/drawing/2010/main">
+                <a:solidFill>
+                  <a:srgbClr val="FFFFFF"/>
+                </a:solidFill>
+              </a14:hiddenFill>
+            </a:ext>
+          </a:extLst>
+        </p:spPr>
+      </p:pic>
+      <p:sp>
+        <p:nvSpPr>
+          <p:cNvPr id="8" name="Fußzeilenplatzhalter 1">
+            <a:extLst>
+              <a:ext uri="{FF2B5EF4-FFF2-40B4-BE49-F238E27FC236}">
+                <a16:creationId xmlns:a16="http://schemas.microsoft.com/office/drawing/2014/main" id="{7D674296-D9BC-E7E3-FD99-4DE11B0E4598}"/>
+              </a:ext>
+            </a:extLst>
+          </p:cNvPr>
+          <p:cNvSpPr txBox="1">
+            <a:spLocks/>
+          </p:cNvSpPr>
+          <p:nvPr/>
+        </p:nvSpPr>
+        <p:spPr>
+          <a:xfrm>
+            <a:off x="2367493" y="4458312"/>
+            <a:ext cx="7313265" cy="240000"/>
+          </a:xfrm>
+          <a:prstGeom prst="rect">
+            <a:avLst/>
+          </a:prstGeom>
+        </p:spPr>
+        <p:txBody>
+          <a:bodyPr vert="horz" lIns="0" tIns="0" rIns="0" bIns="0" rtlCol="0" anchor="t" anchorCtr="0">
+            <a:noAutofit/>
+          </a:bodyPr>
+          <a:lstStyle>
+            <a:defPPr>
+              <a:defRPr lang="de-DE"/>
+            </a:defPPr>
+            <a:lvl1pPr marL="0" algn="l" defTabSz="914400" rtl="0" eaLnBrk="1" latinLnBrk="0" hangingPunct="1">
+              <a:defRPr lang="de-DE" sz="1333" b="0" kern="1200" smtClean="0">
+                <a:solidFill>
+                  <a:schemeClr val="bg1">
+                    <a:lumMod val="65000"/>
+                  </a:schemeClr>
+                </a:solidFill>
+                <a:latin typeface="HTWBerlin Office" panose="02000000000000000000" pitchFamily="2" charset="0"/>
+                <a:ea typeface="+mn-ea"/>
+                <a:cs typeface="+mn-cs"/>
+              </a:defRPr>
+            </a:lvl1pPr>
+            <a:lvl2pPr marL="457200" algn="l" defTabSz="914400" rtl="0" eaLnBrk="1" latinLnBrk="0" hangingPunct="1">
+              <a:defRPr sz="1800" kern="1200">
+                <a:solidFill>
+                  <a:schemeClr val="tx1"/>
+                </a:solidFill>
+                <a:latin typeface="+mn-lt"/>
+                <a:ea typeface="+mn-ea"/>
+                <a:cs typeface="+mn-cs"/>
+              </a:defRPr>
+            </a:lvl2pPr>
+            <a:lvl3pPr marL="914400" algn="l" defTabSz="914400" rtl="0" eaLnBrk="1" latinLnBrk="0" hangingPunct="1">
+              <a:defRPr sz="1800" kern="1200">
+                <a:solidFill>
+                  <a:schemeClr val="tx1"/>
+                </a:solidFill>
+                <a:latin typeface="+mn-lt"/>
+                <a:ea typeface="+mn-ea"/>
+                <a:cs typeface="+mn-cs"/>
+              </a:defRPr>
+            </a:lvl3pPr>
+            <a:lvl4pPr marL="1371600" algn="l" defTabSz="914400" rtl="0" eaLnBrk="1" latinLnBrk="0" hangingPunct="1">
+              <a:defRPr sz="1800" kern="1200">
+                <a:solidFill>
+                  <a:schemeClr val="tx1"/>
+                </a:solidFill>
+                <a:latin typeface="+mn-lt"/>
+                <a:ea typeface="+mn-ea"/>
+                <a:cs typeface="+mn-cs"/>
+              </a:defRPr>
+            </a:lvl4pPr>
+            <a:lvl5pPr marL="1828800" algn="l" defTabSz="914400" rtl="0" eaLnBrk="1" latinLnBrk="0" hangingPunct="1">
+              <a:defRPr sz="1800" kern="1200">
+                <a:solidFill>
+                  <a:schemeClr val="tx1"/>
+                </a:solidFill>
+                <a:latin typeface="+mn-lt"/>
+                <a:ea typeface="+mn-ea"/>
+                <a:cs typeface="+mn-cs"/>
+              </a:defRPr>
+            </a:lvl5pPr>
+            <a:lvl6pPr marL="2286000" algn="l" defTabSz="914400" rtl="0" eaLnBrk="1" latinLnBrk="0" hangingPunct="1">
+              <a:defRPr sz="1800" kern="1200">
+                <a:solidFill>
+                  <a:schemeClr val="tx1"/>
+                </a:solidFill>
+                <a:latin typeface="+mn-lt"/>
+                <a:ea typeface="+mn-ea"/>
+                <a:cs typeface="+mn-cs"/>
+              </a:defRPr>
+            </a:lvl6pPr>
+            <a:lvl7pPr marL="2743200" algn="l" defTabSz="914400" rtl="0" eaLnBrk="1" latinLnBrk="0" hangingPunct="1">
+              <a:defRPr sz="1800" kern="1200">
+                <a:solidFill>
+                  <a:schemeClr val="tx1"/>
+                </a:solidFill>
+                <a:latin typeface="+mn-lt"/>
+                <a:ea typeface="+mn-ea"/>
+                <a:cs typeface="+mn-cs"/>
+              </a:defRPr>
+            </a:lvl7pPr>
+            <a:lvl8pPr marL="3200400" algn="l" defTabSz="914400" rtl="0" eaLnBrk="1" latinLnBrk="0" hangingPunct="1">
+              <a:defRPr sz="1800" kern="1200">
+                <a:solidFill>
+                  <a:schemeClr val="tx1"/>
+                </a:solidFill>
+                <a:latin typeface="+mn-lt"/>
+                <a:ea typeface="+mn-ea"/>
+                <a:cs typeface="+mn-cs"/>
+              </a:defRPr>
+            </a:lvl8pPr>
+            <a:lvl9pPr marL="3657600" algn="l" defTabSz="914400" rtl="0" eaLnBrk="1" latinLnBrk="0" hangingPunct="1">
+              <a:defRPr sz="1800" kern="1200">
+                <a:solidFill>
+                  <a:schemeClr val="tx1"/>
+                </a:solidFill>
+                <a:latin typeface="+mn-lt"/>
+                <a:ea typeface="+mn-ea"/>
+                <a:cs typeface="+mn-cs"/>
+              </a:defRPr>
+            </a:lvl9pPr>
+          </a:lstStyle>
+          <a:p>
+            <a:pPr>
+              <a:defRPr/>
+            </a:pPr>
+            <a:r>
+              <a:rPr lang="de-DE" sz="1000" dirty="0">
+                <a:solidFill>
+                  <a:srgbClr val="FFFFFF">
+                    <a:lumMod val="65000"/>
+                  </a:srgbClr>
+                </a:solidFill>
+              </a:rPr>
+              <a:t>Bilder aus MNIST Datensatz http://yann.lecun.com/exdb/mnist/ (14.11.22) </a:t>
             </a:r>
           </a:p>
         </p:txBody>
@@ -21086,7 +21691,7 @@
     </p:spTree>
     <p:extLst>
       <p:ext uri="{BB962C8B-B14F-4D97-AF65-F5344CB8AC3E}">
-        <p14:creationId xmlns:p14="http://schemas.microsoft.com/office/powerpoint/2010/main" val="200479134"/>
+        <p14:creationId xmlns:p14="http://schemas.microsoft.com/office/powerpoint/2010/main" val="3331266389"/>
       </p:ext>
     </p:extLst>
   </p:cSld>
@@ -21109,388 +21714,6 @@
 </file>
 
 <file path=ppt/slides/slide12.xml><?xml version="1.0" encoding="utf-8"?>
-<p:sld xmlns:a="http://schemas.openxmlformats.org/drawingml/2006/main" xmlns:r="http://schemas.openxmlformats.org/officeDocument/2006/relationships" xmlns:p="http://schemas.openxmlformats.org/presentationml/2006/main">
-  <p:cSld>
-    <p:spTree>
-      <p:nvGrpSpPr>
-        <p:cNvPr id="1" name=""/>
-        <p:cNvGrpSpPr/>
-        <p:nvPr/>
-      </p:nvGrpSpPr>
-      <p:grpSpPr>
-        <a:xfrm>
-          <a:off x="0" y="0"/>
-          <a:ext cx="0" cy="0"/>
-          <a:chOff x="0" y="0"/>
-          <a:chExt cx="0" cy="0"/>
-        </a:xfrm>
-      </p:grpSpPr>
-      <p:sp>
-        <p:nvSpPr>
-          <p:cNvPr id="9" name="Titel 8">
-            <a:extLst>
-              <a:ext uri="{FF2B5EF4-FFF2-40B4-BE49-F238E27FC236}">
-                <a16:creationId xmlns:a16="http://schemas.microsoft.com/office/drawing/2014/main" id="{85AAEC6E-2FE3-43CD-B241-D9630196B3E8}"/>
-              </a:ext>
-            </a:extLst>
-          </p:cNvPr>
-          <p:cNvSpPr>
-            <a:spLocks noGrp="1"/>
-          </p:cNvSpPr>
-          <p:nvPr>
-            <p:ph type="title"/>
-          </p:nvPr>
-        </p:nvSpPr>
-        <p:spPr/>
-        <p:txBody>
-          <a:bodyPr/>
-          <a:lstStyle/>
-          <a:p>
-            <a:r>
-              <a:rPr lang="de-DE" dirty="0"/>
-              <a:t>Online </a:t>
-            </a:r>
-            <a:r>
-              <a:rPr lang="de-DE" dirty="0" err="1"/>
-              <a:t>vs</a:t>
-            </a:r>
-            <a:r>
-              <a:rPr lang="de-DE" dirty="0"/>
-              <a:t> Offline Augmentation</a:t>
-            </a:r>
-            <a:endParaRPr lang="sr-Latn-CS" dirty="0"/>
-          </a:p>
-        </p:txBody>
-      </p:sp>
-      <p:sp>
-        <p:nvSpPr>
-          <p:cNvPr id="10" name="Inhaltsplatzhalter 9">
-            <a:extLst>
-              <a:ext uri="{FF2B5EF4-FFF2-40B4-BE49-F238E27FC236}">
-                <a16:creationId xmlns:a16="http://schemas.microsoft.com/office/drawing/2014/main" id="{8DC7BD85-1F52-4EBC-B07C-1B8FEE60F204}"/>
-              </a:ext>
-            </a:extLst>
-          </p:cNvPr>
-          <p:cNvSpPr>
-            <a:spLocks noGrp="1"/>
-          </p:cNvSpPr>
-          <p:nvPr>
-            <p:ph idx="1"/>
-          </p:nvPr>
-        </p:nvSpPr>
-        <p:spPr/>
-        <p:txBody>
-          <a:bodyPr/>
-          <a:lstStyle/>
-          <a:p>
-            <a:pPr marL="0" lvl="3" indent="0">
-              <a:spcAft>
-                <a:spcPts val="800"/>
-              </a:spcAft>
-              <a:buNone/>
-            </a:pPr>
-            <a:r>
-              <a:rPr lang="de-DE" sz="1867" b="1" noProof="1"/>
-              <a:t>Online Augmentation</a:t>
-            </a:r>
-          </a:p>
-          <a:p>
-            <a:pPr marL="239178" lvl="3">
-              <a:spcAft>
-                <a:spcPts val="800"/>
-              </a:spcAft>
-            </a:pPr>
-            <a:r>
-              <a:rPr lang="de-DE" sz="1867" noProof="1"/>
-              <a:t>Auswahl zufälliger Bilder aus dem Datensatz</a:t>
-            </a:r>
-          </a:p>
-          <a:p>
-            <a:pPr marL="239178" lvl="3">
-              <a:spcAft>
-                <a:spcPts val="800"/>
-              </a:spcAft>
-            </a:pPr>
-            <a:r>
-              <a:rPr lang="de-DE" sz="1867" noProof="1"/>
-              <a:t>Augmentation Techniken auf diese zufälligen Bilder anwenden</a:t>
-            </a:r>
-          </a:p>
-          <a:p>
-            <a:pPr marL="239178" lvl="3">
-              <a:spcAft>
-                <a:spcPts val="800"/>
-              </a:spcAft>
-            </a:pPr>
-            <a:r>
-              <a:rPr lang="de-DE" sz="1867" noProof="1"/>
-              <a:t>Training des Models mit originalem Datensatz und der augmented Daten</a:t>
-            </a:r>
-          </a:p>
-          <a:p>
-            <a:pPr marL="239178" lvl="3">
-              <a:spcAft>
-                <a:spcPts val="800"/>
-              </a:spcAft>
-            </a:pPr>
-            <a:r>
-              <a:rPr lang="de-DE" sz="1867" noProof="1"/>
-              <a:t>Verarbeitet in real-time</a:t>
-            </a:r>
-            <a:endParaRPr lang="de-DE" sz="1333" noProof="1"/>
-          </a:p>
-        </p:txBody>
-      </p:sp>
-      <p:sp>
-        <p:nvSpPr>
-          <p:cNvPr id="6" name="Foliennummernplatzhalter 5">
-            <a:extLst>
-              <a:ext uri="{FF2B5EF4-FFF2-40B4-BE49-F238E27FC236}">
-                <a16:creationId xmlns:a16="http://schemas.microsoft.com/office/drawing/2014/main" id="{D6038D3A-5E68-4CAD-9B94-17116215F013}"/>
-              </a:ext>
-            </a:extLst>
-          </p:cNvPr>
-          <p:cNvSpPr>
-            <a:spLocks noGrp="1"/>
-          </p:cNvSpPr>
-          <p:nvPr>
-            <p:ph type="sldNum" sz="quarter" idx="12"/>
-          </p:nvPr>
-        </p:nvSpPr>
-        <p:spPr/>
-        <p:txBody>
-          <a:bodyPr/>
-          <a:lstStyle/>
-          <a:p>
-            <a:pPr defTabSz="609585"/>
-            <a:fld id="{45D25029-37DE-484F-BFE0-9B37AF2B26B8}" type="slidenum">
-              <a:rPr lang="de-DE"/>
-              <a:pPr defTabSz="609585"/>
-              <a:t>12</a:t>
-            </a:fld>
-            <a:endParaRPr lang="de-DE" dirty="0"/>
-          </a:p>
-        </p:txBody>
-      </p:sp>
-      <p:sp>
-        <p:nvSpPr>
-          <p:cNvPr id="11" name="Inhaltsplatzhalter 10">
-            <a:extLst>
-              <a:ext uri="{FF2B5EF4-FFF2-40B4-BE49-F238E27FC236}">
-                <a16:creationId xmlns:a16="http://schemas.microsoft.com/office/drawing/2014/main" id="{48C84155-F8C6-4B29-A05B-5CD500B75DF5}"/>
-              </a:ext>
-            </a:extLst>
-          </p:cNvPr>
-          <p:cNvSpPr>
-            <a:spLocks noGrp="1"/>
-          </p:cNvSpPr>
-          <p:nvPr>
-            <p:ph idx="13"/>
-          </p:nvPr>
-        </p:nvSpPr>
-        <p:spPr/>
-        <p:txBody>
-          <a:bodyPr/>
-          <a:lstStyle/>
-          <a:p>
-            <a:pPr marL="0" lvl="3">
-              <a:lnSpc>
-                <a:spcPct val="100000"/>
-              </a:lnSpc>
-              <a:spcAft>
-                <a:spcPts val="800"/>
-              </a:spcAft>
-            </a:pPr>
-            <a:r>
-              <a:rPr lang="de-DE" sz="1867" b="1" noProof="1"/>
-              <a:t>Offline Augmentation</a:t>
-            </a:r>
-          </a:p>
-          <a:p>
-            <a:pPr marL="239178" lvl="3" indent="-239178">
-              <a:lnSpc>
-                <a:spcPct val="100000"/>
-              </a:lnSpc>
-              <a:spcAft>
-                <a:spcPts val="800"/>
-              </a:spcAft>
-              <a:buFont typeface="Arial" panose="020B0604020202020204" pitchFamily="34" charset="0"/>
-              <a:buChar char="•"/>
-            </a:pPr>
-            <a:r>
-              <a:rPr lang="de-DE" sz="1867" noProof="1"/>
-              <a:t>Anwendung von Augmentation auf jedes Bild</a:t>
-            </a:r>
-          </a:p>
-          <a:p>
-            <a:pPr marL="239178" lvl="3" indent="-239178">
-              <a:lnSpc>
-                <a:spcPct val="100000"/>
-              </a:lnSpc>
-              <a:spcAft>
-                <a:spcPts val="800"/>
-              </a:spcAft>
-              <a:buFont typeface="Arial" panose="020B0604020202020204" pitchFamily="34" charset="0"/>
-              <a:buChar char="•"/>
-            </a:pPr>
-            <a:r>
-              <a:rPr lang="de-DE" sz="1867" noProof="1"/>
-              <a:t>Speicherung auf Festplatte</a:t>
-            </a:r>
-          </a:p>
-          <a:p>
-            <a:pPr marL="239178" lvl="3" indent="-239178">
-              <a:lnSpc>
-                <a:spcPct val="100000"/>
-              </a:lnSpc>
-              <a:spcAft>
-                <a:spcPts val="800"/>
-              </a:spcAft>
-              <a:buFont typeface="Arial" panose="020B0604020202020204" pitchFamily="34" charset="0"/>
-              <a:buChar char="•"/>
-            </a:pPr>
-            <a:r>
-              <a:rPr lang="de-DE" sz="1867" noProof="1"/>
-              <a:t>Gleiche Techniken wie online Augmentation</a:t>
-            </a:r>
-          </a:p>
-          <a:p>
-            <a:pPr marL="0" lvl="3">
-              <a:lnSpc>
-                <a:spcPct val="100000"/>
-              </a:lnSpc>
-              <a:spcAft>
-                <a:spcPts val="800"/>
-              </a:spcAft>
-            </a:pPr>
-            <a:endParaRPr lang="de-DE" sz="1333" noProof="1"/>
-          </a:p>
-        </p:txBody>
-      </p:sp>
-      <p:sp>
-        <p:nvSpPr>
-          <p:cNvPr id="2" name="Fußzeilenplatzhalter 1">
-            <a:extLst>
-              <a:ext uri="{FF2B5EF4-FFF2-40B4-BE49-F238E27FC236}">
-                <a16:creationId xmlns:a16="http://schemas.microsoft.com/office/drawing/2014/main" id="{D95A88C8-7A6F-44DC-AB39-78579D1164E7}"/>
-              </a:ext>
-            </a:extLst>
-          </p:cNvPr>
-          <p:cNvSpPr>
-            <a:spLocks noGrp="1"/>
-          </p:cNvSpPr>
-          <p:nvPr>
-            <p:ph type="ftr" sz="quarter" idx="11"/>
-          </p:nvPr>
-        </p:nvSpPr>
-        <p:spPr/>
-        <p:txBody>
-          <a:bodyPr/>
-          <a:lstStyle/>
-          <a:p>
-            <a:pPr marL="0" marR="0" lvl="0" indent="0" algn="l" defTabSz="914400" rtl="0" eaLnBrk="1" fontAlgn="auto" latinLnBrk="0" hangingPunct="1">
-              <a:lnSpc>
-                <a:spcPct val="100000"/>
-              </a:lnSpc>
-              <a:spcBef>
-                <a:spcPts val="0"/>
-              </a:spcBef>
-              <a:spcAft>
-                <a:spcPts val="0"/>
-              </a:spcAft>
-              <a:buClrTx/>
-              <a:buSzTx/>
-              <a:buFontTx/>
-              <a:buNone/>
-              <a:tabLst/>
-              <a:defRPr/>
-            </a:pPr>
-            <a:r>
-              <a:rPr kumimoji="0" lang="de-DE" sz="1333" b="0" i="0" u="none" strike="noStrike" kern="1200" cap="none" spc="0" normalizeH="0" baseline="0" noProof="0" dirty="0">
-                <a:ln>
-                  <a:noFill/>
-                </a:ln>
-                <a:solidFill>
-                  <a:srgbClr val="FFFFFF">
-                    <a:lumMod val="65000"/>
-                  </a:srgbClr>
-                </a:solidFill>
-                <a:effectLst/>
-                <a:uLnTx/>
-                <a:uFillTx/>
-                <a:latin typeface="HTWBerlin Office" panose="02000000000000000000" pitchFamily="2" charset="0"/>
-                <a:ea typeface="+mn-ea"/>
-                <a:cs typeface="+mn-cs"/>
-              </a:rPr>
-              <a:t>Oliver </a:t>
-            </a:r>
-            <a:r>
-              <a:rPr kumimoji="0" lang="de-DE" sz="1333" b="0" i="0" u="none" strike="noStrike" kern="1200" cap="none" spc="0" normalizeH="0" baseline="0" noProof="0" dirty="0" err="1">
-                <a:ln>
-                  <a:noFill/>
-                </a:ln>
-                <a:solidFill>
-                  <a:srgbClr val="FFFFFF">
-                    <a:lumMod val="65000"/>
-                  </a:srgbClr>
-                </a:solidFill>
-                <a:effectLst/>
-                <a:uLnTx/>
-                <a:uFillTx/>
-                <a:latin typeface="HTWBerlin Office" panose="02000000000000000000" pitchFamily="2" charset="0"/>
-                <a:ea typeface="+mn-ea"/>
-                <a:cs typeface="+mn-cs"/>
-              </a:rPr>
-              <a:t>Thomaschewski</a:t>
-            </a:r>
-            <a:r>
-              <a:rPr kumimoji="0" lang="de-DE" sz="1333" b="0" i="0" u="none" strike="noStrike" kern="1200" cap="none" spc="0" normalizeH="0" baseline="0" noProof="0" dirty="0">
-                <a:ln>
-                  <a:noFill/>
-                </a:ln>
-                <a:solidFill>
-                  <a:srgbClr val="FFFFFF">
-                    <a:lumMod val="65000"/>
-                  </a:srgbClr>
-                </a:solidFill>
-                <a:effectLst/>
-                <a:uLnTx/>
-                <a:uFillTx/>
-                <a:latin typeface="HTWBerlin Office" panose="02000000000000000000" pitchFamily="2" charset="0"/>
-                <a:ea typeface="+mn-ea"/>
-                <a:cs typeface="+mn-cs"/>
-              </a:rPr>
-              <a:t> | Lisa-Marlen Wiegandt</a:t>
-            </a:r>
-          </a:p>
-        </p:txBody>
-      </p:sp>
-    </p:spTree>
-    <p:extLst>
-      <p:ext uri="{BB962C8B-B14F-4D97-AF65-F5344CB8AC3E}">
-        <p14:creationId xmlns:p14="http://schemas.microsoft.com/office/powerpoint/2010/main" val="1921198408"/>
-      </p:ext>
-    </p:extLst>
-  </p:cSld>
-  <p:clrMapOvr>
-    <a:masterClrMapping/>
-  </p:clrMapOvr>
-  <mc:AlternateContent xmlns:mc="http://schemas.openxmlformats.org/markup-compatibility/2006" xmlns:p14="http://schemas.microsoft.com/office/powerpoint/2010/main">
-    <mc:Choice Requires="p14">
-      <p:transition spd="med" p14:dur="700">
-        <p:fade/>
-      </p:transition>
-    </mc:Choice>
-    <mc:Fallback xmlns="">
-      <p:transition spd="med">
-        <p:fade/>
-      </p:transition>
-    </mc:Fallback>
-  </mc:AlternateContent>
-</p:sld>
-</file>
-
-<file path=ppt/slides/slide13.xml><?xml version="1.0" encoding="utf-8"?>
 <p:sld xmlns:a="http://schemas.openxmlformats.org/drawingml/2006/main" xmlns:r="http://schemas.openxmlformats.org/officeDocument/2006/relationships" xmlns:p="http://schemas.openxmlformats.org/presentationml/2006/main">
   <p:cSld>
     <p:spTree>
@@ -21535,7 +21758,7 @@
           <a:p>
             <a:r>
               <a:rPr lang="de-DE" dirty="0"/>
-              <a:t>5. Einfache Transformationen</a:t>
+              <a:t>4. Einfache Transformationen</a:t>
             </a:r>
             <a:endParaRPr lang="sr-Latn-CS" b="0" dirty="0"/>
           </a:p>
@@ -21611,7 +21834,7 @@
                 <a:tabLst/>
                 <a:defRPr/>
               </a:pPr>
-              <a:t>13</a:t>
+              <a:t>12</a:t>
             </a:fld>
             <a:endParaRPr kumimoji="0" lang="de-DE" sz="1333" b="1" i="0" u="none" strike="noStrike" kern="1200" cap="none" spc="0" normalizeH="0" baseline="0" noProof="0" dirty="0">
               <a:ln>
@@ -21725,7 +21948,420 @@
     </p:spTree>
     <p:extLst>
       <p:ext uri="{BB962C8B-B14F-4D97-AF65-F5344CB8AC3E}">
-        <p14:creationId xmlns:p14="http://schemas.microsoft.com/office/powerpoint/2010/main" val="2494791029"/>
+        <p14:creationId xmlns:p14="http://schemas.microsoft.com/office/powerpoint/2010/main" val="4267791655"/>
+      </p:ext>
+    </p:extLst>
+  </p:cSld>
+  <p:clrMapOvr>
+    <a:masterClrMapping/>
+  </p:clrMapOvr>
+  <mc:AlternateContent xmlns:mc="http://schemas.openxmlformats.org/markup-compatibility/2006" xmlns:p14="http://schemas.microsoft.com/office/powerpoint/2010/main">
+    <mc:Choice Requires="p14">
+      <p:transition spd="med" p14:dur="700">
+        <p:fade/>
+      </p:transition>
+    </mc:Choice>
+    <mc:Fallback xmlns="">
+      <p:transition spd="med">
+        <p:fade/>
+      </p:transition>
+    </mc:Fallback>
+  </mc:AlternateContent>
+</p:sld>
+</file>
+
+<file path=ppt/slides/slide13.xml><?xml version="1.0" encoding="utf-8"?>
+<p:sld xmlns:a="http://schemas.openxmlformats.org/drawingml/2006/main" xmlns:r="http://schemas.openxmlformats.org/officeDocument/2006/relationships" xmlns:p="http://schemas.openxmlformats.org/presentationml/2006/main">
+  <p:cSld>
+    <p:spTree>
+      <p:nvGrpSpPr>
+        <p:cNvPr id="1" name=""/>
+        <p:cNvGrpSpPr/>
+        <p:nvPr/>
+      </p:nvGrpSpPr>
+      <p:grpSpPr>
+        <a:xfrm>
+          <a:off x="0" y="0"/>
+          <a:ext cx="0" cy="0"/>
+          <a:chOff x="0" y="0"/>
+          <a:chExt cx="0" cy="0"/>
+        </a:xfrm>
+      </p:grpSpPr>
+      <p:sp>
+        <p:nvSpPr>
+          <p:cNvPr id="9" name="Titel 8">
+            <a:extLst>
+              <a:ext uri="{FF2B5EF4-FFF2-40B4-BE49-F238E27FC236}">
+                <a16:creationId xmlns:a16="http://schemas.microsoft.com/office/drawing/2014/main" id="{85AAEC6E-2FE3-43CD-B241-D9630196B3E8}"/>
+              </a:ext>
+            </a:extLst>
+          </p:cNvPr>
+          <p:cNvSpPr>
+            <a:spLocks noGrp="1"/>
+          </p:cNvSpPr>
+          <p:nvPr>
+            <p:ph type="title"/>
+          </p:nvPr>
+        </p:nvSpPr>
+        <p:spPr/>
+        <p:txBody>
+          <a:bodyPr/>
+          <a:lstStyle/>
+          <a:p>
+            <a:r>
+              <a:rPr lang="de-DE" dirty="0"/>
+              <a:t>Einfache Transformationen</a:t>
+            </a:r>
+            <a:endParaRPr lang="sr-Latn-CS" dirty="0"/>
+          </a:p>
+        </p:txBody>
+      </p:sp>
+      <p:sp>
+        <p:nvSpPr>
+          <p:cNvPr id="10" name="Inhaltsplatzhalter 9">
+            <a:extLst>
+              <a:ext uri="{FF2B5EF4-FFF2-40B4-BE49-F238E27FC236}">
+                <a16:creationId xmlns:a16="http://schemas.microsoft.com/office/drawing/2014/main" id="{8DC7BD85-1F52-4EBC-B07C-1B8FEE60F204}"/>
+              </a:ext>
+            </a:extLst>
+          </p:cNvPr>
+          <p:cNvSpPr>
+            <a:spLocks noGrp="1"/>
+          </p:cNvSpPr>
+          <p:nvPr>
+            <p:ph idx="1"/>
+          </p:nvPr>
+        </p:nvSpPr>
+        <p:spPr>
+          <a:xfrm>
+            <a:off x="576959" y="3048155"/>
+            <a:ext cx="4895517" cy="990663"/>
+          </a:xfrm>
+        </p:spPr>
+        <p:txBody>
+          <a:bodyPr/>
+          <a:lstStyle/>
+          <a:p>
+            <a:pPr marL="0" lvl="3" indent="0">
+              <a:spcAft>
+                <a:spcPts val="800"/>
+              </a:spcAft>
+              <a:buNone/>
+            </a:pPr>
+            <a:r>
+              <a:rPr lang="de-DE" sz="1867" b="1" noProof="1"/>
+              <a:t>torchvision.transform</a:t>
+            </a:r>
+          </a:p>
+          <a:p>
+            <a:pPr marL="239178" lvl="3">
+              <a:spcAft>
+                <a:spcPts val="800"/>
+              </a:spcAft>
+            </a:pPr>
+            <a:r>
+              <a:rPr lang="de-DE" sz="1867" noProof="1"/>
+              <a:t>Auswahl der Transformationswerte aus einem Bereich</a:t>
+            </a:r>
+            <a:endParaRPr lang="de-DE" sz="1333" noProof="1"/>
+          </a:p>
+        </p:txBody>
+      </p:sp>
+      <p:sp>
+        <p:nvSpPr>
+          <p:cNvPr id="6" name="Foliennummernplatzhalter 5">
+            <a:extLst>
+              <a:ext uri="{FF2B5EF4-FFF2-40B4-BE49-F238E27FC236}">
+                <a16:creationId xmlns:a16="http://schemas.microsoft.com/office/drawing/2014/main" id="{D6038D3A-5E68-4CAD-9B94-17116215F013}"/>
+              </a:ext>
+            </a:extLst>
+          </p:cNvPr>
+          <p:cNvSpPr>
+            <a:spLocks noGrp="1"/>
+          </p:cNvSpPr>
+          <p:nvPr>
+            <p:ph type="sldNum" sz="quarter" idx="12"/>
+          </p:nvPr>
+        </p:nvSpPr>
+        <p:spPr/>
+        <p:txBody>
+          <a:bodyPr/>
+          <a:lstStyle/>
+          <a:p>
+            <a:pPr defTabSz="609585"/>
+            <a:fld id="{45D25029-37DE-484F-BFE0-9B37AF2B26B8}" type="slidenum">
+              <a:rPr lang="de-DE"/>
+              <a:pPr defTabSz="609585"/>
+              <a:t>13</a:t>
+            </a:fld>
+            <a:endParaRPr lang="de-DE" dirty="0"/>
+          </a:p>
+        </p:txBody>
+      </p:sp>
+      <p:sp>
+        <p:nvSpPr>
+          <p:cNvPr id="11" name="Inhaltsplatzhalter 10">
+            <a:extLst>
+              <a:ext uri="{FF2B5EF4-FFF2-40B4-BE49-F238E27FC236}">
+                <a16:creationId xmlns:a16="http://schemas.microsoft.com/office/drawing/2014/main" id="{48C84155-F8C6-4B29-A05B-5CD500B75DF5}"/>
+              </a:ext>
+            </a:extLst>
+          </p:cNvPr>
+          <p:cNvSpPr>
+            <a:spLocks noGrp="1"/>
+          </p:cNvSpPr>
+          <p:nvPr>
+            <p:ph idx="13"/>
+          </p:nvPr>
+        </p:nvSpPr>
+        <p:spPr>
+          <a:xfrm>
+            <a:off x="5857150" y="3048155"/>
+            <a:ext cx="4895517" cy="761690"/>
+          </a:xfrm>
+        </p:spPr>
+        <p:txBody>
+          <a:bodyPr/>
+          <a:lstStyle/>
+          <a:p>
+            <a:pPr marL="0" lvl="3">
+              <a:lnSpc>
+                <a:spcPct val="100000"/>
+              </a:lnSpc>
+              <a:spcAft>
+                <a:spcPts val="800"/>
+              </a:spcAft>
+            </a:pPr>
+            <a:r>
+              <a:rPr lang="de-DE" sz="1867" b="1" noProof="1"/>
+              <a:t>torchvision.transforms.functional</a:t>
+            </a:r>
+          </a:p>
+          <a:p>
+            <a:pPr marL="239178" lvl="3" indent="-239178">
+              <a:lnSpc>
+                <a:spcPct val="100000"/>
+              </a:lnSpc>
+              <a:spcAft>
+                <a:spcPts val="800"/>
+              </a:spcAft>
+              <a:buFont typeface="Arial" panose="020B0604020202020204" pitchFamily="34" charset="0"/>
+              <a:buChar char="•"/>
+            </a:pPr>
+            <a:r>
+              <a:rPr lang="de-DE" sz="1867" noProof="1"/>
+              <a:t>Nutzen von festen Werten für Transformation</a:t>
+            </a:r>
+          </a:p>
+          <a:p>
+            <a:pPr marL="0" lvl="3">
+              <a:lnSpc>
+                <a:spcPct val="100000"/>
+              </a:lnSpc>
+              <a:spcAft>
+                <a:spcPts val="800"/>
+              </a:spcAft>
+            </a:pPr>
+            <a:endParaRPr lang="de-DE" sz="1333" noProof="1"/>
+          </a:p>
+        </p:txBody>
+      </p:sp>
+      <p:sp>
+        <p:nvSpPr>
+          <p:cNvPr id="2" name="Fußzeilenplatzhalter 1">
+            <a:extLst>
+              <a:ext uri="{FF2B5EF4-FFF2-40B4-BE49-F238E27FC236}">
+                <a16:creationId xmlns:a16="http://schemas.microsoft.com/office/drawing/2014/main" id="{D95A88C8-7A6F-44DC-AB39-78579D1164E7}"/>
+              </a:ext>
+            </a:extLst>
+          </p:cNvPr>
+          <p:cNvSpPr>
+            <a:spLocks noGrp="1"/>
+          </p:cNvSpPr>
+          <p:nvPr>
+            <p:ph type="ftr" sz="quarter" idx="11"/>
+          </p:nvPr>
+        </p:nvSpPr>
+        <p:spPr/>
+        <p:txBody>
+          <a:bodyPr/>
+          <a:lstStyle/>
+          <a:p>
+            <a:pPr marL="0" marR="0" lvl="0" indent="0" algn="l" defTabSz="914400" rtl="0" eaLnBrk="1" fontAlgn="auto" latinLnBrk="0" hangingPunct="1">
+              <a:lnSpc>
+                <a:spcPct val="100000"/>
+              </a:lnSpc>
+              <a:spcBef>
+                <a:spcPts val="0"/>
+              </a:spcBef>
+              <a:spcAft>
+                <a:spcPts val="0"/>
+              </a:spcAft>
+              <a:buClrTx/>
+              <a:buSzTx/>
+              <a:buFontTx/>
+              <a:buNone/>
+              <a:tabLst/>
+              <a:defRPr/>
+            </a:pPr>
+            <a:r>
+              <a:rPr kumimoji="0" lang="de-DE" sz="1333" b="0" i="0" u="none" strike="noStrike" kern="1200" cap="none" spc="0" normalizeH="0" baseline="0" noProof="0" dirty="0">
+                <a:ln>
+                  <a:noFill/>
+                </a:ln>
+                <a:solidFill>
+                  <a:srgbClr val="FFFFFF">
+                    <a:lumMod val="65000"/>
+                  </a:srgbClr>
+                </a:solidFill>
+                <a:effectLst/>
+                <a:uLnTx/>
+                <a:uFillTx/>
+                <a:latin typeface="HTWBerlin Office" panose="02000000000000000000" pitchFamily="2" charset="0"/>
+                <a:ea typeface="+mn-ea"/>
+                <a:cs typeface="+mn-cs"/>
+              </a:rPr>
+              <a:t>Oliver </a:t>
+            </a:r>
+            <a:r>
+              <a:rPr kumimoji="0" lang="de-DE" sz="1333" b="0" i="0" u="none" strike="noStrike" kern="1200" cap="none" spc="0" normalizeH="0" baseline="0" noProof="0" dirty="0" err="1">
+                <a:ln>
+                  <a:noFill/>
+                </a:ln>
+                <a:solidFill>
+                  <a:srgbClr val="FFFFFF">
+                    <a:lumMod val="65000"/>
+                  </a:srgbClr>
+                </a:solidFill>
+                <a:effectLst/>
+                <a:uLnTx/>
+                <a:uFillTx/>
+                <a:latin typeface="HTWBerlin Office" panose="02000000000000000000" pitchFamily="2" charset="0"/>
+                <a:ea typeface="+mn-ea"/>
+                <a:cs typeface="+mn-cs"/>
+              </a:rPr>
+              <a:t>Thomaschewski</a:t>
+            </a:r>
+            <a:r>
+              <a:rPr kumimoji="0" lang="de-DE" sz="1333" b="0" i="0" u="none" strike="noStrike" kern="1200" cap="none" spc="0" normalizeH="0" baseline="0" noProof="0" dirty="0">
+                <a:ln>
+                  <a:noFill/>
+                </a:ln>
+                <a:solidFill>
+                  <a:srgbClr val="FFFFFF">
+                    <a:lumMod val="65000"/>
+                  </a:srgbClr>
+                </a:solidFill>
+                <a:effectLst/>
+                <a:uLnTx/>
+                <a:uFillTx/>
+                <a:latin typeface="HTWBerlin Office" panose="02000000000000000000" pitchFamily="2" charset="0"/>
+                <a:ea typeface="+mn-ea"/>
+                <a:cs typeface="+mn-cs"/>
+              </a:rPr>
+              <a:t> | Lisa-Marlen Wiegandt</a:t>
+            </a:r>
+          </a:p>
+        </p:txBody>
+      </p:sp>
+      <p:pic>
+        <p:nvPicPr>
+          <p:cNvPr id="3074" name="Picture 2">
+            <a:extLst>
+              <a:ext uri="{FF2B5EF4-FFF2-40B4-BE49-F238E27FC236}">
+                <a16:creationId xmlns:a16="http://schemas.microsoft.com/office/drawing/2014/main" id="{49ED6F31-C853-2CB2-88F8-BB2C1525830C}"/>
+              </a:ext>
+            </a:extLst>
+          </p:cNvPr>
+          <p:cNvPicPr>
+            <a:picLocks noChangeAspect="1" noChangeArrowheads="1"/>
+          </p:cNvPicPr>
+          <p:nvPr/>
+        </p:nvPicPr>
+        <p:blipFill>
+          <a:blip r:embed="rId2">
+            <a:extLst>
+              <a:ext uri="{28A0092B-C50C-407E-A947-70E740481C1C}">
+                <a14:useLocalDpi xmlns:a14="http://schemas.microsoft.com/office/drawing/2010/main" val="0"/>
+              </a:ext>
+            </a:extLst>
+          </a:blip>
+          <a:srcRect/>
+          <a:stretch>
+            <a:fillRect/>
+          </a:stretch>
+        </p:blipFill>
+        <p:spPr bwMode="auto">
+          <a:xfrm>
+            <a:off x="719667" y="4370972"/>
+            <a:ext cx="2667000" cy="209550"/>
+          </a:xfrm>
+          <a:prstGeom prst="rect">
+            <a:avLst/>
+          </a:prstGeom>
+          <a:noFill/>
+          <a:extLst>
+            <a:ext uri="{909E8E84-426E-40DD-AFC4-6F175D3DCCD1}">
+              <a14:hiddenFill xmlns:a14="http://schemas.microsoft.com/office/drawing/2010/main">
+                <a:solidFill>
+                  <a:srgbClr val="FFFFFF"/>
+                </a:solidFill>
+              </a14:hiddenFill>
+            </a:ext>
+          </a:extLst>
+        </p:spPr>
+      </p:pic>
+      <p:pic>
+        <p:nvPicPr>
+          <p:cNvPr id="3076" name="Picture 4">
+            <a:extLst>
+              <a:ext uri="{FF2B5EF4-FFF2-40B4-BE49-F238E27FC236}">
+                <a16:creationId xmlns:a16="http://schemas.microsoft.com/office/drawing/2014/main" id="{0FE7D0AA-553B-162E-5B1C-DCE4CBA7C034}"/>
+              </a:ext>
+            </a:extLst>
+          </p:cNvPr>
+          <p:cNvPicPr>
+            <a:picLocks noChangeAspect="1" noChangeArrowheads="1"/>
+          </p:cNvPicPr>
+          <p:nvPr/>
+        </p:nvPicPr>
+        <p:blipFill>
+          <a:blip r:embed="rId3">
+            <a:extLst>
+              <a:ext uri="{28A0092B-C50C-407E-A947-70E740481C1C}">
+                <a14:useLocalDpi xmlns:a14="http://schemas.microsoft.com/office/drawing/2010/main" val="0"/>
+              </a:ext>
+            </a:extLst>
+          </a:blip>
+          <a:srcRect/>
+          <a:stretch>
+            <a:fillRect/>
+          </a:stretch>
+        </p:blipFill>
+        <p:spPr bwMode="auto">
+          <a:xfrm>
+            <a:off x="5736167" y="4380497"/>
+            <a:ext cx="3448050" cy="200025"/>
+          </a:xfrm>
+          <a:prstGeom prst="rect">
+            <a:avLst/>
+          </a:prstGeom>
+          <a:noFill/>
+          <a:extLst>
+            <a:ext uri="{909E8E84-426E-40DD-AFC4-6F175D3DCCD1}">
+              <a14:hiddenFill xmlns:a14="http://schemas.microsoft.com/office/drawing/2010/main">
+                <a:solidFill>
+                  <a:srgbClr val="FFFFFF"/>
+                </a:solidFill>
+              </a14:hiddenFill>
+            </a:ext>
+          </a:extLst>
+        </p:spPr>
+      </p:pic>
+    </p:spTree>
+    <p:extLst>
+      <p:ext uri="{BB962C8B-B14F-4D97-AF65-F5344CB8AC3E}">
+        <p14:creationId xmlns:p14="http://schemas.microsoft.com/office/powerpoint/2010/main" val="1927430937"/>
       </p:ext>
     </p:extLst>
   </p:cSld>
@@ -21780,7 +22416,12 @@
             <p:ph idx="1"/>
           </p:nvPr>
         </p:nvSpPr>
-        <p:spPr/>
+        <p:spPr>
+          <a:xfrm>
+            <a:off x="4297446" y="2379300"/>
+            <a:ext cx="2877442" cy="2099400"/>
+          </a:xfrm>
+        </p:spPr>
         <p:txBody>
           <a:bodyPr/>
           <a:lstStyle/>
@@ -21809,7 +22450,7 @@
             </a:pPr>
             <a:r>
               <a:rPr lang="de-DE" sz="1867" noProof="1"/>
-              <a:t>Rotation</a:t>
+              <a:t>Spiegeln</a:t>
             </a:r>
           </a:p>
           <a:p>
@@ -21823,7 +22464,35 @@
             </a:pPr>
             <a:r>
               <a:rPr lang="de-DE" sz="1867" noProof="1"/>
-              <a:t>Zufällige Ausschnitte …</a:t>
+              <a:t>Rotation</a:t>
+            </a:r>
+          </a:p>
+          <a:p>
+            <a:pPr marL="239178" lvl="3" indent="-239178">
+              <a:lnSpc>
+                <a:spcPct val="100000"/>
+              </a:lnSpc>
+              <a:spcAft>
+                <a:spcPts val="800"/>
+              </a:spcAft>
+            </a:pPr>
+            <a:r>
+              <a:rPr lang="de-DE" sz="1867" noProof="1"/>
+              <a:t>Ausschnitte/Zuschnitte</a:t>
+            </a:r>
+          </a:p>
+          <a:p>
+            <a:pPr marL="239178" lvl="3" indent="-239178">
+              <a:lnSpc>
+                <a:spcPct val="100000"/>
+              </a:lnSpc>
+              <a:spcAft>
+                <a:spcPts val="800"/>
+              </a:spcAft>
+            </a:pPr>
+            <a:r>
+              <a:rPr lang="de-DE" sz="1867" noProof="1"/>
+              <a:t>Unschärfe</a:t>
             </a:r>
           </a:p>
         </p:txBody>
@@ -21851,7 +22520,7 @@
           <a:p>
             <a:r>
               <a:rPr lang="de-DE" dirty="0"/>
-              <a:t>Einfache Transformationen</a:t>
+              <a:t>Einfache Transformationen - Beispiele</a:t>
             </a:r>
             <a:endParaRPr lang="sr-Latn-CS" dirty="0"/>
           </a:p>
@@ -22040,6 +22709,147 @@
                 <a:cs typeface="+mn-cs"/>
               </a:rPr>
               <a:t> | Lisa-Marlen Wiegandt</a:t>
+            </a:r>
+          </a:p>
+        </p:txBody>
+      </p:sp>
+      <p:sp>
+        <p:nvSpPr>
+          <p:cNvPr id="3" name="Fußzeilenplatzhalter 1">
+            <a:extLst>
+              <a:ext uri="{FF2B5EF4-FFF2-40B4-BE49-F238E27FC236}">
+                <a16:creationId xmlns:a16="http://schemas.microsoft.com/office/drawing/2014/main" id="{D3A92F04-FE90-791C-A520-E2342D6D6CEB}"/>
+              </a:ext>
+            </a:extLst>
+          </p:cNvPr>
+          <p:cNvSpPr txBox="1">
+            <a:spLocks/>
+          </p:cNvSpPr>
+          <p:nvPr/>
+        </p:nvSpPr>
+        <p:spPr>
+          <a:xfrm>
+            <a:off x="4297446" y="4358700"/>
+            <a:ext cx="2464301" cy="730658"/>
+          </a:xfrm>
+          <a:prstGeom prst="rect">
+            <a:avLst/>
+          </a:prstGeom>
+        </p:spPr>
+        <p:txBody>
+          <a:bodyPr vert="horz" lIns="0" tIns="0" rIns="0" bIns="0" rtlCol="0" anchor="t" anchorCtr="0">
+            <a:noAutofit/>
+          </a:bodyPr>
+          <a:lstStyle>
+            <a:defPPr>
+              <a:defRPr lang="de-DE"/>
+            </a:defPPr>
+            <a:lvl1pPr marL="0" algn="l" defTabSz="914400" rtl="0" eaLnBrk="1" latinLnBrk="0" hangingPunct="1">
+              <a:defRPr lang="de-DE" sz="1333" b="0" kern="1200" smtClean="0">
+                <a:solidFill>
+                  <a:schemeClr val="bg1">
+                    <a:lumMod val="65000"/>
+                  </a:schemeClr>
+                </a:solidFill>
+                <a:latin typeface="HTWBerlin Office" panose="02000000000000000000" pitchFamily="2" charset="0"/>
+                <a:ea typeface="+mn-ea"/>
+                <a:cs typeface="+mn-cs"/>
+              </a:defRPr>
+            </a:lvl1pPr>
+            <a:lvl2pPr marL="457200" algn="l" defTabSz="914400" rtl="0" eaLnBrk="1" latinLnBrk="0" hangingPunct="1">
+              <a:defRPr sz="1800" kern="1200">
+                <a:solidFill>
+                  <a:schemeClr val="tx1"/>
+                </a:solidFill>
+                <a:latin typeface="+mn-lt"/>
+                <a:ea typeface="+mn-ea"/>
+                <a:cs typeface="+mn-cs"/>
+              </a:defRPr>
+            </a:lvl2pPr>
+            <a:lvl3pPr marL="914400" algn="l" defTabSz="914400" rtl="0" eaLnBrk="1" latinLnBrk="0" hangingPunct="1">
+              <a:defRPr sz="1800" kern="1200">
+                <a:solidFill>
+                  <a:schemeClr val="tx1"/>
+                </a:solidFill>
+                <a:latin typeface="+mn-lt"/>
+                <a:ea typeface="+mn-ea"/>
+                <a:cs typeface="+mn-cs"/>
+              </a:defRPr>
+            </a:lvl3pPr>
+            <a:lvl4pPr marL="1371600" algn="l" defTabSz="914400" rtl="0" eaLnBrk="1" latinLnBrk="0" hangingPunct="1">
+              <a:defRPr sz="1800" kern="1200">
+                <a:solidFill>
+                  <a:schemeClr val="tx1"/>
+                </a:solidFill>
+                <a:latin typeface="+mn-lt"/>
+                <a:ea typeface="+mn-ea"/>
+                <a:cs typeface="+mn-cs"/>
+              </a:defRPr>
+            </a:lvl4pPr>
+            <a:lvl5pPr marL="1828800" algn="l" defTabSz="914400" rtl="0" eaLnBrk="1" latinLnBrk="0" hangingPunct="1">
+              <a:defRPr sz="1800" kern="1200">
+                <a:solidFill>
+                  <a:schemeClr val="tx1"/>
+                </a:solidFill>
+                <a:latin typeface="+mn-lt"/>
+                <a:ea typeface="+mn-ea"/>
+                <a:cs typeface="+mn-cs"/>
+              </a:defRPr>
+            </a:lvl5pPr>
+            <a:lvl6pPr marL="2286000" algn="l" defTabSz="914400" rtl="0" eaLnBrk="1" latinLnBrk="0" hangingPunct="1">
+              <a:defRPr sz="1800" kern="1200">
+                <a:solidFill>
+                  <a:schemeClr val="tx1"/>
+                </a:solidFill>
+                <a:latin typeface="+mn-lt"/>
+                <a:ea typeface="+mn-ea"/>
+                <a:cs typeface="+mn-cs"/>
+              </a:defRPr>
+            </a:lvl6pPr>
+            <a:lvl7pPr marL="2743200" algn="l" defTabSz="914400" rtl="0" eaLnBrk="1" latinLnBrk="0" hangingPunct="1">
+              <a:defRPr sz="1800" kern="1200">
+                <a:solidFill>
+                  <a:schemeClr val="tx1"/>
+                </a:solidFill>
+                <a:latin typeface="+mn-lt"/>
+                <a:ea typeface="+mn-ea"/>
+                <a:cs typeface="+mn-cs"/>
+              </a:defRPr>
+            </a:lvl7pPr>
+            <a:lvl8pPr marL="3200400" algn="l" defTabSz="914400" rtl="0" eaLnBrk="1" latinLnBrk="0" hangingPunct="1">
+              <a:defRPr sz="1800" kern="1200">
+                <a:solidFill>
+                  <a:schemeClr val="tx1"/>
+                </a:solidFill>
+                <a:latin typeface="+mn-lt"/>
+                <a:ea typeface="+mn-ea"/>
+                <a:cs typeface="+mn-cs"/>
+              </a:defRPr>
+            </a:lvl8pPr>
+            <a:lvl9pPr marL="3657600" algn="l" defTabSz="914400" rtl="0" eaLnBrk="1" latinLnBrk="0" hangingPunct="1">
+              <a:defRPr sz="1800" kern="1200">
+                <a:solidFill>
+                  <a:schemeClr val="tx1"/>
+                </a:solidFill>
+                <a:latin typeface="+mn-lt"/>
+                <a:ea typeface="+mn-ea"/>
+                <a:cs typeface="+mn-cs"/>
+              </a:defRPr>
+            </a:lvl9pPr>
+          </a:lstStyle>
+          <a:p>
+            <a:pPr>
+              <a:defRPr/>
+            </a:pPr>
+            <a:r>
+              <a:rPr lang="de-DE" sz="1000" dirty="0">
+                <a:solidFill>
+                  <a:srgbClr val="FFFFFF">
+                    <a:lumMod val="65000"/>
+                  </a:srgbClr>
+                </a:solidFill>
+              </a:rPr>
+              <a:t>https://towardsdatascience.com/a-comprehensive-guide-to-image-augmentation-using-pytorch-fb162f2444be (14.11.2022)</a:t>
             </a:r>
           </a:p>
         </p:txBody>
@@ -22088,10 +22898,267 @@
       </p:grpSpPr>
       <p:sp>
         <p:nvSpPr>
-          <p:cNvPr id="2" name="Inhaltsplatzhalter 1">
+          <p:cNvPr id="7" name="Titel 6">
             <a:extLst>
               <a:ext uri="{FF2B5EF4-FFF2-40B4-BE49-F238E27FC236}">
-                <a16:creationId xmlns:a16="http://schemas.microsoft.com/office/drawing/2014/main" id="{1B165B43-D7CE-B5C4-2324-7792FEFB5BF8}"/>
+                <a16:creationId xmlns:a16="http://schemas.microsoft.com/office/drawing/2014/main" id="{A2BA0C1E-7BE0-4EA4-93B2-80850F76EFF7}"/>
+              </a:ext>
+            </a:extLst>
+          </p:cNvPr>
+          <p:cNvSpPr>
+            <a:spLocks noGrp="1"/>
+          </p:cNvSpPr>
+          <p:nvPr>
+            <p:ph type="title"/>
+          </p:nvPr>
+        </p:nvSpPr>
+        <p:spPr>
+          <a:xfrm>
+            <a:off x="719666" y="1348381"/>
+            <a:ext cx="8040511" cy="584327"/>
+          </a:xfrm>
+        </p:spPr>
+        <p:txBody>
+          <a:bodyPr/>
+          <a:lstStyle/>
+          <a:p>
+            <a:r>
+              <a:rPr lang="de-DE" dirty="0"/>
+              <a:t>5. Normalisierung von Bilddateien</a:t>
+            </a:r>
+            <a:endParaRPr lang="sr-Latn-CS" b="0" dirty="0"/>
+          </a:p>
+        </p:txBody>
+      </p:sp>
+      <p:sp>
+        <p:nvSpPr>
+          <p:cNvPr id="8" name="Foliennummernplatzhalter 7">
+            <a:extLst>
+              <a:ext uri="{FF2B5EF4-FFF2-40B4-BE49-F238E27FC236}">
+                <a16:creationId xmlns:a16="http://schemas.microsoft.com/office/drawing/2014/main" id="{B4709D36-B4EC-4703-8CE4-A0457C99B432}"/>
+              </a:ext>
+            </a:extLst>
+          </p:cNvPr>
+          <p:cNvSpPr>
+            <a:spLocks noGrp="1"/>
+          </p:cNvSpPr>
+          <p:nvPr>
+            <p:ph type="sldNum" sz="quarter" idx="11"/>
+          </p:nvPr>
+        </p:nvSpPr>
+        <p:spPr/>
+        <p:txBody>
+          <a:bodyPr/>
+          <a:lstStyle/>
+          <a:p>
+            <a:pPr marL="0" marR="0" lvl="0" indent="0" algn="l" defTabSz="609585" rtl="0" eaLnBrk="1" fontAlgn="auto" latinLnBrk="0" hangingPunct="1">
+              <a:lnSpc>
+                <a:spcPct val="100000"/>
+              </a:lnSpc>
+              <a:spcBef>
+                <a:spcPts val="0"/>
+              </a:spcBef>
+              <a:spcAft>
+                <a:spcPts val="0"/>
+              </a:spcAft>
+              <a:buClrTx/>
+              <a:buSzTx/>
+              <a:buFontTx/>
+              <a:buNone/>
+              <a:tabLst/>
+              <a:defRPr/>
+            </a:pPr>
+            <a:fld id="{45D25029-37DE-484F-BFE0-9B37AF2B26B8}" type="slidenum">
+              <a:rPr kumimoji="0" lang="de-DE" sz="1333" b="1" i="0" u="none" strike="noStrike" kern="1200" cap="none" spc="0" normalizeH="0" baseline="0" noProof="0">
+                <a:ln>
+                  <a:noFill/>
+                </a:ln>
+                <a:solidFill>
+                  <a:srgbClr val="FFFFFF"/>
+                </a:solidFill>
+                <a:effectLst/>
+                <a:uLnTx/>
+                <a:uFillTx/>
+                <a:latin typeface="HTWBerlin Office" panose="02000000000000000000" pitchFamily="2" charset="0"/>
+                <a:ea typeface="+mn-ea"/>
+                <a:cs typeface="+mn-cs"/>
+              </a:rPr>
+              <a:pPr marL="0" marR="0" lvl="0" indent="0" algn="l" defTabSz="609585" rtl="0" eaLnBrk="1" fontAlgn="auto" latinLnBrk="0" hangingPunct="1">
+                <a:lnSpc>
+                  <a:spcPct val="100000"/>
+                </a:lnSpc>
+                <a:spcBef>
+                  <a:spcPts val="0"/>
+                </a:spcBef>
+                <a:spcAft>
+                  <a:spcPts val="0"/>
+                </a:spcAft>
+                <a:buClrTx/>
+                <a:buSzTx/>
+                <a:buFontTx/>
+                <a:buNone/>
+                <a:tabLst/>
+                <a:defRPr/>
+              </a:pPr>
+              <a:t>15</a:t>
+            </a:fld>
+            <a:endParaRPr kumimoji="0" lang="de-DE" sz="1333" b="1" i="0" u="none" strike="noStrike" kern="1200" cap="none" spc="0" normalizeH="0" baseline="0" noProof="0" dirty="0">
+              <a:ln>
+                <a:noFill/>
+              </a:ln>
+              <a:solidFill>
+                <a:srgbClr val="FFFFFF"/>
+              </a:solidFill>
+              <a:effectLst/>
+              <a:uLnTx/>
+              <a:uFillTx/>
+              <a:latin typeface="HTWBerlin Office" panose="02000000000000000000" pitchFamily="2" charset="0"/>
+              <a:ea typeface="+mn-ea"/>
+              <a:cs typeface="+mn-cs"/>
+            </a:endParaRPr>
+          </a:p>
+        </p:txBody>
+      </p:sp>
+      <p:sp>
+        <p:nvSpPr>
+          <p:cNvPr id="2" name="Fußzeilenplatzhalter 1">
+            <a:extLst>
+              <a:ext uri="{FF2B5EF4-FFF2-40B4-BE49-F238E27FC236}">
+                <a16:creationId xmlns:a16="http://schemas.microsoft.com/office/drawing/2014/main" id="{931BEC8B-5A45-4C7F-9B47-9A1E161FAC78}"/>
+              </a:ext>
+            </a:extLst>
+          </p:cNvPr>
+          <p:cNvSpPr>
+            <a:spLocks noGrp="1"/>
+          </p:cNvSpPr>
+          <p:nvPr>
+            <p:ph type="ftr" sz="quarter" idx="10"/>
+          </p:nvPr>
+        </p:nvSpPr>
+        <p:spPr/>
+        <p:txBody>
+          <a:bodyPr/>
+          <a:lstStyle/>
+          <a:p>
+            <a:pPr marL="0" marR="0" lvl="0" indent="0" algn="l" defTabSz="609585" rtl="0" eaLnBrk="1" fontAlgn="auto" latinLnBrk="0" hangingPunct="1">
+              <a:lnSpc>
+                <a:spcPct val="100000"/>
+              </a:lnSpc>
+              <a:spcBef>
+                <a:spcPts val="0"/>
+              </a:spcBef>
+              <a:spcAft>
+                <a:spcPts val="0"/>
+              </a:spcAft>
+              <a:buClrTx/>
+              <a:buSzTx/>
+              <a:buFontTx/>
+              <a:buNone/>
+              <a:tabLst/>
+              <a:defRPr/>
+            </a:pPr>
+            <a:r>
+              <a:rPr kumimoji="0" lang="de-DE" sz="1333" b="0" i="0" u="none" strike="noStrike" kern="1200" cap="none" spc="0" normalizeH="0" baseline="0" noProof="0" dirty="0">
+                <a:ln>
+                  <a:noFill/>
+                </a:ln>
+                <a:solidFill>
+                  <a:srgbClr val="FFFFFF"/>
+                </a:solidFill>
+                <a:effectLst/>
+                <a:uLnTx/>
+                <a:uFillTx/>
+                <a:latin typeface="HTWBerlin Office" panose="02000000000000000000" pitchFamily="2" charset="0"/>
+                <a:ea typeface="+mn-ea"/>
+                <a:cs typeface="+mn-cs"/>
+              </a:rPr>
+              <a:t>Oliver </a:t>
+            </a:r>
+            <a:r>
+              <a:rPr kumimoji="0" lang="de-DE" sz="1333" b="0" i="0" u="none" strike="noStrike" kern="1200" cap="none" spc="0" normalizeH="0" baseline="0" noProof="0" dirty="0" err="1">
+                <a:ln>
+                  <a:noFill/>
+                </a:ln>
+                <a:solidFill>
+                  <a:srgbClr val="FFFFFF"/>
+                </a:solidFill>
+                <a:effectLst/>
+                <a:uLnTx/>
+                <a:uFillTx/>
+                <a:latin typeface="HTWBerlin Office" panose="02000000000000000000" pitchFamily="2" charset="0"/>
+                <a:ea typeface="+mn-ea"/>
+                <a:cs typeface="+mn-cs"/>
+              </a:rPr>
+              <a:t>Thomaschewski</a:t>
+            </a:r>
+            <a:r>
+              <a:rPr kumimoji="0" lang="de-DE" sz="1333" b="0" i="0" u="none" strike="noStrike" kern="1200" cap="none" spc="0" normalizeH="0" baseline="0" noProof="0" dirty="0">
+                <a:ln>
+                  <a:noFill/>
+                </a:ln>
+                <a:solidFill>
+                  <a:srgbClr val="FFFFFF"/>
+                </a:solidFill>
+                <a:effectLst/>
+                <a:uLnTx/>
+                <a:uFillTx/>
+                <a:latin typeface="HTWBerlin Office" panose="02000000000000000000" pitchFamily="2" charset="0"/>
+                <a:ea typeface="+mn-ea"/>
+                <a:cs typeface="+mn-cs"/>
+              </a:rPr>
+              <a:t> | Lisa-Marlen Wiegandt</a:t>
+            </a:r>
+          </a:p>
+        </p:txBody>
+      </p:sp>
+    </p:spTree>
+    <p:extLst>
+      <p:ext uri="{BB962C8B-B14F-4D97-AF65-F5344CB8AC3E}">
+        <p14:creationId xmlns:p14="http://schemas.microsoft.com/office/powerpoint/2010/main" val="200479134"/>
+      </p:ext>
+    </p:extLst>
+  </p:cSld>
+  <p:clrMapOvr>
+    <a:masterClrMapping/>
+  </p:clrMapOvr>
+  <mc:AlternateContent xmlns:mc="http://schemas.openxmlformats.org/markup-compatibility/2006" xmlns:p14="http://schemas.microsoft.com/office/powerpoint/2010/main">
+    <mc:Choice Requires="p14">
+      <p:transition spd="med" p14:dur="700">
+        <p:fade/>
+      </p:transition>
+    </mc:Choice>
+    <mc:Fallback xmlns="">
+      <p:transition spd="med">
+        <p:fade/>
+      </p:transition>
+    </mc:Fallback>
+  </mc:AlternateContent>
+</p:sld>
+</file>
+
+<file path=ppt/slides/slide16.xml><?xml version="1.0" encoding="utf-8"?>
+<p:sld xmlns:a="http://schemas.openxmlformats.org/drawingml/2006/main" xmlns:r="http://schemas.openxmlformats.org/officeDocument/2006/relationships" xmlns:p="http://schemas.openxmlformats.org/presentationml/2006/main">
+  <p:cSld>
+    <p:spTree>
+      <p:nvGrpSpPr>
+        <p:cNvPr id="1" name=""/>
+        <p:cNvGrpSpPr/>
+        <p:nvPr/>
+      </p:nvGrpSpPr>
+      <p:grpSpPr>
+        <a:xfrm>
+          <a:off x="0" y="0"/>
+          <a:ext cx="0" cy="0"/>
+          <a:chOff x="0" y="0"/>
+          <a:chExt cx="0" cy="0"/>
+        </a:xfrm>
+      </p:grpSpPr>
+      <p:sp>
+        <p:nvSpPr>
+          <p:cNvPr id="6" name="Inhaltsplatzhalter 5">
+            <a:extLst>
+              <a:ext uri="{FF2B5EF4-FFF2-40B4-BE49-F238E27FC236}">
+                <a16:creationId xmlns:a16="http://schemas.microsoft.com/office/drawing/2014/main" id="{76690810-C4F9-4909-9DD5-451FA7A96936}"/>
               </a:ext>
             </a:extLst>
           </p:cNvPr>
@@ -22102,34 +23169,66 @@
             <p:ph idx="1"/>
           </p:nvPr>
         </p:nvSpPr>
-        <p:spPr/>
+        <p:spPr>
+          <a:xfrm>
+            <a:off x="719667" y="2795196"/>
+            <a:ext cx="10514928" cy="1657440"/>
+          </a:xfrm>
+        </p:spPr>
         <p:txBody>
           <a:bodyPr/>
           <a:lstStyle/>
           <a:p>
-            <a:r>
-              <a:rPr lang="de-DE" dirty="0"/>
-              <a:t>4. </a:t>
-            </a:r>
-            <a:r>
-              <a:rPr lang="de-DE" dirty="0">
-                <a:hlinkClick r:id="rId2"/>
-              </a:rPr>
-              <a:t>https://www.analyticsvidhya.com/blog/2021/06/offline-data-augmentation-for-multiple-images/</a:t>
-            </a:r>
-            <a:endParaRPr lang="de-DE" dirty="0"/>
-          </a:p>
-          <a:p>
-            <a:endParaRPr lang="de-DE" dirty="0"/>
+            <a:pPr marL="239178" lvl="3" indent="-239178">
+              <a:lnSpc>
+                <a:spcPct val="100000"/>
+              </a:lnSpc>
+              <a:spcAft>
+                <a:spcPts val="800"/>
+              </a:spcAft>
+            </a:pPr>
+            <a:r>
+              <a:rPr lang="de-DE" sz="1800" noProof="1"/>
+              <a:t>Skalierung der Pixel-Werte in einem festen Bereich</a:t>
+            </a:r>
+          </a:p>
+          <a:p>
+            <a:pPr marL="239178" lvl="3" indent="-239178">
+              <a:lnSpc>
+                <a:spcPct val="100000"/>
+              </a:lnSpc>
+              <a:spcAft>
+                <a:spcPts val="800"/>
+              </a:spcAft>
+            </a:pPr>
+            <a:r>
+              <a:rPr lang="de-DE" sz="1800" noProof="1"/>
+              <a:t>Verbesserter und schnellerer Lernprozess</a:t>
+            </a:r>
+          </a:p>
+          <a:p>
+            <a:pPr marL="239178" lvl="3" indent="-239178">
+              <a:lnSpc>
+                <a:spcPct val="100000"/>
+              </a:lnSpc>
+              <a:spcAft>
+                <a:spcPts val="800"/>
+              </a:spcAft>
+            </a:pPr>
+            <a:r>
+              <a:rPr lang="de-DE" sz="1800" noProof="1"/>
+              <a:t>Senkung der Gefahr von verschwindenden oder explodierenden Gradienten </a:t>
+            </a:r>
+            <a:endParaRPr lang="de-DE" sz="1600" noProof="1"/>
           </a:p>
         </p:txBody>
       </p:sp>
       <p:sp>
         <p:nvSpPr>
-          <p:cNvPr id="3" name="Titel 2">
+          <p:cNvPr id="5" name="Titel 4">
             <a:extLst>
               <a:ext uri="{FF2B5EF4-FFF2-40B4-BE49-F238E27FC236}">
-                <a16:creationId xmlns:a16="http://schemas.microsoft.com/office/drawing/2014/main" id="{EDF64114-4590-A7D9-666D-D753252FCBC4}"/>
+                <a16:creationId xmlns:a16="http://schemas.microsoft.com/office/drawing/2014/main" id="{42C11151-AFD3-4918-B546-DA880E401E81}"/>
               </a:ext>
             </a:extLst>
           </p:cNvPr>
@@ -22147,17 +23246,53 @@
           <a:p>
             <a:r>
               <a:rPr lang="de-DE" dirty="0"/>
-              <a:t>Quellen</a:t>
-            </a:r>
+              <a:t>Normalisierung </a:t>
+            </a:r>
+            <a:r>
+              <a:rPr lang="de-DE"/>
+              <a:t>- Bilddateien</a:t>
+            </a:r>
+            <a:endParaRPr lang="sr-Latn-CS" dirty="0"/>
           </a:p>
         </p:txBody>
       </p:sp>
       <p:sp>
         <p:nvSpPr>
-          <p:cNvPr id="4" name="Fußzeilenplatzhalter 3">
+          <p:cNvPr id="4" name="Foliennummernplatzhalter 3">
             <a:extLst>
               <a:ext uri="{FF2B5EF4-FFF2-40B4-BE49-F238E27FC236}">
-                <a16:creationId xmlns:a16="http://schemas.microsoft.com/office/drawing/2014/main" id="{ABBB607B-D7A8-87BE-029A-72DE10F102B8}"/>
+                <a16:creationId xmlns:a16="http://schemas.microsoft.com/office/drawing/2014/main" id="{65C6B3CB-482B-4686-A31C-3C1E7DE2CB2C}"/>
+              </a:ext>
+            </a:extLst>
+          </p:cNvPr>
+          <p:cNvSpPr>
+            <a:spLocks noGrp="1"/>
+          </p:cNvSpPr>
+          <p:nvPr>
+            <p:ph type="sldNum" sz="quarter" idx="11"/>
+          </p:nvPr>
+        </p:nvSpPr>
+        <p:spPr/>
+        <p:txBody>
+          <a:bodyPr/>
+          <a:lstStyle/>
+          <a:p>
+            <a:pPr defTabSz="609585"/>
+            <a:fld id="{45D25029-37DE-484F-BFE0-9B37AF2B26B8}" type="slidenum">
+              <a:rPr lang="de-DE"/>
+              <a:pPr defTabSz="609585"/>
+              <a:t>16</a:t>
+            </a:fld>
+            <a:endParaRPr lang="de-DE" dirty="0"/>
+          </a:p>
+        </p:txBody>
+      </p:sp>
+      <p:sp>
+        <p:nvSpPr>
+          <p:cNvPr id="2" name="Fußzeilenplatzhalter 1">
+            <a:extLst>
+              <a:ext uri="{FF2B5EF4-FFF2-40B4-BE49-F238E27FC236}">
+                <a16:creationId xmlns:a16="http://schemas.microsoft.com/office/drawing/2014/main" id="{132B9206-613C-42CD-9344-72F6A9511C96}"/>
               </a:ext>
             </a:extLst>
           </p:cNvPr>
@@ -22173,89 +23308,198 @@
           <a:bodyPr/>
           <a:lstStyle/>
           <a:p>
-            <a:pPr marL="0" marR="0" lvl="0" indent="0" algn="l" defTabSz="914400" rtl="0" eaLnBrk="1" fontAlgn="auto" latinLnBrk="0" hangingPunct="1">
+            <a:r>
+              <a:rPr lang="de-DE" dirty="0"/>
+              <a:t>Oliver </a:t>
+            </a:r>
+            <a:r>
+              <a:rPr lang="de-DE" dirty="0" err="1"/>
+              <a:t>Thomaschewski</a:t>
+            </a:r>
+            <a:r>
+              <a:rPr lang="de-DE" dirty="0"/>
+              <a:t> | Lisa-Marlen Wiegandt</a:t>
+            </a:r>
+          </a:p>
+        </p:txBody>
+      </p:sp>
+    </p:spTree>
+    <p:extLst>
+      <p:ext uri="{BB962C8B-B14F-4D97-AF65-F5344CB8AC3E}">
+        <p14:creationId xmlns:p14="http://schemas.microsoft.com/office/powerpoint/2010/main" val="3120796785"/>
+      </p:ext>
+    </p:extLst>
+  </p:cSld>
+  <p:clrMapOvr>
+    <a:masterClrMapping/>
+  </p:clrMapOvr>
+  <mc:AlternateContent xmlns:mc="http://schemas.openxmlformats.org/markup-compatibility/2006" xmlns:p14="http://schemas.microsoft.com/office/powerpoint/2010/main">
+    <mc:Choice Requires="p14">
+      <p:transition spd="med" p14:dur="700">
+        <p:fade/>
+      </p:transition>
+    </mc:Choice>
+    <mc:Fallback xmlns="">
+      <p:transition spd="med">
+        <p:fade/>
+      </p:transition>
+    </mc:Fallback>
+  </mc:AlternateContent>
+</p:sld>
+</file>
+
+<file path=ppt/slides/slide17.xml><?xml version="1.0" encoding="utf-8"?>
+<p:sld xmlns:a="http://schemas.openxmlformats.org/drawingml/2006/main" xmlns:r="http://schemas.openxmlformats.org/officeDocument/2006/relationships" xmlns:p="http://schemas.openxmlformats.org/presentationml/2006/main">
+  <p:cSld>
+    <p:spTree>
+      <p:nvGrpSpPr>
+        <p:cNvPr id="1" name=""/>
+        <p:cNvGrpSpPr/>
+        <p:nvPr/>
+      </p:nvGrpSpPr>
+      <p:grpSpPr>
+        <a:xfrm>
+          <a:off x="0" y="0"/>
+          <a:ext cx="0" cy="0"/>
+          <a:chOff x="0" y="0"/>
+          <a:chExt cx="0" cy="0"/>
+        </a:xfrm>
+      </p:grpSpPr>
+      <p:sp>
+        <p:nvSpPr>
+          <p:cNvPr id="6" name="Inhaltsplatzhalter 5">
+            <a:extLst>
+              <a:ext uri="{FF2B5EF4-FFF2-40B4-BE49-F238E27FC236}">
+                <a16:creationId xmlns:a16="http://schemas.microsoft.com/office/drawing/2014/main" id="{76690810-C4F9-4909-9DD5-451FA7A96936}"/>
+              </a:ext>
+            </a:extLst>
+          </p:cNvPr>
+          <p:cNvSpPr>
+            <a:spLocks noGrp="1"/>
+          </p:cNvSpPr>
+          <p:nvPr>
+            <p:ph idx="1"/>
+          </p:nvPr>
+        </p:nvSpPr>
+        <p:spPr>
+          <a:xfrm>
+            <a:off x="719667" y="2432314"/>
+            <a:ext cx="10514928" cy="1993372"/>
+          </a:xfrm>
+        </p:spPr>
+        <p:txBody>
+          <a:bodyPr/>
+          <a:lstStyle/>
+          <a:p>
+            <a:pPr marL="239178" lvl="3" indent="-239178">
               <a:lnSpc>
                 <a:spcPct val="100000"/>
               </a:lnSpc>
-              <a:spcBef>
-                <a:spcPts val="0"/>
-              </a:spcBef>
               <a:spcAft>
-                <a:spcPts val="0"/>
+                <a:spcPts val="800"/>
               </a:spcAft>
-              <a:buClrTx/>
-              <a:buSzTx/>
-              <a:buFontTx/>
-              <a:buNone/>
-              <a:tabLst/>
-              <a:defRPr/>
             </a:pPr>
             <a:r>
-              <a:rPr kumimoji="0" lang="de-DE" sz="1333" b="0" i="0" u="none" strike="noStrike" kern="1200" cap="none" spc="0" normalizeH="0" baseline="0" noProof="0" dirty="0">
-                <a:ln>
-                  <a:noFill/>
-                </a:ln>
-                <a:solidFill>
-                  <a:srgbClr val="FFFFFF">
-                    <a:lumMod val="65000"/>
-                  </a:srgbClr>
-                </a:solidFill>
-                <a:effectLst/>
-                <a:uLnTx/>
-                <a:uFillTx/>
-                <a:latin typeface="HTWBerlin Office" panose="02000000000000000000" pitchFamily="2" charset="0"/>
-                <a:ea typeface="+mn-ea"/>
-                <a:cs typeface="+mn-cs"/>
-              </a:rPr>
-              <a:t>Oliver </a:t>
-            </a:r>
-            <a:r>
-              <a:rPr kumimoji="0" lang="de-DE" sz="1333" b="0" i="0" u="none" strike="noStrike" kern="1200" cap="none" spc="0" normalizeH="0" baseline="0" noProof="0" dirty="0" err="1">
-                <a:ln>
-                  <a:noFill/>
-                </a:ln>
-                <a:solidFill>
-                  <a:srgbClr val="FFFFFF">
-                    <a:lumMod val="65000"/>
-                  </a:srgbClr>
-                </a:solidFill>
-                <a:effectLst/>
-                <a:uLnTx/>
-                <a:uFillTx/>
-                <a:latin typeface="HTWBerlin Office" panose="02000000000000000000" pitchFamily="2" charset="0"/>
-                <a:ea typeface="+mn-ea"/>
-                <a:cs typeface="+mn-cs"/>
-              </a:rPr>
-              <a:t>Thomaschewski</a:t>
-            </a:r>
-            <a:r>
-              <a:rPr kumimoji="0" lang="de-DE" sz="1333" b="0" i="0" u="none" strike="noStrike" kern="1200" cap="none" spc="0" normalizeH="0" baseline="0" noProof="0" dirty="0">
-                <a:ln>
-                  <a:noFill/>
-                </a:ln>
-                <a:solidFill>
-                  <a:srgbClr val="FFFFFF">
-                    <a:lumMod val="65000"/>
-                  </a:srgbClr>
-                </a:solidFill>
-                <a:effectLst/>
-                <a:uLnTx/>
-                <a:uFillTx/>
-                <a:latin typeface="HTWBerlin Office" panose="02000000000000000000" pitchFamily="2" charset="0"/>
-                <a:ea typeface="+mn-ea"/>
-                <a:cs typeface="+mn-cs"/>
-              </a:rPr>
-              <a:t> | Lisa-Marlen Wiegandt</a:t>
-            </a:r>
+              <a:rPr lang="de-DE" sz="1800" noProof="1"/>
+              <a:t>Berechnung Mittelwertes und Standardabweichung des Datensatzes</a:t>
+            </a:r>
+          </a:p>
+          <a:p>
+            <a:pPr marL="239178" lvl="3" indent="-239178">
+              <a:lnSpc>
+                <a:spcPct val="100000"/>
+              </a:lnSpc>
+              <a:spcAft>
+                <a:spcPts val="800"/>
+              </a:spcAft>
+            </a:pPr>
+            <a:r>
+              <a:rPr lang="de-DE" sz="1800" noProof="1"/>
+              <a:t>Umwandlung des Bilds in einem Tensor</a:t>
+            </a:r>
+          </a:p>
+          <a:p>
+            <a:pPr marL="239178" lvl="3" indent="-239178">
+              <a:lnSpc>
+                <a:spcPct val="100000"/>
+              </a:lnSpc>
+              <a:spcAft>
+                <a:spcPts val="800"/>
+              </a:spcAft>
+            </a:pPr>
+            <a:r>
+              <a:rPr lang="de-DE" sz="1800" noProof="1"/>
+              <a:t>Aufrufen der normalize Funktion mit berechneten Mittelwert und Standardabweichung</a:t>
+            </a:r>
+          </a:p>
+          <a:p>
+            <a:pPr marL="239178" lvl="3" indent="-239178">
+              <a:lnSpc>
+                <a:spcPct val="100000"/>
+              </a:lnSpc>
+              <a:spcAft>
+                <a:spcPts val="800"/>
+              </a:spcAft>
+            </a:pPr>
+            <a:endParaRPr lang="de-DE" sz="1800" noProof="1"/>
+          </a:p>
+          <a:p>
+            <a:pPr marL="239178" lvl="3" indent="-239178">
+              <a:lnSpc>
+                <a:spcPct val="100000"/>
+              </a:lnSpc>
+              <a:spcAft>
+                <a:spcPts val="800"/>
+              </a:spcAft>
+            </a:pPr>
+            <a:r>
+              <a:rPr lang="de-DE" sz="1800" noProof="1"/>
+              <a:t>Normalisierung der Daten immer empfehlenswert</a:t>
+            </a:r>
+            <a:endParaRPr lang="de-DE" sz="1600" noProof="1"/>
           </a:p>
         </p:txBody>
       </p:sp>
       <p:sp>
         <p:nvSpPr>
-          <p:cNvPr id="5" name="Foliennummernplatzhalter 4">
+          <p:cNvPr id="5" name="Titel 4">
             <a:extLst>
               <a:ext uri="{FF2B5EF4-FFF2-40B4-BE49-F238E27FC236}">
-                <a16:creationId xmlns:a16="http://schemas.microsoft.com/office/drawing/2014/main" id="{5FAAB1E4-CA1D-2F5C-2DCD-8886C9DF094A}"/>
+                <a16:creationId xmlns:a16="http://schemas.microsoft.com/office/drawing/2014/main" id="{42C11151-AFD3-4918-B546-DA880E401E81}"/>
+              </a:ext>
+            </a:extLst>
+          </p:cNvPr>
+          <p:cNvSpPr>
+            <a:spLocks noGrp="1"/>
+          </p:cNvSpPr>
+          <p:nvPr>
+            <p:ph type="title"/>
+          </p:nvPr>
+        </p:nvSpPr>
+        <p:spPr>
+          <a:xfrm>
+            <a:off x="719667" y="406863"/>
+            <a:ext cx="10033000" cy="1161408"/>
+          </a:xfrm>
+        </p:spPr>
+        <p:txBody>
+          <a:bodyPr/>
+          <a:lstStyle/>
+          <a:p>
+            <a:r>
+              <a:rPr lang="de-DE" dirty="0"/>
+              <a:t>Normalisierung – nach Mittelwert und Standardabweichung</a:t>
+            </a:r>
+            <a:endParaRPr lang="sr-Latn-CS" dirty="0"/>
+          </a:p>
+        </p:txBody>
+      </p:sp>
+      <p:sp>
+        <p:nvSpPr>
+          <p:cNvPr id="4" name="Foliennummernplatzhalter 3">
+            <a:extLst>
+              <a:ext uri="{FF2B5EF4-FFF2-40B4-BE49-F238E27FC236}">
+                <a16:creationId xmlns:a16="http://schemas.microsoft.com/office/drawing/2014/main" id="{65C6B3CB-482B-4686-A31C-3C1E7DE2CB2C}"/>
               </a:ext>
             </a:extLst>
           </p:cNvPr>
@@ -22271,19 +23515,1048 @@
           <a:bodyPr/>
           <a:lstStyle/>
           <a:p>
+            <a:pPr defTabSz="609585"/>
             <a:fld id="{45D25029-37DE-484F-BFE0-9B37AF2B26B8}" type="slidenum">
-              <a:rPr lang="de-DE" smtClean="0"/>
-              <a:pPr/>
-              <a:t>15</a:t>
+              <a:rPr lang="de-DE"/>
+              <a:pPr defTabSz="609585"/>
+              <a:t>17</a:t>
             </a:fld>
             <a:endParaRPr lang="de-DE" dirty="0"/>
+          </a:p>
+        </p:txBody>
+      </p:sp>
+      <p:sp>
+        <p:nvSpPr>
+          <p:cNvPr id="2" name="Fußzeilenplatzhalter 1">
+            <a:extLst>
+              <a:ext uri="{FF2B5EF4-FFF2-40B4-BE49-F238E27FC236}">
+                <a16:creationId xmlns:a16="http://schemas.microsoft.com/office/drawing/2014/main" id="{132B9206-613C-42CD-9344-72F6A9511C96}"/>
+              </a:ext>
+            </a:extLst>
+          </p:cNvPr>
+          <p:cNvSpPr>
+            <a:spLocks noGrp="1"/>
+          </p:cNvSpPr>
+          <p:nvPr>
+            <p:ph type="ftr" sz="quarter" idx="10"/>
+          </p:nvPr>
+        </p:nvSpPr>
+        <p:spPr/>
+        <p:txBody>
+          <a:bodyPr/>
+          <a:lstStyle/>
+          <a:p>
+            <a:r>
+              <a:rPr lang="de-DE" dirty="0"/>
+              <a:t>Oliver </a:t>
+            </a:r>
+            <a:r>
+              <a:rPr lang="de-DE" dirty="0" err="1"/>
+              <a:t>Thomaschewski</a:t>
+            </a:r>
+            <a:r>
+              <a:rPr lang="de-DE" dirty="0"/>
+              <a:t> | Lisa-Marlen Wiegandt</a:t>
+            </a:r>
           </a:p>
         </p:txBody>
       </p:sp>
     </p:spTree>
     <p:extLst>
       <p:ext uri="{BB962C8B-B14F-4D97-AF65-F5344CB8AC3E}">
-        <p14:creationId xmlns:p14="http://schemas.microsoft.com/office/powerpoint/2010/main" val="2098523847"/>
+        <p14:creationId xmlns:p14="http://schemas.microsoft.com/office/powerpoint/2010/main" val="3323510064"/>
+      </p:ext>
+    </p:extLst>
+  </p:cSld>
+  <p:clrMapOvr>
+    <a:masterClrMapping/>
+  </p:clrMapOvr>
+  <mc:AlternateContent xmlns:mc="http://schemas.openxmlformats.org/markup-compatibility/2006">
+    <mc:Choice xmlns:p14="http://schemas.microsoft.com/office/powerpoint/2010/main" Requires="p14">
+      <p:transition spd="med" p14:dur="700">
+        <p:fade/>
+      </p:transition>
+    </mc:Choice>
+    <mc:Fallback>
+      <p:transition spd="med">
+        <p:fade/>
+      </p:transition>
+    </mc:Fallback>
+  </mc:AlternateContent>
+</p:sld>
+</file>
+
+<file path=ppt/slides/slide18.xml><?xml version="1.0" encoding="utf-8"?>
+<p:sld xmlns:a="http://schemas.openxmlformats.org/drawingml/2006/main" xmlns:r="http://schemas.openxmlformats.org/officeDocument/2006/relationships" xmlns:p="http://schemas.openxmlformats.org/presentationml/2006/main">
+  <p:cSld>
+    <p:spTree>
+      <p:nvGrpSpPr>
+        <p:cNvPr id="1" name=""/>
+        <p:cNvGrpSpPr/>
+        <p:nvPr/>
+      </p:nvGrpSpPr>
+      <p:grpSpPr>
+        <a:xfrm>
+          <a:off x="0" y="0"/>
+          <a:ext cx="0" cy="0"/>
+          <a:chOff x="0" y="0"/>
+          <a:chExt cx="0" cy="0"/>
+        </a:xfrm>
+      </p:grpSpPr>
+      <p:sp>
+        <p:nvSpPr>
+          <p:cNvPr id="7" name="Titel 6">
+            <a:extLst>
+              <a:ext uri="{FF2B5EF4-FFF2-40B4-BE49-F238E27FC236}">
+                <a16:creationId xmlns:a16="http://schemas.microsoft.com/office/drawing/2014/main" id="{A2BA0C1E-7BE0-4EA4-93B2-80850F76EFF7}"/>
+              </a:ext>
+            </a:extLst>
+          </p:cNvPr>
+          <p:cNvSpPr>
+            <a:spLocks noGrp="1"/>
+          </p:cNvSpPr>
+          <p:nvPr>
+            <p:ph type="title"/>
+          </p:nvPr>
+        </p:nvSpPr>
+        <p:spPr>
+          <a:xfrm>
+            <a:off x="719666" y="1348381"/>
+            <a:ext cx="8040511" cy="1161408"/>
+          </a:xfrm>
+        </p:spPr>
+        <p:txBody>
+          <a:bodyPr/>
+          <a:lstStyle/>
+          <a:p>
+            <a:r>
+              <a:rPr lang="de-DE" dirty="0"/>
+              <a:t>6. Fortgeschrittene Transformationen</a:t>
+            </a:r>
+            <a:endParaRPr lang="sr-Latn-CS" b="0" dirty="0"/>
+          </a:p>
+        </p:txBody>
+      </p:sp>
+      <p:sp>
+        <p:nvSpPr>
+          <p:cNvPr id="8" name="Foliennummernplatzhalter 7">
+            <a:extLst>
+              <a:ext uri="{FF2B5EF4-FFF2-40B4-BE49-F238E27FC236}">
+                <a16:creationId xmlns:a16="http://schemas.microsoft.com/office/drawing/2014/main" id="{B4709D36-B4EC-4703-8CE4-A0457C99B432}"/>
+              </a:ext>
+            </a:extLst>
+          </p:cNvPr>
+          <p:cNvSpPr>
+            <a:spLocks noGrp="1"/>
+          </p:cNvSpPr>
+          <p:nvPr>
+            <p:ph type="sldNum" sz="quarter" idx="11"/>
+          </p:nvPr>
+        </p:nvSpPr>
+        <p:spPr/>
+        <p:txBody>
+          <a:bodyPr/>
+          <a:lstStyle/>
+          <a:p>
+            <a:pPr marL="0" marR="0" lvl="0" indent="0" algn="l" defTabSz="609585" rtl="0" eaLnBrk="1" fontAlgn="auto" latinLnBrk="0" hangingPunct="1">
+              <a:lnSpc>
+                <a:spcPct val="100000"/>
+              </a:lnSpc>
+              <a:spcBef>
+                <a:spcPts val="0"/>
+              </a:spcBef>
+              <a:spcAft>
+                <a:spcPts val="0"/>
+              </a:spcAft>
+              <a:buClrTx/>
+              <a:buSzTx/>
+              <a:buFontTx/>
+              <a:buNone/>
+              <a:tabLst/>
+              <a:defRPr/>
+            </a:pPr>
+            <a:fld id="{45D25029-37DE-484F-BFE0-9B37AF2B26B8}" type="slidenum">
+              <a:rPr kumimoji="0" lang="de-DE" sz="1333" b="1" i="0" u="none" strike="noStrike" kern="1200" cap="none" spc="0" normalizeH="0" baseline="0" noProof="0">
+                <a:ln>
+                  <a:noFill/>
+                </a:ln>
+                <a:solidFill>
+                  <a:srgbClr val="FFFFFF"/>
+                </a:solidFill>
+                <a:effectLst/>
+                <a:uLnTx/>
+                <a:uFillTx/>
+                <a:latin typeface="HTWBerlin Office" panose="02000000000000000000" pitchFamily="2" charset="0"/>
+                <a:ea typeface="+mn-ea"/>
+                <a:cs typeface="+mn-cs"/>
+              </a:rPr>
+              <a:pPr marL="0" marR="0" lvl="0" indent="0" algn="l" defTabSz="609585" rtl="0" eaLnBrk="1" fontAlgn="auto" latinLnBrk="0" hangingPunct="1">
+                <a:lnSpc>
+                  <a:spcPct val="100000"/>
+                </a:lnSpc>
+                <a:spcBef>
+                  <a:spcPts val="0"/>
+                </a:spcBef>
+                <a:spcAft>
+                  <a:spcPts val="0"/>
+                </a:spcAft>
+                <a:buClrTx/>
+                <a:buSzTx/>
+                <a:buFontTx/>
+                <a:buNone/>
+                <a:tabLst/>
+                <a:defRPr/>
+              </a:pPr>
+              <a:t>18</a:t>
+            </a:fld>
+            <a:endParaRPr kumimoji="0" lang="de-DE" sz="1333" b="1" i="0" u="none" strike="noStrike" kern="1200" cap="none" spc="0" normalizeH="0" baseline="0" noProof="0" dirty="0">
+              <a:ln>
+                <a:noFill/>
+              </a:ln>
+              <a:solidFill>
+                <a:srgbClr val="FFFFFF"/>
+              </a:solidFill>
+              <a:effectLst/>
+              <a:uLnTx/>
+              <a:uFillTx/>
+              <a:latin typeface="HTWBerlin Office" panose="02000000000000000000" pitchFamily="2" charset="0"/>
+              <a:ea typeface="+mn-ea"/>
+              <a:cs typeface="+mn-cs"/>
+            </a:endParaRPr>
+          </a:p>
+        </p:txBody>
+      </p:sp>
+      <p:sp>
+        <p:nvSpPr>
+          <p:cNvPr id="2" name="Fußzeilenplatzhalter 1">
+            <a:extLst>
+              <a:ext uri="{FF2B5EF4-FFF2-40B4-BE49-F238E27FC236}">
+                <a16:creationId xmlns:a16="http://schemas.microsoft.com/office/drawing/2014/main" id="{931BEC8B-5A45-4C7F-9B47-9A1E161FAC78}"/>
+              </a:ext>
+            </a:extLst>
+          </p:cNvPr>
+          <p:cNvSpPr>
+            <a:spLocks noGrp="1"/>
+          </p:cNvSpPr>
+          <p:nvPr>
+            <p:ph type="ftr" sz="quarter" idx="10"/>
+          </p:nvPr>
+        </p:nvSpPr>
+        <p:spPr/>
+        <p:txBody>
+          <a:bodyPr/>
+          <a:lstStyle/>
+          <a:p>
+            <a:pPr marL="0" marR="0" lvl="0" indent="0" algn="l" defTabSz="609585" rtl="0" eaLnBrk="1" fontAlgn="auto" latinLnBrk="0" hangingPunct="1">
+              <a:lnSpc>
+                <a:spcPct val="100000"/>
+              </a:lnSpc>
+              <a:spcBef>
+                <a:spcPts val="0"/>
+              </a:spcBef>
+              <a:spcAft>
+                <a:spcPts val="0"/>
+              </a:spcAft>
+              <a:buClrTx/>
+              <a:buSzTx/>
+              <a:buFontTx/>
+              <a:buNone/>
+              <a:tabLst/>
+              <a:defRPr/>
+            </a:pPr>
+            <a:r>
+              <a:rPr kumimoji="0" lang="de-DE" sz="1333" b="0" i="0" u="none" strike="noStrike" kern="1200" cap="none" spc="0" normalizeH="0" baseline="0" noProof="0" dirty="0">
+                <a:ln>
+                  <a:noFill/>
+                </a:ln>
+                <a:solidFill>
+                  <a:srgbClr val="FFFFFF"/>
+                </a:solidFill>
+                <a:effectLst/>
+                <a:uLnTx/>
+                <a:uFillTx/>
+                <a:latin typeface="HTWBerlin Office" panose="02000000000000000000" pitchFamily="2" charset="0"/>
+                <a:ea typeface="+mn-ea"/>
+                <a:cs typeface="+mn-cs"/>
+              </a:rPr>
+              <a:t>Oliver </a:t>
+            </a:r>
+            <a:r>
+              <a:rPr kumimoji="0" lang="de-DE" sz="1333" b="0" i="0" u="none" strike="noStrike" kern="1200" cap="none" spc="0" normalizeH="0" baseline="0" noProof="0" dirty="0" err="1">
+                <a:ln>
+                  <a:noFill/>
+                </a:ln>
+                <a:solidFill>
+                  <a:srgbClr val="FFFFFF"/>
+                </a:solidFill>
+                <a:effectLst/>
+                <a:uLnTx/>
+                <a:uFillTx/>
+                <a:latin typeface="HTWBerlin Office" panose="02000000000000000000" pitchFamily="2" charset="0"/>
+                <a:ea typeface="+mn-ea"/>
+                <a:cs typeface="+mn-cs"/>
+              </a:rPr>
+              <a:t>Thomaschewski</a:t>
+            </a:r>
+            <a:r>
+              <a:rPr kumimoji="0" lang="de-DE" sz="1333" b="0" i="0" u="none" strike="noStrike" kern="1200" cap="none" spc="0" normalizeH="0" baseline="0" noProof="0" dirty="0">
+                <a:ln>
+                  <a:noFill/>
+                </a:ln>
+                <a:solidFill>
+                  <a:srgbClr val="FFFFFF"/>
+                </a:solidFill>
+                <a:effectLst/>
+                <a:uLnTx/>
+                <a:uFillTx/>
+                <a:latin typeface="HTWBerlin Office" panose="02000000000000000000" pitchFamily="2" charset="0"/>
+                <a:ea typeface="+mn-ea"/>
+                <a:cs typeface="+mn-cs"/>
+              </a:rPr>
+              <a:t> | Lisa-Marlen Wiegandt</a:t>
+            </a:r>
+          </a:p>
+        </p:txBody>
+      </p:sp>
+    </p:spTree>
+    <p:extLst>
+      <p:ext uri="{BB962C8B-B14F-4D97-AF65-F5344CB8AC3E}">
+        <p14:creationId xmlns:p14="http://schemas.microsoft.com/office/powerpoint/2010/main" val="2494791029"/>
+      </p:ext>
+    </p:extLst>
+  </p:cSld>
+  <p:clrMapOvr>
+    <a:masterClrMapping/>
+  </p:clrMapOvr>
+  <mc:AlternateContent xmlns:mc="http://schemas.openxmlformats.org/markup-compatibility/2006" xmlns:p14="http://schemas.microsoft.com/office/powerpoint/2010/main">
+    <mc:Choice Requires="p14">
+      <p:transition spd="med" p14:dur="700">
+        <p:fade/>
+      </p:transition>
+    </mc:Choice>
+    <mc:Fallback xmlns="">
+      <p:transition spd="med">
+        <p:fade/>
+      </p:transition>
+    </mc:Fallback>
+  </mc:AlternateContent>
+</p:sld>
+</file>
+
+<file path=ppt/slides/slide19.xml><?xml version="1.0" encoding="utf-8"?>
+<p:sld xmlns:a="http://schemas.openxmlformats.org/drawingml/2006/main" xmlns:r="http://schemas.openxmlformats.org/officeDocument/2006/relationships" xmlns:p="http://schemas.openxmlformats.org/presentationml/2006/main">
+  <p:cSld>
+    <p:spTree>
+      <p:nvGrpSpPr>
+        <p:cNvPr id="1" name=""/>
+        <p:cNvGrpSpPr/>
+        <p:nvPr/>
+      </p:nvGrpSpPr>
+      <p:grpSpPr>
+        <a:xfrm>
+          <a:off x="0" y="0"/>
+          <a:ext cx="0" cy="0"/>
+          <a:chOff x="0" y="0"/>
+          <a:chExt cx="0" cy="0"/>
+        </a:xfrm>
+      </p:grpSpPr>
+      <p:sp>
+        <p:nvSpPr>
+          <p:cNvPr id="5" name="Titel 4">
+            <a:extLst>
+              <a:ext uri="{FF2B5EF4-FFF2-40B4-BE49-F238E27FC236}">
+                <a16:creationId xmlns:a16="http://schemas.microsoft.com/office/drawing/2014/main" id="{42C11151-AFD3-4918-B546-DA880E401E81}"/>
+              </a:ext>
+            </a:extLst>
+          </p:cNvPr>
+          <p:cNvSpPr>
+            <a:spLocks noGrp="1"/>
+          </p:cNvSpPr>
+          <p:nvPr>
+            <p:ph type="title"/>
+          </p:nvPr>
+        </p:nvSpPr>
+        <p:spPr/>
+        <p:txBody>
+          <a:bodyPr/>
+          <a:lstStyle/>
+          <a:p>
+            <a:r>
+              <a:rPr lang="de-DE" dirty="0"/>
+              <a:t>Fortgeschrittene Transformationen</a:t>
+            </a:r>
+            <a:endParaRPr lang="sr-Latn-CS" dirty="0"/>
+          </a:p>
+        </p:txBody>
+      </p:sp>
+      <p:sp>
+        <p:nvSpPr>
+          <p:cNvPr id="4" name="Foliennummernplatzhalter 3">
+            <a:extLst>
+              <a:ext uri="{FF2B5EF4-FFF2-40B4-BE49-F238E27FC236}">
+                <a16:creationId xmlns:a16="http://schemas.microsoft.com/office/drawing/2014/main" id="{65C6B3CB-482B-4686-A31C-3C1E7DE2CB2C}"/>
+              </a:ext>
+            </a:extLst>
+          </p:cNvPr>
+          <p:cNvSpPr>
+            <a:spLocks noGrp="1"/>
+          </p:cNvSpPr>
+          <p:nvPr>
+            <p:ph type="sldNum" sz="quarter" idx="11"/>
+          </p:nvPr>
+        </p:nvSpPr>
+        <p:spPr/>
+        <p:txBody>
+          <a:bodyPr/>
+          <a:lstStyle/>
+          <a:p>
+            <a:pPr marL="0" marR="0" lvl="0" indent="0" algn="l" defTabSz="609585" rtl="0" eaLnBrk="1" fontAlgn="auto" latinLnBrk="0" hangingPunct="1">
+              <a:lnSpc>
+                <a:spcPct val="100000"/>
+              </a:lnSpc>
+              <a:spcBef>
+                <a:spcPts val="0"/>
+              </a:spcBef>
+              <a:spcAft>
+                <a:spcPts val="0"/>
+              </a:spcAft>
+              <a:buClrTx/>
+              <a:buSzTx/>
+              <a:buFontTx/>
+              <a:buNone/>
+              <a:tabLst/>
+              <a:defRPr/>
+            </a:pPr>
+            <a:fld id="{45D25029-37DE-484F-BFE0-9B37AF2B26B8}" type="slidenum">
+              <a:rPr kumimoji="0" lang="de-DE" sz="1333" b="1" i="0" u="none" strike="noStrike" kern="1200" cap="none" spc="0" normalizeH="0" baseline="0" noProof="0">
+                <a:ln>
+                  <a:noFill/>
+                </a:ln>
+                <a:solidFill>
+                  <a:srgbClr val="787878"/>
+                </a:solidFill>
+                <a:effectLst/>
+                <a:uLnTx/>
+                <a:uFillTx/>
+                <a:latin typeface="HTWBerlin Office" panose="02000000000000000000" pitchFamily="2" charset="0"/>
+                <a:ea typeface="+mn-ea"/>
+                <a:cs typeface="+mn-cs"/>
+              </a:rPr>
+              <a:pPr marL="0" marR="0" lvl="0" indent="0" algn="l" defTabSz="609585" rtl="0" eaLnBrk="1" fontAlgn="auto" latinLnBrk="0" hangingPunct="1">
+                <a:lnSpc>
+                  <a:spcPct val="100000"/>
+                </a:lnSpc>
+                <a:spcBef>
+                  <a:spcPts val="0"/>
+                </a:spcBef>
+                <a:spcAft>
+                  <a:spcPts val="0"/>
+                </a:spcAft>
+                <a:buClrTx/>
+                <a:buSzTx/>
+                <a:buFontTx/>
+                <a:buNone/>
+                <a:tabLst/>
+                <a:defRPr/>
+              </a:pPr>
+              <a:t>19</a:t>
+            </a:fld>
+            <a:endParaRPr kumimoji="0" lang="de-DE" sz="1333" b="1" i="0" u="none" strike="noStrike" kern="1200" cap="none" spc="0" normalizeH="0" baseline="0" noProof="0" dirty="0">
+              <a:ln>
+                <a:noFill/>
+              </a:ln>
+              <a:solidFill>
+                <a:srgbClr val="787878"/>
+              </a:solidFill>
+              <a:effectLst/>
+              <a:uLnTx/>
+              <a:uFillTx/>
+              <a:latin typeface="HTWBerlin Office" panose="02000000000000000000" pitchFamily="2" charset="0"/>
+              <a:ea typeface="+mn-ea"/>
+              <a:cs typeface="+mn-cs"/>
+            </a:endParaRPr>
+          </a:p>
+        </p:txBody>
+      </p:sp>
+      <p:sp>
+        <p:nvSpPr>
+          <p:cNvPr id="2" name="Fußzeilenplatzhalter 1">
+            <a:extLst>
+              <a:ext uri="{FF2B5EF4-FFF2-40B4-BE49-F238E27FC236}">
+                <a16:creationId xmlns:a16="http://schemas.microsoft.com/office/drawing/2014/main" id="{132B9206-613C-42CD-9344-72F6A9511C96}"/>
+              </a:ext>
+            </a:extLst>
+          </p:cNvPr>
+          <p:cNvSpPr>
+            <a:spLocks noGrp="1"/>
+          </p:cNvSpPr>
+          <p:nvPr>
+            <p:ph type="ftr" sz="quarter" idx="10"/>
+          </p:nvPr>
+        </p:nvSpPr>
+        <p:spPr/>
+        <p:txBody>
+          <a:bodyPr/>
+          <a:lstStyle/>
+          <a:p>
+            <a:pPr marL="0" marR="0" lvl="0" indent="0" algn="l" defTabSz="914400" rtl="0" eaLnBrk="1" fontAlgn="auto" latinLnBrk="0" hangingPunct="1">
+              <a:lnSpc>
+                <a:spcPct val="100000"/>
+              </a:lnSpc>
+              <a:spcBef>
+                <a:spcPts val="0"/>
+              </a:spcBef>
+              <a:spcAft>
+                <a:spcPts val="0"/>
+              </a:spcAft>
+              <a:buClrTx/>
+              <a:buSzTx/>
+              <a:buFontTx/>
+              <a:buNone/>
+              <a:tabLst/>
+              <a:defRPr/>
+            </a:pPr>
+            <a:r>
+              <a:rPr kumimoji="0" lang="de-DE" sz="1333" b="0" i="0" u="none" strike="noStrike" kern="1200" cap="none" spc="0" normalizeH="0" baseline="0" noProof="0" dirty="0">
+                <a:ln>
+                  <a:noFill/>
+                </a:ln>
+                <a:solidFill>
+                  <a:srgbClr val="FFFFFF">
+                    <a:lumMod val="65000"/>
+                  </a:srgbClr>
+                </a:solidFill>
+                <a:effectLst/>
+                <a:uLnTx/>
+                <a:uFillTx/>
+                <a:latin typeface="HTWBerlin Office" panose="02000000000000000000" pitchFamily="2" charset="0"/>
+                <a:ea typeface="+mn-ea"/>
+                <a:cs typeface="+mn-cs"/>
+              </a:rPr>
+              <a:t>Oliver </a:t>
+            </a:r>
+            <a:r>
+              <a:rPr kumimoji="0" lang="de-DE" sz="1333" b="0" i="0" u="none" strike="noStrike" kern="1200" cap="none" spc="0" normalizeH="0" baseline="0" noProof="0" dirty="0" err="1">
+                <a:ln>
+                  <a:noFill/>
+                </a:ln>
+                <a:solidFill>
+                  <a:srgbClr val="FFFFFF">
+                    <a:lumMod val="65000"/>
+                  </a:srgbClr>
+                </a:solidFill>
+                <a:effectLst/>
+                <a:uLnTx/>
+                <a:uFillTx/>
+                <a:latin typeface="HTWBerlin Office" panose="02000000000000000000" pitchFamily="2" charset="0"/>
+                <a:ea typeface="+mn-ea"/>
+                <a:cs typeface="+mn-cs"/>
+              </a:rPr>
+              <a:t>Thomaschewski</a:t>
+            </a:r>
+            <a:r>
+              <a:rPr kumimoji="0" lang="de-DE" sz="1333" b="0" i="0" u="none" strike="noStrike" kern="1200" cap="none" spc="0" normalizeH="0" baseline="0" noProof="0" dirty="0">
+                <a:ln>
+                  <a:noFill/>
+                </a:ln>
+                <a:solidFill>
+                  <a:srgbClr val="FFFFFF">
+                    <a:lumMod val="65000"/>
+                  </a:srgbClr>
+                </a:solidFill>
+                <a:effectLst/>
+                <a:uLnTx/>
+                <a:uFillTx/>
+                <a:latin typeface="HTWBerlin Office" panose="02000000000000000000" pitchFamily="2" charset="0"/>
+                <a:ea typeface="+mn-ea"/>
+                <a:cs typeface="+mn-cs"/>
+              </a:rPr>
+              <a:t> | Lisa-Marlen Wiegandt</a:t>
+            </a:r>
+          </a:p>
+        </p:txBody>
+      </p:sp>
+      <p:sp>
+        <p:nvSpPr>
+          <p:cNvPr id="3" name="Inhaltsplatzhalter 9">
+            <a:extLst>
+              <a:ext uri="{FF2B5EF4-FFF2-40B4-BE49-F238E27FC236}">
+                <a16:creationId xmlns:a16="http://schemas.microsoft.com/office/drawing/2014/main" id="{858836C3-0573-29C5-C739-A5F66CEDC68C}"/>
+              </a:ext>
+            </a:extLst>
+          </p:cNvPr>
+          <p:cNvSpPr txBox="1">
+            <a:spLocks/>
+          </p:cNvSpPr>
+          <p:nvPr/>
+        </p:nvSpPr>
+        <p:spPr>
+          <a:xfrm>
+            <a:off x="4677852" y="1177057"/>
+            <a:ext cx="2116630" cy="362985"/>
+          </a:xfrm>
+          <a:prstGeom prst="rect">
+            <a:avLst/>
+          </a:prstGeom>
+        </p:spPr>
+        <p:txBody>
+          <a:bodyPr vert="horz" lIns="0" tIns="0" rIns="0" bIns="0" rtlCol="0" anchor="t" anchorCtr="0">
+            <a:noAutofit/>
+          </a:bodyPr>
+          <a:lstStyle>
+            <a:lvl1pPr marL="0" indent="0" algn="l" defTabSz="914377" rtl="0" eaLnBrk="1" latinLnBrk="0" hangingPunct="1">
+              <a:lnSpc>
+                <a:spcPct val="100000"/>
+              </a:lnSpc>
+              <a:spcBef>
+                <a:spcPts val="0"/>
+              </a:spcBef>
+              <a:spcAft>
+                <a:spcPts val="733"/>
+              </a:spcAft>
+              <a:buFont typeface="Arial" panose="020B0604020202020204" pitchFamily="34" charset="0"/>
+              <a:buNone/>
+              <a:defRPr lang="de-DE" sz="2667" kern="1200" dirty="0">
+                <a:solidFill>
+                  <a:schemeClr val="tx1"/>
+                </a:solidFill>
+                <a:latin typeface="HTWBerlin Office" panose="02000000000000000000" pitchFamily="2" charset="0"/>
+                <a:ea typeface="+mn-ea"/>
+                <a:cs typeface="+mn-cs"/>
+              </a:defRPr>
+            </a:lvl1pPr>
+            <a:lvl2pPr marL="182029" indent="-182029" algn="l" defTabSz="914377" rtl="0" eaLnBrk="1" latinLnBrk="0" hangingPunct="1">
+              <a:lnSpc>
+                <a:spcPct val="100000"/>
+              </a:lnSpc>
+              <a:spcBef>
+                <a:spcPts val="0"/>
+              </a:spcBef>
+              <a:spcAft>
+                <a:spcPts val="733"/>
+              </a:spcAft>
+              <a:buClr>
+                <a:schemeClr val="accent1"/>
+              </a:buClr>
+              <a:buFont typeface="Arial" panose="020B0604020202020204" pitchFamily="34" charset="0"/>
+              <a:buChar char="•"/>
+              <a:tabLst/>
+              <a:defRPr lang="de-DE" sz="2667" kern="1200" dirty="0">
+                <a:solidFill>
+                  <a:schemeClr val="tx1"/>
+                </a:solidFill>
+                <a:latin typeface="HTWBerlin Office" panose="02000000000000000000" pitchFamily="2" charset="0"/>
+                <a:ea typeface="+mn-ea"/>
+                <a:cs typeface="+mn-cs"/>
+              </a:defRPr>
+            </a:lvl2pPr>
+            <a:lvl3pPr marL="476239" indent="-237061" algn="l" defTabSz="914377" rtl="0" eaLnBrk="1" latinLnBrk="0" hangingPunct="1">
+              <a:lnSpc>
+                <a:spcPct val="100000"/>
+              </a:lnSpc>
+              <a:spcBef>
+                <a:spcPts val="0"/>
+              </a:spcBef>
+              <a:spcAft>
+                <a:spcPts val="733"/>
+              </a:spcAft>
+              <a:buClr>
+                <a:schemeClr val="accent1"/>
+              </a:buClr>
+              <a:buFont typeface="Arial" panose="020B0604020202020204" pitchFamily="34" charset="0"/>
+              <a:buChar char="•"/>
+              <a:tabLst/>
+              <a:defRPr lang="de-DE" sz="1333" kern="1200" dirty="0">
+                <a:solidFill>
+                  <a:schemeClr val="tx1"/>
+                </a:solidFill>
+                <a:latin typeface="HTWBerlin Office" panose="02000000000000000000" pitchFamily="2" charset="0"/>
+                <a:ea typeface="+mn-ea"/>
+                <a:cs typeface="+mn-cs"/>
+              </a:defRPr>
+            </a:lvl3pPr>
+            <a:lvl4pPr marL="476239" indent="-237061" algn="l" defTabSz="914377" rtl="0" eaLnBrk="1" latinLnBrk="0" hangingPunct="1">
+              <a:lnSpc>
+                <a:spcPts val="2800"/>
+              </a:lnSpc>
+              <a:spcBef>
+                <a:spcPts val="0"/>
+              </a:spcBef>
+              <a:spcAft>
+                <a:spcPts val="733"/>
+              </a:spcAft>
+              <a:buClr>
+                <a:schemeClr val="accent1"/>
+              </a:buClr>
+              <a:buFont typeface="Arial" panose="020B0604020202020204" pitchFamily="34" charset="0"/>
+              <a:buChar char="•"/>
+              <a:tabLst/>
+              <a:defRPr lang="de-DE" sz="3200" kern="1200" dirty="0">
+                <a:solidFill>
+                  <a:schemeClr val="tx1"/>
+                </a:solidFill>
+                <a:latin typeface="HTWBerlin Office" panose="02000000000000000000" pitchFamily="2" charset="0"/>
+                <a:ea typeface="+mn-ea"/>
+                <a:cs typeface="+mn-cs"/>
+              </a:defRPr>
+            </a:lvl4pPr>
+            <a:lvl5pPr marL="601118" indent="-239178" algn="l" defTabSz="914377" rtl="0" eaLnBrk="1" latinLnBrk="0" hangingPunct="1">
+              <a:lnSpc>
+                <a:spcPct val="100000"/>
+              </a:lnSpc>
+              <a:spcBef>
+                <a:spcPts val="0"/>
+              </a:spcBef>
+              <a:spcAft>
+                <a:spcPts val="733"/>
+              </a:spcAft>
+              <a:buClr>
+                <a:schemeClr val="accent1"/>
+              </a:buClr>
+              <a:buFont typeface="Arial" panose="020B0604020202020204" pitchFamily="34" charset="0"/>
+              <a:buChar char="•"/>
+              <a:tabLst/>
+              <a:defRPr lang="en-US" sz="2133" kern="1200" dirty="0">
+                <a:solidFill>
+                  <a:schemeClr val="tx1"/>
+                </a:solidFill>
+                <a:latin typeface="HTWBerlin Office" panose="02000000000000000000" pitchFamily="2" charset="0"/>
+                <a:ea typeface="+mn-ea"/>
+                <a:cs typeface="+mn-cs"/>
+              </a:defRPr>
+            </a:lvl5pPr>
+            <a:lvl6pPr marL="838179" indent="-237061" algn="l" defTabSz="914377" rtl="0" eaLnBrk="1" latinLnBrk="0" hangingPunct="1">
+              <a:lnSpc>
+                <a:spcPct val="100000"/>
+              </a:lnSpc>
+              <a:spcBef>
+                <a:spcPts val="500"/>
+              </a:spcBef>
+              <a:buClr>
+                <a:schemeClr val="accent1"/>
+              </a:buClr>
+              <a:buFont typeface="Arial" panose="020B0604020202020204" pitchFamily="34" charset="0"/>
+              <a:buChar char="•"/>
+              <a:defRPr sz="1800" kern="1200">
+                <a:solidFill>
+                  <a:schemeClr val="tx1"/>
+                </a:solidFill>
+                <a:latin typeface="+mn-lt"/>
+                <a:ea typeface="+mn-ea"/>
+                <a:cs typeface="+mn-cs"/>
+              </a:defRPr>
+            </a:lvl6pPr>
+            <a:lvl7pPr marL="2971726" indent="-228594" algn="l" defTabSz="914377" rtl="0" eaLnBrk="1" latinLnBrk="0" hangingPunct="1">
+              <a:lnSpc>
+                <a:spcPct val="90000"/>
+              </a:lnSpc>
+              <a:spcBef>
+                <a:spcPts val="500"/>
+              </a:spcBef>
+              <a:buFont typeface="Arial" panose="020B0604020202020204" pitchFamily="34" charset="0"/>
+              <a:buChar char="•"/>
+              <a:defRPr sz="1800" kern="1200">
+                <a:solidFill>
+                  <a:schemeClr val="tx1"/>
+                </a:solidFill>
+                <a:latin typeface="+mn-lt"/>
+                <a:ea typeface="+mn-ea"/>
+                <a:cs typeface="+mn-cs"/>
+              </a:defRPr>
+            </a:lvl7pPr>
+            <a:lvl8pPr marL="3428914" indent="-228594" algn="l" defTabSz="914377" rtl="0" eaLnBrk="1" latinLnBrk="0" hangingPunct="1">
+              <a:lnSpc>
+                <a:spcPct val="90000"/>
+              </a:lnSpc>
+              <a:spcBef>
+                <a:spcPts val="500"/>
+              </a:spcBef>
+              <a:buFont typeface="Arial" panose="020B0604020202020204" pitchFamily="34" charset="0"/>
+              <a:buChar char="•"/>
+              <a:defRPr sz="1800" kern="1200">
+                <a:solidFill>
+                  <a:schemeClr val="tx1"/>
+                </a:solidFill>
+                <a:latin typeface="+mn-lt"/>
+                <a:ea typeface="+mn-ea"/>
+                <a:cs typeface="+mn-cs"/>
+              </a:defRPr>
+            </a:lvl8pPr>
+            <a:lvl9pPr marL="3886103" indent="-228594" algn="l" defTabSz="914377" rtl="0" eaLnBrk="1" latinLnBrk="0" hangingPunct="1">
+              <a:lnSpc>
+                <a:spcPct val="90000"/>
+              </a:lnSpc>
+              <a:spcBef>
+                <a:spcPts val="500"/>
+              </a:spcBef>
+              <a:buFont typeface="Arial" panose="020B0604020202020204" pitchFamily="34" charset="0"/>
+              <a:buChar char="•"/>
+              <a:defRPr sz="1800" kern="1200">
+                <a:solidFill>
+                  <a:schemeClr val="tx1"/>
+                </a:solidFill>
+                <a:latin typeface="+mn-lt"/>
+                <a:ea typeface="+mn-ea"/>
+                <a:cs typeface="+mn-cs"/>
+              </a:defRPr>
+            </a:lvl9pPr>
+          </a:lstStyle>
+          <a:p>
+            <a:pPr marL="0" lvl="3" indent="0">
+              <a:spcAft>
+                <a:spcPts val="800"/>
+              </a:spcAft>
+              <a:buFont typeface="Arial" panose="020B0604020202020204" pitchFamily="34" charset="0"/>
+              <a:buNone/>
+            </a:pPr>
+            <a:r>
+              <a:rPr lang="de-DE" sz="1867" b="1" noProof="1"/>
+              <a:t>Neural Style Transfer</a:t>
+            </a:r>
+          </a:p>
+        </p:txBody>
+      </p:sp>
+      <p:pic>
+        <p:nvPicPr>
+          <p:cNvPr id="4100" name="Picture 4">
+            <a:extLst>
+              <a:ext uri="{FF2B5EF4-FFF2-40B4-BE49-F238E27FC236}">
+                <a16:creationId xmlns:a16="http://schemas.microsoft.com/office/drawing/2014/main" id="{6B6BC024-42D4-A617-0993-457218BEE610}"/>
+              </a:ext>
+            </a:extLst>
+          </p:cNvPr>
+          <p:cNvPicPr>
+            <a:picLocks noChangeAspect="1" noChangeArrowheads="1"/>
+          </p:cNvPicPr>
+          <p:nvPr/>
+        </p:nvPicPr>
+        <p:blipFill>
+          <a:blip r:embed="rId2">
+            <a:extLst>
+              <a:ext uri="{28A0092B-C50C-407E-A947-70E740481C1C}">
+                <a14:useLocalDpi xmlns:a14="http://schemas.microsoft.com/office/drawing/2010/main" val="0"/>
+              </a:ext>
+            </a:extLst>
+          </a:blip>
+          <a:srcRect/>
+          <a:stretch>
+            <a:fillRect/>
+          </a:stretch>
+        </p:blipFill>
+        <p:spPr bwMode="auto">
+          <a:xfrm>
+            <a:off x="473019" y="2442868"/>
+            <a:ext cx="2949965" cy="1972262"/>
+          </a:xfrm>
+          <a:prstGeom prst="rect">
+            <a:avLst/>
+          </a:prstGeom>
+          <a:noFill/>
+          <a:extLst>
+            <a:ext uri="{909E8E84-426E-40DD-AFC4-6F175D3DCCD1}">
+              <a14:hiddenFill xmlns:a14="http://schemas.microsoft.com/office/drawing/2010/main">
+                <a:solidFill>
+                  <a:srgbClr val="FFFFFF"/>
+                </a:solidFill>
+              </a14:hiddenFill>
+            </a:ext>
+          </a:extLst>
+        </p:spPr>
+      </p:pic>
+      <p:pic>
+        <p:nvPicPr>
+          <p:cNvPr id="4104" name="Picture 8">
+            <a:extLst>
+              <a:ext uri="{FF2B5EF4-FFF2-40B4-BE49-F238E27FC236}">
+                <a16:creationId xmlns:a16="http://schemas.microsoft.com/office/drawing/2014/main" id="{7945ABC6-88E4-9645-A162-08B03BB02644}"/>
+              </a:ext>
+            </a:extLst>
+          </p:cNvPr>
+          <p:cNvPicPr>
+            <a:picLocks noChangeAspect="1" noChangeArrowheads="1"/>
+          </p:cNvPicPr>
+          <p:nvPr/>
+        </p:nvPicPr>
+        <p:blipFill>
+          <a:blip r:embed="rId3">
+            <a:extLst>
+              <a:ext uri="{28A0092B-C50C-407E-A947-70E740481C1C}">
+                <a14:useLocalDpi xmlns:a14="http://schemas.microsoft.com/office/drawing/2010/main" val="0"/>
+              </a:ext>
+            </a:extLst>
+          </a:blip>
+          <a:srcRect/>
+          <a:stretch>
+            <a:fillRect/>
+          </a:stretch>
+        </p:blipFill>
+        <p:spPr bwMode="auto">
+          <a:xfrm>
+            <a:off x="4308305" y="2442868"/>
+            <a:ext cx="3512932" cy="1972261"/>
+          </a:xfrm>
+          <a:prstGeom prst="rect">
+            <a:avLst/>
+          </a:prstGeom>
+          <a:noFill/>
+          <a:extLst>
+            <a:ext uri="{909E8E84-426E-40DD-AFC4-6F175D3DCCD1}">
+              <a14:hiddenFill xmlns:a14="http://schemas.microsoft.com/office/drawing/2010/main">
+                <a:solidFill>
+                  <a:srgbClr val="FFFFFF"/>
+                </a:solidFill>
+              </a14:hiddenFill>
+            </a:ext>
+          </a:extLst>
+        </p:spPr>
+      </p:pic>
+      <p:sp>
+        <p:nvSpPr>
+          <p:cNvPr id="9" name="Additionszeichen 8">
+            <a:extLst>
+              <a:ext uri="{FF2B5EF4-FFF2-40B4-BE49-F238E27FC236}">
+                <a16:creationId xmlns:a16="http://schemas.microsoft.com/office/drawing/2014/main" id="{C3464E61-0668-0964-CF0A-A8028D37FCFA}"/>
+              </a:ext>
+            </a:extLst>
+          </p:cNvPr>
+          <p:cNvSpPr/>
+          <p:nvPr/>
+        </p:nvSpPr>
+        <p:spPr>
+          <a:xfrm>
+            <a:off x="3618997" y="3176335"/>
+            <a:ext cx="493295" cy="505327"/>
+          </a:xfrm>
+          <a:prstGeom prst="mathPlus">
+            <a:avLst/>
+          </a:prstGeom>
+        </p:spPr>
+        <p:style>
+          <a:lnRef idx="2">
+            <a:schemeClr val="accent1">
+              <a:shade val="50000"/>
+            </a:schemeClr>
+          </a:lnRef>
+          <a:fillRef idx="1">
+            <a:schemeClr val="accent1"/>
+          </a:fillRef>
+          <a:effectRef idx="0">
+            <a:schemeClr val="accent1"/>
+          </a:effectRef>
+          <a:fontRef idx="minor">
+            <a:schemeClr val="lt1"/>
+          </a:fontRef>
+        </p:style>
+        <p:txBody>
+          <a:bodyPr rtlCol="0" anchor="ctr"/>
+          <a:lstStyle/>
+          <a:p>
+            <a:pPr algn="ctr"/>
+            <a:endParaRPr lang="de-DE"/>
+          </a:p>
+        </p:txBody>
+      </p:sp>
+      <p:sp>
+        <p:nvSpPr>
+          <p:cNvPr id="10" name="Gleich 9">
+            <a:extLst>
+              <a:ext uri="{FF2B5EF4-FFF2-40B4-BE49-F238E27FC236}">
+                <a16:creationId xmlns:a16="http://schemas.microsoft.com/office/drawing/2014/main" id="{AC084765-E542-B461-0140-31B648E45EBF}"/>
+              </a:ext>
+            </a:extLst>
+          </p:cNvPr>
+          <p:cNvSpPr/>
+          <p:nvPr/>
+        </p:nvSpPr>
+        <p:spPr>
+          <a:xfrm>
+            <a:off x="8017250" y="3178745"/>
+            <a:ext cx="531103" cy="505328"/>
+          </a:xfrm>
+          <a:prstGeom prst="mathEqual">
+            <a:avLst/>
+          </a:prstGeom>
+        </p:spPr>
+        <p:style>
+          <a:lnRef idx="2">
+            <a:schemeClr val="accent1">
+              <a:shade val="50000"/>
+            </a:schemeClr>
+          </a:lnRef>
+          <a:fillRef idx="1">
+            <a:schemeClr val="accent1"/>
+          </a:fillRef>
+          <a:effectRef idx="0">
+            <a:schemeClr val="accent1"/>
+          </a:effectRef>
+          <a:fontRef idx="minor">
+            <a:schemeClr val="lt1"/>
+          </a:fontRef>
+        </p:style>
+        <p:txBody>
+          <a:bodyPr rtlCol="0" anchor="ctr"/>
+          <a:lstStyle/>
+          <a:p>
+            <a:pPr algn="ctr"/>
+            <a:endParaRPr lang="de-DE">
+              <a:solidFill>
+                <a:schemeClr val="tx1"/>
+              </a:solidFill>
+            </a:endParaRPr>
+          </a:p>
+        </p:txBody>
+      </p:sp>
+      <p:pic>
+        <p:nvPicPr>
+          <p:cNvPr id="4106" name="Picture 10">
+            <a:extLst>
+              <a:ext uri="{FF2B5EF4-FFF2-40B4-BE49-F238E27FC236}">
+                <a16:creationId xmlns:a16="http://schemas.microsoft.com/office/drawing/2014/main" id="{3FECB269-17D7-DFB7-586B-67AD94C75C60}"/>
+              </a:ext>
+            </a:extLst>
+          </p:cNvPr>
+          <p:cNvPicPr>
+            <a:picLocks noChangeAspect="1" noChangeArrowheads="1"/>
+          </p:cNvPicPr>
+          <p:nvPr/>
+        </p:nvPicPr>
+        <p:blipFill>
+          <a:blip r:embed="rId4">
+            <a:extLst>
+              <a:ext uri="{28A0092B-C50C-407E-A947-70E740481C1C}">
+                <a14:useLocalDpi xmlns:a14="http://schemas.microsoft.com/office/drawing/2010/main" val="0"/>
+              </a:ext>
+            </a:extLst>
+          </a:blip>
+          <a:srcRect/>
+          <a:stretch>
+            <a:fillRect/>
+          </a:stretch>
+        </p:blipFill>
+        <p:spPr bwMode="auto">
+          <a:xfrm>
+            <a:off x="8706558" y="2442868"/>
+            <a:ext cx="2949963" cy="1972261"/>
+          </a:xfrm>
+          <a:prstGeom prst="rect">
+            <a:avLst/>
+          </a:prstGeom>
+          <a:noFill/>
+          <a:extLst>
+            <a:ext uri="{909E8E84-426E-40DD-AFC4-6F175D3DCCD1}">
+              <a14:hiddenFill xmlns:a14="http://schemas.microsoft.com/office/drawing/2010/main">
+                <a:solidFill>
+                  <a:srgbClr val="FFFFFF"/>
+                </a:solidFill>
+              </a14:hiddenFill>
+            </a:ext>
+          </a:extLst>
+        </p:spPr>
+      </p:pic>
+    </p:spTree>
+    <p:extLst>
+      <p:ext uri="{BB962C8B-B14F-4D97-AF65-F5344CB8AC3E}">
+        <p14:creationId xmlns:p14="http://schemas.microsoft.com/office/powerpoint/2010/main" val="407817443"/>
       </p:ext>
     </p:extLst>
   </p:cSld>
@@ -22844,19 +25117,11 @@
           <a:p>
             <a:r>
               <a:rPr lang="en-US" sz="2667" dirty="0" err="1"/>
-              <a:t>Warum</a:t>
+              <a:t>Gründe</a:t>
             </a:r>
             <a:r>
               <a:rPr lang="en-US" sz="2667" dirty="0"/>
-              <a:t> </a:t>
-            </a:r>
-            <a:r>
-              <a:rPr lang="en-US" sz="2667" dirty="0" err="1"/>
-              <a:t>braucht</a:t>
-            </a:r>
-            <a:r>
-              <a:rPr lang="en-US" sz="2667" dirty="0"/>
-              <a:t> man Data Augmentation</a:t>
+              <a:t> für Data Augmentation</a:t>
             </a:r>
           </a:p>
         </p:txBody>
@@ -23580,7 +25845,7 @@
         </p:nvSpPr>
         <p:spPr>
           <a:xfrm>
-            <a:off x="1377509" y="3679094"/>
+            <a:off x="1383785" y="3109783"/>
             <a:ext cx="10336123" cy="451244"/>
           </a:xfrm>
           <a:prstGeom prst="rect">
@@ -24055,7 +26320,7 @@
         </p:nvSpPr>
         <p:spPr>
           <a:xfrm>
-            <a:off x="1377509" y="4224715"/>
+            <a:off x="1377509" y="4241504"/>
             <a:ext cx="10336123" cy="451244"/>
           </a:xfrm>
           <a:prstGeom prst="rect">
@@ -24267,7 +26532,7 @@
           <a:p>
             <a:r>
               <a:rPr lang="en-US" sz="2667" dirty="0" err="1"/>
-              <a:t>Komplexere</a:t>
+              <a:t>Fortgeschrittenere</a:t>
             </a:r>
             <a:r>
               <a:rPr lang="en-US" sz="2667" dirty="0"/>
@@ -24532,7 +26797,7 @@
         </p:nvSpPr>
         <p:spPr>
           <a:xfrm>
-            <a:off x="1377510" y="3072544"/>
+            <a:off x="1377509" y="4790677"/>
             <a:ext cx="10336123" cy="451244"/>
           </a:xfrm>
           <a:prstGeom prst="rect">
@@ -24744,8 +27009,13 @@
           <a:p>
             <a:r>
               <a:rPr lang="en-US" sz="2667" dirty="0"/>
-              <a:t>Online vs Offline Augmentation</a:t>
-            </a:r>
+              <a:t>Online vs Offline </a:t>
+            </a:r>
+            <a:r>
+              <a:rPr lang="en-US" sz="2667" dirty="0" err="1"/>
+              <a:t>Augmentierung</a:t>
+            </a:r>
+            <a:endParaRPr lang="en-US" sz="2667" dirty="0"/>
           </a:p>
         </p:txBody>
       </p:sp>
@@ -24999,7 +27269,7 @@
         </p:nvSpPr>
         <p:spPr>
           <a:xfrm>
-            <a:off x="1377511" y="4798941"/>
+            <a:off x="1377509" y="3666972"/>
             <a:ext cx="10336123" cy="451244"/>
           </a:xfrm>
           <a:prstGeom prst="rect">
@@ -25211,15 +27481,15 @@
           <a:p>
             <a:r>
               <a:rPr lang="en-US" sz="2667" dirty="0" err="1"/>
-              <a:t>Bewertung</a:t>
+              <a:t>Normalisierung</a:t>
             </a:r>
             <a:r>
               <a:rPr lang="en-US" sz="2667" dirty="0"/>
-              <a:t> von Data </a:t>
+              <a:t> von </a:t>
             </a:r>
             <a:r>
               <a:rPr lang="en-US" sz="2667" dirty="0" err="1"/>
-              <a:t>Augmentierung</a:t>
+              <a:t>Bilddateien</a:t>
             </a:r>
             <a:endParaRPr lang="en-US" sz="2667" dirty="0"/>
           </a:p>
@@ -25723,16 +27993,492 @@
           <a:p>
             <a:r>
               <a:rPr lang="en-US" sz="2667" dirty="0"/>
-              <a:t>Was </a:t>
-            </a:r>
+              <a:t>Definition Data Augmentation</a:t>
+            </a:r>
+          </a:p>
+        </p:txBody>
+      </p:sp>
+      <p:sp>
+        <p:nvSpPr>
+          <p:cNvPr id="7" name="Textplatzhalter 15">
+            <a:extLst>
+              <a:ext uri="{FF2B5EF4-FFF2-40B4-BE49-F238E27FC236}">
+                <a16:creationId xmlns:a16="http://schemas.microsoft.com/office/drawing/2014/main" id="{9AB1434D-B263-7397-355E-96B2C17F88E6}"/>
+              </a:ext>
+            </a:extLst>
+          </p:cNvPr>
+          <p:cNvSpPr txBox="1">
+            <a:spLocks/>
+          </p:cNvSpPr>
+          <p:nvPr/>
+        </p:nvSpPr>
+        <p:spPr>
+          <a:xfrm>
+            <a:off x="732430" y="5373167"/>
+            <a:ext cx="554968" cy="451244"/>
+          </a:xfrm>
+          <a:prstGeom prst="rect">
+            <a:avLst/>
+          </a:prstGeom>
+          <a:solidFill>
+            <a:schemeClr val="bg1">
+              <a:lumMod val="95000"/>
+            </a:schemeClr>
+          </a:solidFill>
+        </p:spPr>
+        <p:txBody>
+          <a:bodyPr anchor="ctr"/>
+          <a:lstStyle>
+            <a:lvl1pPr marL="0" indent="0" algn="l" defTabSz="685800" rtl="0" eaLnBrk="1" latinLnBrk="0" hangingPunct="1">
+              <a:lnSpc>
+                <a:spcPts val="2500"/>
+              </a:lnSpc>
+              <a:spcBef>
+                <a:spcPts val="0"/>
+              </a:spcBef>
+              <a:spcAft>
+                <a:spcPts val="550"/>
+              </a:spcAft>
+              <a:buFont typeface="Arial" panose="020B0604020202020204" pitchFamily="34" charset="0"/>
+              <a:buNone/>
+              <a:defRPr sz="2000" kern="1200">
+                <a:solidFill>
+                  <a:schemeClr val="tx1"/>
+                </a:solidFill>
+                <a:latin typeface="HTWBerlin Office" panose="02000000000000000000" pitchFamily="2" charset="0"/>
+                <a:ea typeface="+mn-ea"/>
+                <a:cs typeface="+mn-cs"/>
+              </a:defRPr>
+            </a:lvl1pPr>
+            <a:lvl2pPr marL="136525" indent="-136525" algn="l" defTabSz="685800" rtl="0" eaLnBrk="1" latinLnBrk="0" hangingPunct="1">
+              <a:lnSpc>
+                <a:spcPts val="2500"/>
+              </a:lnSpc>
+              <a:spcBef>
+                <a:spcPts val="0"/>
+              </a:spcBef>
+              <a:spcAft>
+                <a:spcPts val="550"/>
+              </a:spcAft>
+              <a:buClr>
+                <a:schemeClr val="accent1"/>
+              </a:buClr>
+              <a:buFont typeface="Arial" panose="020B0604020202020204" pitchFamily="34" charset="0"/>
+              <a:buChar char="•"/>
+              <a:tabLst/>
+              <a:defRPr sz="2000" kern="1200">
+                <a:solidFill>
+                  <a:schemeClr val="tx1"/>
+                </a:solidFill>
+                <a:latin typeface="HTWBerlin Office" panose="02000000000000000000" pitchFamily="2" charset="0"/>
+                <a:ea typeface="+mn-ea"/>
+                <a:cs typeface="+mn-cs"/>
+              </a:defRPr>
+            </a:lvl2pPr>
+            <a:lvl3pPr marL="4763" indent="0" algn="l" defTabSz="685800" rtl="0" eaLnBrk="1" latinLnBrk="0" hangingPunct="1">
+              <a:lnSpc>
+                <a:spcPts val="2100"/>
+              </a:lnSpc>
+              <a:spcBef>
+                <a:spcPts val="0"/>
+              </a:spcBef>
+              <a:spcAft>
+                <a:spcPts val="550"/>
+              </a:spcAft>
+              <a:buClr>
+                <a:schemeClr val="accent1"/>
+              </a:buClr>
+              <a:buFont typeface="Arial" panose="020B0604020202020204" pitchFamily="34" charset="0"/>
+              <a:buNone/>
+              <a:tabLst/>
+              <a:defRPr sz="1800" kern="1200">
+                <a:solidFill>
+                  <a:schemeClr val="tx1"/>
+                </a:solidFill>
+                <a:latin typeface="HTWBerlin Office" panose="02000000000000000000" pitchFamily="2" charset="0"/>
+                <a:ea typeface="+mn-ea"/>
+                <a:cs typeface="+mn-cs"/>
+              </a:defRPr>
+            </a:lvl3pPr>
+            <a:lvl4pPr marL="136525" indent="-136525" algn="l" defTabSz="685800" rtl="0" eaLnBrk="1" latinLnBrk="0" hangingPunct="1">
+              <a:lnSpc>
+                <a:spcPts val="2100"/>
+              </a:lnSpc>
+              <a:spcBef>
+                <a:spcPts val="0"/>
+              </a:spcBef>
+              <a:spcAft>
+                <a:spcPts val="550"/>
+              </a:spcAft>
+              <a:buClr>
+                <a:schemeClr val="accent1"/>
+              </a:buClr>
+              <a:buFont typeface="Arial" panose="020B0604020202020204" pitchFamily="34" charset="0"/>
+              <a:buChar char="•"/>
+              <a:tabLst/>
+              <a:defRPr sz="1800" kern="1200">
+                <a:solidFill>
+                  <a:schemeClr val="tx1"/>
+                </a:solidFill>
+                <a:latin typeface="HTWBerlin Office" panose="02000000000000000000" pitchFamily="2" charset="0"/>
+                <a:ea typeface="+mn-ea"/>
+                <a:cs typeface="+mn-cs"/>
+              </a:defRPr>
+            </a:lvl4pPr>
+            <a:lvl5pPr marL="0" indent="0" algn="l" defTabSz="685800" rtl="0" eaLnBrk="1" latinLnBrk="0" hangingPunct="1">
+              <a:lnSpc>
+                <a:spcPts val="1900"/>
+              </a:lnSpc>
+              <a:spcBef>
+                <a:spcPts val="0"/>
+              </a:spcBef>
+              <a:spcAft>
+                <a:spcPts val="550"/>
+              </a:spcAft>
+              <a:buClr>
+                <a:schemeClr val="accent1"/>
+              </a:buClr>
+              <a:buFont typeface="Arial" panose="020B0604020202020204" pitchFamily="34" charset="0"/>
+              <a:buNone/>
+              <a:tabLst/>
+              <a:defRPr sz="1600" kern="1200">
+                <a:solidFill>
+                  <a:schemeClr val="tx1"/>
+                </a:solidFill>
+                <a:latin typeface="HTWBerlin Office" panose="02000000000000000000" pitchFamily="2" charset="0"/>
+                <a:ea typeface="+mn-ea"/>
+                <a:cs typeface="+mn-cs"/>
+              </a:defRPr>
+            </a:lvl5pPr>
+            <a:lvl6pPr marL="1885950" indent="-171450" algn="l" defTabSz="685800" rtl="0" eaLnBrk="1" latinLnBrk="0" hangingPunct="1">
+              <a:lnSpc>
+                <a:spcPct val="90000"/>
+              </a:lnSpc>
+              <a:spcBef>
+                <a:spcPts val="375"/>
+              </a:spcBef>
+              <a:buFont typeface="Arial" panose="020B0604020202020204" pitchFamily="34" charset="0"/>
+              <a:buChar char="•"/>
+              <a:defRPr sz="1350" kern="1200">
+                <a:solidFill>
+                  <a:schemeClr val="tx1"/>
+                </a:solidFill>
+                <a:latin typeface="+mn-lt"/>
+                <a:ea typeface="+mn-ea"/>
+                <a:cs typeface="+mn-cs"/>
+              </a:defRPr>
+            </a:lvl6pPr>
+            <a:lvl7pPr marL="2228850" indent="-171450" algn="l" defTabSz="685800" rtl="0" eaLnBrk="1" latinLnBrk="0" hangingPunct="1">
+              <a:lnSpc>
+                <a:spcPct val="90000"/>
+              </a:lnSpc>
+              <a:spcBef>
+                <a:spcPts val="375"/>
+              </a:spcBef>
+              <a:buFont typeface="Arial" panose="020B0604020202020204" pitchFamily="34" charset="0"/>
+              <a:buChar char="•"/>
+              <a:defRPr sz="1350" kern="1200">
+                <a:solidFill>
+                  <a:schemeClr val="tx1"/>
+                </a:solidFill>
+                <a:latin typeface="+mn-lt"/>
+                <a:ea typeface="+mn-ea"/>
+                <a:cs typeface="+mn-cs"/>
+              </a:defRPr>
+            </a:lvl7pPr>
+            <a:lvl8pPr marL="2571750" indent="-171450" algn="l" defTabSz="685800" rtl="0" eaLnBrk="1" latinLnBrk="0" hangingPunct="1">
+              <a:lnSpc>
+                <a:spcPct val="90000"/>
+              </a:lnSpc>
+              <a:spcBef>
+                <a:spcPts val="375"/>
+              </a:spcBef>
+              <a:buFont typeface="Arial" panose="020B0604020202020204" pitchFamily="34" charset="0"/>
+              <a:buChar char="•"/>
+              <a:defRPr sz="1350" kern="1200">
+                <a:solidFill>
+                  <a:schemeClr val="tx1"/>
+                </a:solidFill>
+                <a:latin typeface="+mn-lt"/>
+                <a:ea typeface="+mn-ea"/>
+                <a:cs typeface="+mn-cs"/>
+              </a:defRPr>
+            </a:lvl8pPr>
+            <a:lvl9pPr marL="2914650" indent="-171450" algn="l" defTabSz="685800" rtl="0" eaLnBrk="1" latinLnBrk="0" hangingPunct="1">
+              <a:lnSpc>
+                <a:spcPct val="90000"/>
+              </a:lnSpc>
+              <a:spcBef>
+                <a:spcPts val="375"/>
+              </a:spcBef>
+              <a:buFont typeface="Arial" panose="020B0604020202020204" pitchFamily="34" charset="0"/>
+              <a:buChar char="•"/>
+              <a:defRPr sz="1350" kern="1200">
+                <a:solidFill>
+                  <a:schemeClr val="tx1"/>
+                </a:solidFill>
+                <a:latin typeface="+mn-lt"/>
+                <a:ea typeface="+mn-ea"/>
+                <a:cs typeface="+mn-cs"/>
+              </a:defRPr>
+            </a:lvl9pPr>
+          </a:lstStyle>
+          <a:p>
+            <a:pPr algn="ctr"/>
+            <a:r>
+              <a:rPr lang="en-US" sz="2667" b="1" dirty="0"/>
+              <a:t>8</a:t>
+            </a:r>
+          </a:p>
+        </p:txBody>
+      </p:sp>
+      <p:sp>
+        <p:nvSpPr>
+          <p:cNvPr id="8" name="Textplatzhalter 16">
+            <a:extLst>
+              <a:ext uri="{FF2B5EF4-FFF2-40B4-BE49-F238E27FC236}">
+                <a16:creationId xmlns:a16="http://schemas.microsoft.com/office/drawing/2014/main" id="{B50768A9-4842-2D0C-17BA-DAB4398D7854}"/>
+              </a:ext>
+            </a:extLst>
+          </p:cNvPr>
+          <p:cNvSpPr txBox="1">
+            <a:spLocks/>
+          </p:cNvSpPr>
+          <p:nvPr/>
+        </p:nvSpPr>
+        <p:spPr>
+          <a:xfrm>
+            <a:off x="1377509" y="5358879"/>
+            <a:ext cx="10336123" cy="451244"/>
+          </a:xfrm>
+          <a:prstGeom prst="rect">
+            <a:avLst/>
+          </a:prstGeom>
+          <a:solidFill>
+            <a:schemeClr val="bg1">
+              <a:lumMod val="95000"/>
+            </a:schemeClr>
+          </a:solidFill>
+        </p:spPr>
+        <p:txBody>
+          <a:bodyPr anchor="ctr"/>
+          <a:lstStyle>
+            <a:lvl1pPr marL="0" indent="0" algn="l" defTabSz="685800" rtl="0" eaLnBrk="1" latinLnBrk="0" hangingPunct="1">
+              <a:lnSpc>
+                <a:spcPts val="2500"/>
+              </a:lnSpc>
+              <a:spcBef>
+                <a:spcPts val="0"/>
+              </a:spcBef>
+              <a:spcAft>
+                <a:spcPts val="550"/>
+              </a:spcAft>
+              <a:buFont typeface="Arial" panose="020B0604020202020204" pitchFamily="34" charset="0"/>
+              <a:buNone/>
+              <a:defRPr sz="2000" kern="1200">
+                <a:solidFill>
+                  <a:schemeClr val="tx1"/>
+                </a:solidFill>
+                <a:latin typeface="HTWBerlin Office" panose="02000000000000000000" pitchFamily="2" charset="0"/>
+                <a:ea typeface="+mn-ea"/>
+                <a:cs typeface="+mn-cs"/>
+              </a:defRPr>
+            </a:lvl1pPr>
+            <a:lvl2pPr marL="136525" indent="-136525" algn="l" defTabSz="685800" rtl="0" eaLnBrk="1" latinLnBrk="0" hangingPunct="1">
+              <a:lnSpc>
+                <a:spcPts val="2500"/>
+              </a:lnSpc>
+              <a:spcBef>
+                <a:spcPts val="0"/>
+              </a:spcBef>
+              <a:spcAft>
+                <a:spcPts val="550"/>
+              </a:spcAft>
+              <a:buClr>
+                <a:schemeClr val="accent1"/>
+              </a:buClr>
+              <a:buFont typeface="Arial" panose="020B0604020202020204" pitchFamily="34" charset="0"/>
+              <a:buChar char="•"/>
+              <a:tabLst/>
+              <a:defRPr sz="2000" kern="1200">
+                <a:solidFill>
+                  <a:schemeClr val="tx1"/>
+                </a:solidFill>
+                <a:latin typeface="HTWBerlin Office" panose="02000000000000000000" pitchFamily="2" charset="0"/>
+                <a:ea typeface="+mn-ea"/>
+                <a:cs typeface="+mn-cs"/>
+              </a:defRPr>
+            </a:lvl2pPr>
+            <a:lvl3pPr marL="4763" indent="0" algn="l" defTabSz="685800" rtl="0" eaLnBrk="1" latinLnBrk="0" hangingPunct="1">
+              <a:lnSpc>
+                <a:spcPts val="2100"/>
+              </a:lnSpc>
+              <a:spcBef>
+                <a:spcPts val="0"/>
+              </a:spcBef>
+              <a:spcAft>
+                <a:spcPts val="550"/>
+              </a:spcAft>
+              <a:buClr>
+                <a:schemeClr val="accent1"/>
+              </a:buClr>
+              <a:buFont typeface="Arial" panose="020B0604020202020204" pitchFamily="34" charset="0"/>
+              <a:buNone/>
+              <a:tabLst/>
+              <a:defRPr sz="1800" kern="1200">
+                <a:solidFill>
+                  <a:schemeClr val="tx1"/>
+                </a:solidFill>
+                <a:latin typeface="HTWBerlin Office" panose="02000000000000000000" pitchFamily="2" charset="0"/>
+                <a:ea typeface="+mn-ea"/>
+                <a:cs typeface="+mn-cs"/>
+              </a:defRPr>
+            </a:lvl3pPr>
+            <a:lvl4pPr marL="136525" indent="-136525" algn="l" defTabSz="685800" rtl="0" eaLnBrk="1" latinLnBrk="0" hangingPunct="1">
+              <a:lnSpc>
+                <a:spcPts val="2100"/>
+              </a:lnSpc>
+              <a:spcBef>
+                <a:spcPts val="0"/>
+              </a:spcBef>
+              <a:spcAft>
+                <a:spcPts val="550"/>
+              </a:spcAft>
+              <a:buClr>
+                <a:schemeClr val="accent1"/>
+              </a:buClr>
+              <a:buFont typeface="Arial" panose="020B0604020202020204" pitchFamily="34" charset="0"/>
+              <a:buChar char="•"/>
+              <a:tabLst/>
+              <a:defRPr sz="1800" kern="1200">
+                <a:solidFill>
+                  <a:schemeClr val="tx1"/>
+                </a:solidFill>
+                <a:latin typeface="HTWBerlin Office" panose="02000000000000000000" pitchFamily="2" charset="0"/>
+                <a:ea typeface="+mn-ea"/>
+                <a:cs typeface="+mn-cs"/>
+              </a:defRPr>
+            </a:lvl4pPr>
+            <a:lvl5pPr marL="0" indent="0" algn="l" defTabSz="685800" rtl="0" eaLnBrk="1" latinLnBrk="0" hangingPunct="1">
+              <a:lnSpc>
+                <a:spcPts val="1900"/>
+              </a:lnSpc>
+              <a:spcBef>
+                <a:spcPts val="0"/>
+              </a:spcBef>
+              <a:spcAft>
+                <a:spcPts val="550"/>
+              </a:spcAft>
+              <a:buClr>
+                <a:schemeClr val="accent1"/>
+              </a:buClr>
+              <a:buFont typeface="Arial" panose="020B0604020202020204" pitchFamily="34" charset="0"/>
+              <a:buNone/>
+              <a:tabLst/>
+              <a:defRPr sz="1600" kern="1200">
+                <a:solidFill>
+                  <a:schemeClr val="tx1"/>
+                </a:solidFill>
+                <a:latin typeface="HTWBerlin Office" panose="02000000000000000000" pitchFamily="2" charset="0"/>
+                <a:ea typeface="+mn-ea"/>
+                <a:cs typeface="+mn-cs"/>
+              </a:defRPr>
+            </a:lvl5pPr>
+            <a:lvl6pPr marL="1885950" indent="-171450" algn="l" defTabSz="685800" rtl="0" eaLnBrk="1" latinLnBrk="0" hangingPunct="1">
+              <a:lnSpc>
+                <a:spcPct val="90000"/>
+              </a:lnSpc>
+              <a:spcBef>
+                <a:spcPts val="375"/>
+              </a:spcBef>
+              <a:buFont typeface="Arial" panose="020B0604020202020204" pitchFamily="34" charset="0"/>
+              <a:buChar char="•"/>
+              <a:defRPr sz="1350" kern="1200">
+                <a:solidFill>
+                  <a:schemeClr val="tx1"/>
+                </a:solidFill>
+                <a:latin typeface="+mn-lt"/>
+                <a:ea typeface="+mn-ea"/>
+                <a:cs typeface="+mn-cs"/>
+              </a:defRPr>
+            </a:lvl6pPr>
+            <a:lvl7pPr marL="2228850" indent="-171450" algn="l" defTabSz="685800" rtl="0" eaLnBrk="1" latinLnBrk="0" hangingPunct="1">
+              <a:lnSpc>
+                <a:spcPct val="90000"/>
+              </a:lnSpc>
+              <a:spcBef>
+                <a:spcPts val="375"/>
+              </a:spcBef>
+              <a:buFont typeface="Arial" panose="020B0604020202020204" pitchFamily="34" charset="0"/>
+              <a:buChar char="•"/>
+              <a:defRPr sz="1350" kern="1200">
+                <a:solidFill>
+                  <a:schemeClr val="tx1"/>
+                </a:solidFill>
+                <a:latin typeface="+mn-lt"/>
+                <a:ea typeface="+mn-ea"/>
+                <a:cs typeface="+mn-cs"/>
+              </a:defRPr>
+            </a:lvl7pPr>
+            <a:lvl8pPr marL="2571750" indent="-171450" algn="l" defTabSz="685800" rtl="0" eaLnBrk="1" latinLnBrk="0" hangingPunct="1">
+              <a:lnSpc>
+                <a:spcPct val="90000"/>
+              </a:lnSpc>
+              <a:spcBef>
+                <a:spcPts val="375"/>
+              </a:spcBef>
+              <a:buFont typeface="Arial" panose="020B0604020202020204" pitchFamily="34" charset="0"/>
+              <a:buChar char="•"/>
+              <a:defRPr sz="1350" kern="1200">
+                <a:solidFill>
+                  <a:schemeClr val="tx1"/>
+                </a:solidFill>
+                <a:latin typeface="+mn-lt"/>
+                <a:ea typeface="+mn-ea"/>
+                <a:cs typeface="+mn-cs"/>
+              </a:defRPr>
+            </a:lvl8pPr>
+            <a:lvl9pPr marL="2914650" indent="-171450" algn="l" defTabSz="685800" rtl="0" eaLnBrk="1" latinLnBrk="0" hangingPunct="1">
+              <a:lnSpc>
+                <a:spcPct val="90000"/>
+              </a:lnSpc>
+              <a:spcBef>
+                <a:spcPts val="375"/>
+              </a:spcBef>
+              <a:buFont typeface="Arial" panose="020B0604020202020204" pitchFamily="34" charset="0"/>
+              <a:buChar char="•"/>
+              <a:defRPr sz="1350" kern="1200">
+                <a:solidFill>
+                  <a:schemeClr val="tx1"/>
+                </a:solidFill>
+                <a:latin typeface="+mn-lt"/>
+                <a:ea typeface="+mn-ea"/>
+                <a:cs typeface="+mn-cs"/>
+              </a:defRPr>
+            </a:lvl9pPr>
+          </a:lstStyle>
+          <a:p>
             <a:r>
               <a:rPr lang="en-US" sz="2667" dirty="0" err="1"/>
-              <a:t>ist</a:t>
+              <a:t>Bewertung</a:t>
             </a:r>
             <a:r>
               <a:rPr lang="en-US" sz="2667" dirty="0"/>
-              <a:t> Data Augmentation</a:t>
-            </a:r>
+              <a:t> von </a:t>
+            </a:r>
+            <a:r>
+              <a:rPr lang="en-US" sz="2667" dirty="0" err="1"/>
+              <a:t>Daten</a:t>
+            </a:r>
+            <a:r>
+              <a:rPr lang="en-US" sz="2667" dirty="0"/>
+              <a:t> </a:t>
+            </a:r>
+            <a:r>
+              <a:rPr lang="en-US" sz="2667" dirty="0" err="1"/>
+              <a:t>Augmentierung</a:t>
+            </a:r>
+            <a:endParaRPr lang="en-US" sz="2667" dirty="0"/>
           </a:p>
         </p:txBody>
       </p:sp>
@@ -25740,6 +28486,3182 @@
     <p:extLst>
       <p:ext uri="{BB962C8B-B14F-4D97-AF65-F5344CB8AC3E}">
         <p14:creationId xmlns:p14="http://schemas.microsoft.com/office/powerpoint/2010/main" val="3939127449"/>
+      </p:ext>
+    </p:extLst>
+  </p:cSld>
+  <p:clrMapOvr>
+    <a:masterClrMapping/>
+  </p:clrMapOvr>
+  <mc:AlternateContent xmlns:mc="http://schemas.openxmlformats.org/markup-compatibility/2006" xmlns:p14="http://schemas.microsoft.com/office/powerpoint/2010/main">
+    <mc:Choice Requires="p14">
+      <p:transition spd="med" p14:dur="700">
+        <p:fade/>
+      </p:transition>
+    </mc:Choice>
+    <mc:Fallback xmlns="">
+      <p:transition spd="med">
+        <p:fade/>
+      </p:transition>
+    </mc:Fallback>
+  </mc:AlternateContent>
+</p:sld>
+</file>
+
+<file path=ppt/slides/slide20.xml><?xml version="1.0" encoding="utf-8"?>
+<p:sld xmlns:a="http://schemas.openxmlformats.org/drawingml/2006/main" xmlns:r="http://schemas.openxmlformats.org/officeDocument/2006/relationships" xmlns:p="http://schemas.openxmlformats.org/presentationml/2006/main">
+  <p:cSld>
+    <p:spTree>
+      <p:nvGrpSpPr>
+        <p:cNvPr id="1" name=""/>
+        <p:cNvGrpSpPr/>
+        <p:nvPr/>
+      </p:nvGrpSpPr>
+      <p:grpSpPr>
+        <a:xfrm>
+          <a:off x="0" y="0"/>
+          <a:ext cx="0" cy="0"/>
+          <a:chOff x="0" y="0"/>
+          <a:chExt cx="0" cy="0"/>
+        </a:xfrm>
+      </p:grpSpPr>
+      <p:sp>
+        <p:nvSpPr>
+          <p:cNvPr id="5" name="Titel 4">
+            <a:extLst>
+              <a:ext uri="{FF2B5EF4-FFF2-40B4-BE49-F238E27FC236}">
+                <a16:creationId xmlns:a16="http://schemas.microsoft.com/office/drawing/2014/main" id="{42C11151-AFD3-4918-B546-DA880E401E81}"/>
+              </a:ext>
+            </a:extLst>
+          </p:cNvPr>
+          <p:cNvSpPr>
+            <a:spLocks noGrp="1"/>
+          </p:cNvSpPr>
+          <p:nvPr>
+            <p:ph type="title"/>
+          </p:nvPr>
+        </p:nvSpPr>
+        <p:spPr/>
+        <p:txBody>
+          <a:bodyPr/>
+          <a:lstStyle/>
+          <a:p>
+            <a:r>
+              <a:rPr lang="de-DE" dirty="0"/>
+              <a:t>Fortgeschrittene Transformationen</a:t>
+            </a:r>
+            <a:endParaRPr lang="sr-Latn-CS" dirty="0"/>
+          </a:p>
+        </p:txBody>
+      </p:sp>
+      <p:sp>
+        <p:nvSpPr>
+          <p:cNvPr id="4" name="Foliennummernplatzhalter 3">
+            <a:extLst>
+              <a:ext uri="{FF2B5EF4-FFF2-40B4-BE49-F238E27FC236}">
+                <a16:creationId xmlns:a16="http://schemas.microsoft.com/office/drawing/2014/main" id="{65C6B3CB-482B-4686-A31C-3C1E7DE2CB2C}"/>
+              </a:ext>
+            </a:extLst>
+          </p:cNvPr>
+          <p:cNvSpPr>
+            <a:spLocks noGrp="1"/>
+          </p:cNvSpPr>
+          <p:nvPr>
+            <p:ph type="sldNum" sz="quarter" idx="11"/>
+          </p:nvPr>
+        </p:nvSpPr>
+        <p:spPr/>
+        <p:txBody>
+          <a:bodyPr/>
+          <a:lstStyle/>
+          <a:p>
+            <a:pPr marL="0" marR="0" lvl="0" indent="0" algn="l" defTabSz="609585" rtl="0" eaLnBrk="1" fontAlgn="auto" latinLnBrk="0" hangingPunct="1">
+              <a:lnSpc>
+                <a:spcPct val="100000"/>
+              </a:lnSpc>
+              <a:spcBef>
+                <a:spcPts val="0"/>
+              </a:spcBef>
+              <a:spcAft>
+                <a:spcPts val="0"/>
+              </a:spcAft>
+              <a:buClrTx/>
+              <a:buSzTx/>
+              <a:buFontTx/>
+              <a:buNone/>
+              <a:tabLst/>
+              <a:defRPr/>
+            </a:pPr>
+            <a:fld id="{45D25029-37DE-484F-BFE0-9B37AF2B26B8}" type="slidenum">
+              <a:rPr kumimoji="0" lang="de-DE" sz="1333" b="1" i="0" u="none" strike="noStrike" kern="1200" cap="none" spc="0" normalizeH="0" baseline="0" noProof="0">
+                <a:ln>
+                  <a:noFill/>
+                </a:ln>
+                <a:solidFill>
+                  <a:srgbClr val="787878"/>
+                </a:solidFill>
+                <a:effectLst/>
+                <a:uLnTx/>
+                <a:uFillTx/>
+                <a:latin typeface="HTWBerlin Office" panose="02000000000000000000" pitchFamily="2" charset="0"/>
+                <a:ea typeface="+mn-ea"/>
+                <a:cs typeface="+mn-cs"/>
+              </a:rPr>
+              <a:pPr marL="0" marR="0" lvl="0" indent="0" algn="l" defTabSz="609585" rtl="0" eaLnBrk="1" fontAlgn="auto" latinLnBrk="0" hangingPunct="1">
+                <a:lnSpc>
+                  <a:spcPct val="100000"/>
+                </a:lnSpc>
+                <a:spcBef>
+                  <a:spcPts val="0"/>
+                </a:spcBef>
+                <a:spcAft>
+                  <a:spcPts val="0"/>
+                </a:spcAft>
+                <a:buClrTx/>
+                <a:buSzTx/>
+                <a:buFontTx/>
+                <a:buNone/>
+                <a:tabLst/>
+                <a:defRPr/>
+              </a:pPr>
+              <a:t>20</a:t>
+            </a:fld>
+            <a:endParaRPr kumimoji="0" lang="de-DE" sz="1333" b="1" i="0" u="none" strike="noStrike" kern="1200" cap="none" spc="0" normalizeH="0" baseline="0" noProof="0" dirty="0">
+              <a:ln>
+                <a:noFill/>
+              </a:ln>
+              <a:solidFill>
+                <a:srgbClr val="787878"/>
+              </a:solidFill>
+              <a:effectLst/>
+              <a:uLnTx/>
+              <a:uFillTx/>
+              <a:latin typeface="HTWBerlin Office" panose="02000000000000000000" pitchFamily="2" charset="0"/>
+              <a:ea typeface="+mn-ea"/>
+              <a:cs typeface="+mn-cs"/>
+            </a:endParaRPr>
+          </a:p>
+        </p:txBody>
+      </p:sp>
+      <p:sp>
+        <p:nvSpPr>
+          <p:cNvPr id="2" name="Fußzeilenplatzhalter 1">
+            <a:extLst>
+              <a:ext uri="{FF2B5EF4-FFF2-40B4-BE49-F238E27FC236}">
+                <a16:creationId xmlns:a16="http://schemas.microsoft.com/office/drawing/2014/main" id="{132B9206-613C-42CD-9344-72F6A9511C96}"/>
+              </a:ext>
+            </a:extLst>
+          </p:cNvPr>
+          <p:cNvSpPr>
+            <a:spLocks noGrp="1"/>
+          </p:cNvSpPr>
+          <p:nvPr>
+            <p:ph type="ftr" sz="quarter" idx="10"/>
+          </p:nvPr>
+        </p:nvSpPr>
+        <p:spPr/>
+        <p:txBody>
+          <a:bodyPr/>
+          <a:lstStyle/>
+          <a:p>
+            <a:pPr marL="0" marR="0" lvl="0" indent="0" algn="l" defTabSz="914400" rtl="0" eaLnBrk="1" fontAlgn="auto" latinLnBrk="0" hangingPunct="1">
+              <a:lnSpc>
+                <a:spcPct val="100000"/>
+              </a:lnSpc>
+              <a:spcBef>
+                <a:spcPts val="0"/>
+              </a:spcBef>
+              <a:spcAft>
+                <a:spcPts val="0"/>
+              </a:spcAft>
+              <a:buClrTx/>
+              <a:buSzTx/>
+              <a:buFontTx/>
+              <a:buNone/>
+              <a:tabLst/>
+              <a:defRPr/>
+            </a:pPr>
+            <a:r>
+              <a:rPr kumimoji="0" lang="de-DE" sz="1333" b="0" i="0" u="none" strike="noStrike" kern="1200" cap="none" spc="0" normalizeH="0" baseline="0" noProof="0" dirty="0">
+                <a:ln>
+                  <a:noFill/>
+                </a:ln>
+                <a:solidFill>
+                  <a:srgbClr val="FFFFFF">
+                    <a:lumMod val="65000"/>
+                  </a:srgbClr>
+                </a:solidFill>
+                <a:effectLst/>
+                <a:uLnTx/>
+                <a:uFillTx/>
+                <a:latin typeface="HTWBerlin Office" panose="02000000000000000000" pitchFamily="2" charset="0"/>
+                <a:ea typeface="+mn-ea"/>
+                <a:cs typeface="+mn-cs"/>
+              </a:rPr>
+              <a:t>Oliver </a:t>
+            </a:r>
+            <a:r>
+              <a:rPr kumimoji="0" lang="de-DE" sz="1333" b="0" i="0" u="none" strike="noStrike" kern="1200" cap="none" spc="0" normalizeH="0" baseline="0" noProof="0" dirty="0" err="1">
+                <a:ln>
+                  <a:noFill/>
+                </a:ln>
+                <a:solidFill>
+                  <a:srgbClr val="FFFFFF">
+                    <a:lumMod val="65000"/>
+                  </a:srgbClr>
+                </a:solidFill>
+                <a:effectLst/>
+                <a:uLnTx/>
+                <a:uFillTx/>
+                <a:latin typeface="HTWBerlin Office" panose="02000000000000000000" pitchFamily="2" charset="0"/>
+                <a:ea typeface="+mn-ea"/>
+                <a:cs typeface="+mn-cs"/>
+              </a:rPr>
+              <a:t>Thomaschewski</a:t>
+            </a:r>
+            <a:r>
+              <a:rPr kumimoji="0" lang="de-DE" sz="1333" b="0" i="0" u="none" strike="noStrike" kern="1200" cap="none" spc="0" normalizeH="0" baseline="0" noProof="0" dirty="0">
+                <a:ln>
+                  <a:noFill/>
+                </a:ln>
+                <a:solidFill>
+                  <a:srgbClr val="FFFFFF">
+                    <a:lumMod val="65000"/>
+                  </a:srgbClr>
+                </a:solidFill>
+                <a:effectLst/>
+                <a:uLnTx/>
+                <a:uFillTx/>
+                <a:latin typeface="HTWBerlin Office" panose="02000000000000000000" pitchFamily="2" charset="0"/>
+                <a:ea typeface="+mn-ea"/>
+                <a:cs typeface="+mn-cs"/>
+              </a:rPr>
+              <a:t> | Lisa-Marlen Wiegandt</a:t>
+            </a:r>
+          </a:p>
+        </p:txBody>
+      </p:sp>
+      <p:sp>
+        <p:nvSpPr>
+          <p:cNvPr id="3" name="Inhaltsplatzhalter 9">
+            <a:extLst>
+              <a:ext uri="{FF2B5EF4-FFF2-40B4-BE49-F238E27FC236}">
+                <a16:creationId xmlns:a16="http://schemas.microsoft.com/office/drawing/2014/main" id="{858836C3-0573-29C5-C739-A5F66CEDC68C}"/>
+              </a:ext>
+            </a:extLst>
+          </p:cNvPr>
+          <p:cNvSpPr txBox="1">
+            <a:spLocks/>
+          </p:cNvSpPr>
+          <p:nvPr/>
+        </p:nvSpPr>
+        <p:spPr>
+          <a:xfrm>
+            <a:off x="4524306" y="1220487"/>
+            <a:ext cx="3143385" cy="471269"/>
+          </a:xfrm>
+          <a:prstGeom prst="rect">
+            <a:avLst/>
+          </a:prstGeom>
+        </p:spPr>
+        <p:txBody>
+          <a:bodyPr vert="horz" lIns="0" tIns="0" rIns="0" bIns="0" rtlCol="0" anchor="t" anchorCtr="0">
+            <a:noAutofit/>
+          </a:bodyPr>
+          <a:lstStyle>
+            <a:lvl1pPr marL="0" indent="0" algn="l" defTabSz="914377" rtl="0" eaLnBrk="1" latinLnBrk="0" hangingPunct="1">
+              <a:lnSpc>
+                <a:spcPct val="100000"/>
+              </a:lnSpc>
+              <a:spcBef>
+                <a:spcPts val="0"/>
+              </a:spcBef>
+              <a:spcAft>
+                <a:spcPts val="733"/>
+              </a:spcAft>
+              <a:buFont typeface="Arial" panose="020B0604020202020204" pitchFamily="34" charset="0"/>
+              <a:buNone/>
+              <a:defRPr lang="de-DE" sz="2667" kern="1200" dirty="0">
+                <a:solidFill>
+                  <a:schemeClr val="tx1"/>
+                </a:solidFill>
+                <a:latin typeface="HTWBerlin Office" panose="02000000000000000000" pitchFamily="2" charset="0"/>
+                <a:ea typeface="+mn-ea"/>
+                <a:cs typeface="+mn-cs"/>
+              </a:defRPr>
+            </a:lvl1pPr>
+            <a:lvl2pPr marL="182029" indent="-182029" algn="l" defTabSz="914377" rtl="0" eaLnBrk="1" latinLnBrk="0" hangingPunct="1">
+              <a:lnSpc>
+                <a:spcPct val="100000"/>
+              </a:lnSpc>
+              <a:spcBef>
+                <a:spcPts val="0"/>
+              </a:spcBef>
+              <a:spcAft>
+                <a:spcPts val="733"/>
+              </a:spcAft>
+              <a:buClr>
+                <a:schemeClr val="accent1"/>
+              </a:buClr>
+              <a:buFont typeface="Arial" panose="020B0604020202020204" pitchFamily="34" charset="0"/>
+              <a:buChar char="•"/>
+              <a:tabLst/>
+              <a:defRPr lang="de-DE" sz="2667" kern="1200" dirty="0">
+                <a:solidFill>
+                  <a:schemeClr val="tx1"/>
+                </a:solidFill>
+                <a:latin typeface="HTWBerlin Office" panose="02000000000000000000" pitchFamily="2" charset="0"/>
+                <a:ea typeface="+mn-ea"/>
+                <a:cs typeface="+mn-cs"/>
+              </a:defRPr>
+            </a:lvl2pPr>
+            <a:lvl3pPr marL="476239" indent="-237061" algn="l" defTabSz="914377" rtl="0" eaLnBrk="1" latinLnBrk="0" hangingPunct="1">
+              <a:lnSpc>
+                <a:spcPct val="100000"/>
+              </a:lnSpc>
+              <a:spcBef>
+                <a:spcPts val="0"/>
+              </a:spcBef>
+              <a:spcAft>
+                <a:spcPts val="733"/>
+              </a:spcAft>
+              <a:buClr>
+                <a:schemeClr val="accent1"/>
+              </a:buClr>
+              <a:buFont typeface="Arial" panose="020B0604020202020204" pitchFamily="34" charset="0"/>
+              <a:buChar char="•"/>
+              <a:tabLst/>
+              <a:defRPr lang="de-DE" sz="1333" kern="1200" dirty="0">
+                <a:solidFill>
+                  <a:schemeClr val="tx1"/>
+                </a:solidFill>
+                <a:latin typeface="HTWBerlin Office" panose="02000000000000000000" pitchFamily="2" charset="0"/>
+                <a:ea typeface="+mn-ea"/>
+                <a:cs typeface="+mn-cs"/>
+              </a:defRPr>
+            </a:lvl3pPr>
+            <a:lvl4pPr marL="476239" indent="-237061" algn="l" defTabSz="914377" rtl="0" eaLnBrk="1" latinLnBrk="0" hangingPunct="1">
+              <a:lnSpc>
+                <a:spcPts val="2800"/>
+              </a:lnSpc>
+              <a:spcBef>
+                <a:spcPts val="0"/>
+              </a:spcBef>
+              <a:spcAft>
+                <a:spcPts val="733"/>
+              </a:spcAft>
+              <a:buClr>
+                <a:schemeClr val="accent1"/>
+              </a:buClr>
+              <a:buFont typeface="Arial" panose="020B0604020202020204" pitchFamily="34" charset="0"/>
+              <a:buChar char="•"/>
+              <a:tabLst/>
+              <a:defRPr lang="de-DE" sz="3200" kern="1200" dirty="0">
+                <a:solidFill>
+                  <a:schemeClr val="tx1"/>
+                </a:solidFill>
+                <a:latin typeface="HTWBerlin Office" panose="02000000000000000000" pitchFamily="2" charset="0"/>
+                <a:ea typeface="+mn-ea"/>
+                <a:cs typeface="+mn-cs"/>
+              </a:defRPr>
+            </a:lvl4pPr>
+            <a:lvl5pPr marL="601118" indent="-239178" algn="l" defTabSz="914377" rtl="0" eaLnBrk="1" latinLnBrk="0" hangingPunct="1">
+              <a:lnSpc>
+                <a:spcPct val="100000"/>
+              </a:lnSpc>
+              <a:spcBef>
+                <a:spcPts val="0"/>
+              </a:spcBef>
+              <a:spcAft>
+                <a:spcPts val="733"/>
+              </a:spcAft>
+              <a:buClr>
+                <a:schemeClr val="accent1"/>
+              </a:buClr>
+              <a:buFont typeface="Arial" panose="020B0604020202020204" pitchFamily="34" charset="0"/>
+              <a:buChar char="•"/>
+              <a:tabLst/>
+              <a:defRPr lang="en-US" sz="2133" kern="1200" dirty="0">
+                <a:solidFill>
+                  <a:schemeClr val="tx1"/>
+                </a:solidFill>
+                <a:latin typeface="HTWBerlin Office" panose="02000000000000000000" pitchFamily="2" charset="0"/>
+                <a:ea typeface="+mn-ea"/>
+                <a:cs typeface="+mn-cs"/>
+              </a:defRPr>
+            </a:lvl5pPr>
+            <a:lvl6pPr marL="838179" indent="-237061" algn="l" defTabSz="914377" rtl="0" eaLnBrk="1" latinLnBrk="0" hangingPunct="1">
+              <a:lnSpc>
+                <a:spcPct val="100000"/>
+              </a:lnSpc>
+              <a:spcBef>
+                <a:spcPts val="500"/>
+              </a:spcBef>
+              <a:buClr>
+                <a:schemeClr val="accent1"/>
+              </a:buClr>
+              <a:buFont typeface="Arial" panose="020B0604020202020204" pitchFamily="34" charset="0"/>
+              <a:buChar char="•"/>
+              <a:defRPr sz="1800" kern="1200">
+                <a:solidFill>
+                  <a:schemeClr val="tx1"/>
+                </a:solidFill>
+                <a:latin typeface="+mn-lt"/>
+                <a:ea typeface="+mn-ea"/>
+                <a:cs typeface="+mn-cs"/>
+              </a:defRPr>
+            </a:lvl6pPr>
+            <a:lvl7pPr marL="2971726" indent="-228594" algn="l" defTabSz="914377" rtl="0" eaLnBrk="1" latinLnBrk="0" hangingPunct="1">
+              <a:lnSpc>
+                <a:spcPct val="90000"/>
+              </a:lnSpc>
+              <a:spcBef>
+                <a:spcPts val="500"/>
+              </a:spcBef>
+              <a:buFont typeface="Arial" panose="020B0604020202020204" pitchFamily="34" charset="0"/>
+              <a:buChar char="•"/>
+              <a:defRPr sz="1800" kern="1200">
+                <a:solidFill>
+                  <a:schemeClr val="tx1"/>
+                </a:solidFill>
+                <a:latin typeface="+mn-lt"/>
+                <a:ea typeface="+mn-ea"/>
+                <a:cs typeface="+mn-cs"/>
+              </a:defRPr>
+            </a:lvl7pPr>
+            <a:lvl8pPr marL="3428914" indent="-228594" algn="l" defTabSz="914377" rtl="0" eaLnBrk="1" latinLnBrk="0" hangingPunct="1">
+              <a:lnSpc>
+                <a:spcPct val="90000"/>
+              </a:lnSpc>
+              <a:spcBef>
+                <a:spcPts val="500"/>
+              </a:spcBef>
+              <a:buFont typeface="Arial" panose="020B0604020202020204" pitchFamily="34" charset="0"/>
+              <a:buChar char="•"/>
+              <a:defRPr sz="1800" kern="1200">
+                <a:solidFill>
+                  <a:schemeClr val="tx1"/>
+                </a:solidFill>
+                <a:latin typeface="+mn-lt"/>
+                <a:ea typeface="+mn-ea"/>
+                <a:cs typeface="+mn-cs"/>
+              </a:defRPr>
+            </a:lvl8pPr>
+            <a:lvl9pPr marL="3886103" indent="-228594" algn="l" defTabSz="914377" rtl="0" eaLnBrk="1" latinLnBrk="0" hangingPunct="1">
+              <a:lnSpc>
+                <a:spcPct val="90000"/>
+              </a:lnSpc>
+              <a:spcBef>
+                <a:spcPts val="500"/>
+              </a:spcBef>
+              <a:buFont typeface="Arial" panose="020B0604020202020204" pitchFamily="34" charset="0"/>
+              <a:buChar char="•"/>
+              <a:defRPr sz="1800" kern="1200">
+                <a:solidFill>
+                  <a:schemeClr val="tx1"/>
+                </a:solidFill>
+                <a:latin typeface="+mn-lt"/>
+                <a:ea typeface="+mn-ea"/>
+                <a:cs typeface="+mn-cs"/>
+              </a:defRPr>
+            </a:lvl9pPr>
+          </a:lstStyle>
+          <a:p>
+            <a:pPr marL="0" lvl="3" indent="0">
+              <a:spcAft>
+                <a:spcPts val="800"/>
+              </a:spcAft>
+              <a:buFont typeface="Arial" panose="020B0604020202020204" pitchFamily="34" charset="0"/>
+              <a:buNone/>
+            </a:pPr>
+            <a:r>
+              <a:rPr lang="de-DE" sz="1867" b="1" noProof="1"/>
+              <a:t>Generative Adversarial Networks</a:t>
+            </a:r>
+          </a:p>
+        </p:txBody>
+      </p:sp>
+      <p:pic>
+        <p:nvPicPr>
+          <p:cNvPr id="5122" name="Picture 2">
+            <a:extLst>
+              <a:ext uri="{FF2B5EF4-FFF2-40B4-BE49-F238E27FC236}">
+                <a16:creationId xmlns:a16="http://schemas.microsoft.com/office/drawing/2014/main" id="{E0003717-161E-8A3C-05CC-E7ABB075C85D}"/>
+              </a:ext>
+            </a:extLst>
+          </p:cNvPr>
+          <p:cNvPicPr>
+            <a:picLocks noChangeAspect="1" noChangeArrowheads="1"/>
+          </p:cNvPicPr>
+          <p:nvPr/>
+        </p:nvPicPr>
+        <p:blipFill>
+          <a:blip r:embed="rId2">
+            <a:extLst>
+              <a:ext uri="{28A0092B-C50C-407E-A947-70E740481C1C}">
+                <a14:useLocalDpi xmlns:a14="http://schemas.microsoft.com/office/drawing/2010/main" val="0"/>
+              </a:ext>
+            </a:extLst>
+          </a:blip>
+          <a:srcRect/>
+          <a:stretch>
+            <a:fillRect/>
+          </a:stretch>
+        </p:blipFill>
+        <p:spPr bwMode="auto">
+          <a:xfrm>
+            <a:off x="1506785" y="2081587"/>
+            <a:ext cx="9178428" cy="3084657"/>
+          </a:xfrm>
+          <a:prstGeom prst="rect">
+            <a:avLst/>
+          </a:prstGeom>
+          <a:noFill/>
+          <a:extLst>
+            <a:ext uri="{909E8E84-426E-40DD-AFC4-6F175D3DCCD1}">
+              <a14:hiddenFill xmlns:a14="http://schemas.microsoft.com/office/drawing/2010/main">
+                <a:solidFill>
+                  <a:srgbClr val="FFFFFF"/>
+                </a:solidFill>
+              </a14:hiddenFill>
+            </a:ext>
+          </a:extLst>
+        </p:spPr>
+      </p:pic>
+    </p:spTree>
+    <p:extLst>
+      <p:ext uri="{BB962C8B-B14F-4D97-AF65-F5344CB8AC3E}">
+        <p14:creationId xmlns:p14="http://schemas.microsoft.com/office/powerpoint/2010/main" val="2174315215"/>
+      </p:ext>
+    </p:extLst>
+  </p:cSld>
+  <p:clrMapOvr>
+    <a:masterClrMapping/>
+  </p:clrMapOvr>
+  <mc:AlternateContent xmlns:mc="http://schemas.openxmlformats.org/markup-compatibility/2006" xmlns:p14="http://schemas.microsoft.com/office/powerpoint/2010/main">
+    <mc:Choice Requires="p14">
+      <p:transition spd="med" p14:dur="700">
+        <p:fade/>
+      </p:transition>
+    </mc:Choice>
+    <mc:Fallback xmlns="">
+      <p:transition spd="med">
+        <p:fade/>
+      </p:transition>
+    </mc:Fallback>
+  </mc:AlternateContent>
+</p:sld>
+</file>
+
+<file path=ppt/slides/slide21.xml><?xml version="1.0" encoding="utf-8"?>
+<p:sld xmlns:a="http://schemas.openxmlformats.org/drawingml/2006/main" xmlns:r="http://schemas.openxmlformats.org/officeDocument/2006/relationships" xmlns:p="http://schemas.openxmlformats.org/presentationml/2006/main">
+  <p:cSld>
+    <p:spTree>
+      <p:nvGrpSpPr>
+        <p:cNvPr id="1" name=""/>
+        <p:cNvGrpSpPr/>
+        <p:nvPr/>
+      </p:nvGrpSpPr>
+      <p:grpSpPr>
+        <a:xfrm>
+          <a:off x="0" y="0"/>
+          <a:ext cx="0" cy="0"/>
+          <a:chOff x="0" y="0"/>
+          <a:chExt cx="0" cy="0"/>
+        </a:xfrm>
+      </p:grpSpPr>
+      <p:sp>
+        <p:nvSpPr>
+          <p:cNvPr id="7" name="Titel 6">
+            <a:extLst>
+              <a:ext uri="{FF2B5EF4-FFF2-40B4-BE49-F238E27FC236}">
+                <a16:creationId xmlns:a16="http://schemas.microsoft.com/office/drawing/2014/main" id="{A2BA0C1E-7BE0-4EA4-93B2-80850F76EFF7}"/>
+              </a:ext>
+            </a:extLst>
+          </p:cNvPr>
+          <p:cNvSpPr>
+            <a:spLocks noGrp="1"/>
+          </p:cNvSpPr>
+          <p:nvPr>
+            <p:ph type="title"/>
+          </p:nvPr>
+        </p:nvSpPr>
+        <p:spPr>
+          <a:xfrm>
+            <a:off x="719666" y="1348381"/>
+            <a:ext cx="8040511" cy="584327"/>
+          </a:xfrm>
+        </p:spPr>
+        <p:txBody>
+          <a:bodyPr/>
+          <a:lstStyle/>
+          <a:p>
+            <a:r>
+              <a:rPr lang="de-DE" dirty="0"/>
+              <a:t>7. Online </a:t>
+            </a:r>
+            <a:r>
+              <a:rPr lang="de-DE" dirty="0" err="1"/>
+              <a:t>vs</a:t>
+            </a:r>
+            <a:r>
+              <a:rPr lang="de-DE" dirty="0"/>
+              <a:t> Offline </a:t>
+            </a:r>
+            <a:r>
+              <a:rPr lang="de-DE" dirty="0" err="1"/>
+              <a:t>Augmentierung</a:t>
+            </a:r>
+            <a:endParaRPr lang="sr-Latn-CS" b="0" dirty="0"/>
+          </a:p>
+        </p:txBody>
+      </p:sp>
+      <p:sp>
+        <p:nvSpPr>
+          <p:cNvPr id="8" name="Foliennummernplatzhalter 7">
+            <a:extLst>
+              <a:ext uri="{FF2B5EF4-FFF2-40B4-BE49-F238E27FC236}">
+                <a16:creationId xmlns:a16="http://schemas.microsoft.com/office/drawing/2014/main" id="{B4709D36-B4EC-4703-8CE4-A0457C99B432}"/>
+              </a:ext>
+            </a:extLst>
+          </p:cNvPr>
+          <p:cNvSpPr>
+            <a:spLocks noGrp="1"/>
+          </p:cNvSpPr>
+          <p:nvPr>
+            <p:ph type="sldNum" sz="quarter" idx="11"/>
+          </p:nvPr>
+        </p:nvSpPr>
+        <p:spPr/>
+        <p:txBody>
+          <a:bodyPr/>
+          <a:lstStyle/>
+          <a:p>
+            <a:pPr marL="0" marR="0" lvl="0" indent="0" algn="l" defTabSz="609585" rtl="0" eaLnBrk="1" fontAlgn="auto" latinLnBrk="0" hangingPunct="1">
+              <a:lnSpc>
+                <a:spcPct val="100000"/>
+              </a:lnSpc>
+              <a:spcBef>
+                <a:spcPts val="0"/>
+              </a:spcBef>
+              <a:spcAft>
+                <a:spcPts val="0"/>
+              </a:spcAft>
+              <a:buClrTx/>
+              <a:buSzTx/>
+              <a:buFontTx/>
+              <a:buNone/>
+              <a:tabLst/>
+              <a:defRPr/>
+            </a:pPr>
+            <a:fld id="{45D25029-37DE-484F-BFE0-9B37AF2B26B8}" type="slidenum">
+              <a:rPr kumimoji="0" lang="de-DE" sz="1333" b="1" i="0" u="none" strike="noStrike" kern="1200" cap="none" spc="0" normalizeH="0" baseline="0" noProof="0">
+                <a:ln>
+                  <a:noFill/>
+                </a:ln>
+                <a:solidFill>
+                  <a:srgbClr val="FFFFFF"/>
+                </a:solidFill>
+                <a:effectLst/>
+                <a:uLnTx/>
+                <a:uFillTx/>
+                <a:latin typeface="HTWBerlin Office" panose="02000000000000000000" pitchFamily="2" charset="0"/>
+                <a:ea typeface="+mn-ea"/>
+                <a:cs typeface="+mn-cs"/>
+              </a:rPr>
+              <a:pPr marL="0" marR="0" lvl="0" indent="0" algn="l" defTabSz="609585" rtl="0" eaLnBrk="1" fontAlgn="auto" latinLnBrk="0" hangingPunct="1">
+                <a:lnSpc>
+                  <a:spcPct val="100000"/>
+                </a:lnSpc>
+                <a:spcBef>
+                  <a:spcPts val="0"/>
+                </a:spcBef>
+                <a:spcAft>
+                  <a:spcPts val="0"/>
+                </a:spcAft>
+                <a:buClrTx/>
+                <a:buSzTx/>
+                <a:buFontTx/>
+                <a:buNone/>
+                <a:tabLst/>
+                <a:defRPr/>
+              </a:pPr>
+              <a:t>21</a:t>
+            </a:fld>
+            <a:endParaRPr kumimoji="0" lang="de-DE" sz="1333" b="1" i="0" u="none" strike="noStrike" kern="1200" cap="none" spc="0" normalizeH="0" baseline="0" noProof="0" dirty="0">
+              <a:ln>
+                <a:noFill/>
+              </a:ln>
+              <a:solidFill>
+                <a:srgbClr val="FFFFFF"/>
+              </a:solidFill>
+              <a:effectLst/>
+              <a:uLnTx/>
+              <a:uFillTx/>
+              <a:latin typeface="HTWBerlin Office" panose="02000000000000000000" pitchFamily="2" charset="0"/>
+              <a:ea typeface="+mn-ea"/>
+              <a:cs typeface="+mn-cs"/>
+            </a:endParaRPr>
+          </a:p>
+        </p:txBody>
+      </p:sp>
+      <p:sp>
+        <p:nvSpPr>
+          <p:cNvPr id="2" name="Fußzeilenplatzhalter 1">
+            <a:extLst>
+              <a:ext uri="{FF2B5EF4-FFF2-40B4-BE49-F238E27FC236}">
+                <a16:creationId xmlns:a16="http://schemas.microsoft.com/office/drawing/2014/main" id="{931BEC8B-5A45-4C7F-9B47-9A1E161FAC78}"/>
+              </a:ext>
+            </a:extLst>
+          </p:cNvPr>
+          <p:cNvSpPr>
+            <a:spLocks noGrp="1"/>
+          </p:cNvSpPr>
+          <p:nvPr>
+            <p:ph type="ftr" sz="quarter" idx="10"/>
+          </p:nvPr>
+        </p:nvSpPr>
+        <p:spPr/>
+        <p:txBody>
+          <a:bodyPr/>
+          <a:lstStyle/>
+          <a:p>
+            <a:pPr marL="0" marR="0" lvl="0" indent="0" algn="l" defTabSz="609585" rtl="0" eaLnBrk="1" fontAlgn="auto" latinLnBrk="0" hangingPunct="1">
+              <a:lnSpc>
+                <a:spcPct val="100000"/>
+              </a:lnSpc>
+              <a:spcBef>
+                <a:spcPts val="0"/>
+              </a:spcBef>
+              <a:spcAft>
+                <a:spcPts val="0"/>
+              </a:spcAft>
+              <a:buClrTx/>
+              <a:buSzTx/>
+              <a:buFontTx/>
+              <a:buNone/>
+              <a:tabLst/>
+              <a:defRPr/>
+            </a:pPr>
+            <a:r>
+              <a:rPr kumimoji="0" lang="de-DE" sz="1333" b="0" i="0" u="none" strike="noStrike" kern="1200" cap="none" spc="0" normalizeH="0" baseline="0" noProof="0" dirty="0">
+                <a:ln>
+                  <a:noFill/>
+                </a:ln>
+                <a:solidFill>
+                  <a:srgbClr val="FFFFFF"/>
+                </a:solidFill>
+                <a:effectLst/>
+                <a:uLnTx/>
+                <a:uFillTx/>
+                <a:latin typeface="HTWBerlin Office" panose="02000000000000000000" pitchFamily="2" charset="0"/>
+                <a:ea typeface="+mn-ea"/>
+                <a:cs typeface="+mn-cs"/>
+              </a:rPr>
+              <a:t>Oliver </a:t>
+            </a:r>
+            <a:r>
+              <a:rPr kumimoji="0" lang="de-DE" sz="1333" b="0" i="0" u="none" strike="noStrike" kern="1200" cap="none" spc="0" normalizeH="0" baseline="0" noProof="0" dirty="0" err="1">
+                <a:ln>
+                  <a:noFill/>
+                </a:ln>
+                <a:solidFill>
+                  <a:srgbClr val="FFFFFF"/>
+                </a:solidFill>
+                <a:effectLst/>
+                <a:uLnTx/>
+                <a:uFillTx/>
+                <a:latin typeface="HTWBerlin Office" panose="02000000000000000000" pitchFamily="2" charset="0"/>
+                <a:ea typeface="+mn-ea"/>
+                <a:cs typeface="+mn-cs"/>
+              </a:rPr>
+              <a:t>Thomaschewski</a:t>
+            </a:r>
+            <a:r>
+              <a:rPr kumimoji="0" lang="de-DE" sz="1333" b="0" i="0" u="none" strike="noStrike" kern="1200" cap="none" spc="0" normalizeH="0" baseline="0" noProof="0" dirty="0">
+                <a:ln>
+                  <a:noFill/>
+                </a:ln>
+                <a:solidFill>
+                  <a:srgbClr val="FFFFFF"/>
+                </a:solidFill>
+                <a:effectLst/>
+                <a:uLnTx/>
+                <a:uFillTx/>
+                <a:latin typeface="HTWBerlin Office" panose="02000000000000000000" pitchFamily="2" charset="0"/>
+                <a:ea typeface="+mn-ea"/>
+                <a:cs typeface="+mn-cs"/>
+              </a:rPr>
+              <a:t> | Lisa-Marlen Wiegandt</a:t>
+            </a:r>
+          </a:p>
+        </p:txBody>
+      </p:sp>
+    </p:spTree>
+    <p:extLst>
+      <p:ext uri="{BB962C8B-B14F-4D97-AF65-F5344CB8AC3E}">
+        <p14:creationId xmlns:p14="http://schemas.microsoft.com/office/powerpoint/2010/main" val="1317555755"/>
+      </p:ext>
+    </p:extLst>
+  </p:cSld>
+  <p:clrMapOvr>
+    <a:masterClrMapping/>
+  </p:clrMapOvr>
+  <mc:AlternateContent xmlns:mc="http://schemas.openxmlformats.org/markup-compatibility/2006" xmlns:p14="http://schemas.microsoft.com/office/powerpoint/2010/main">
+    <mc:Choice Requires="p14">
+      <p:transition spd="med" p14:dur="700">
+        <p:fade/>
+      </p:transition>
+    </mc:Choice>
+    <mc:Fallback xmlns="">
+      <p:transition spd="med">
+        <p:fade/>
+      </p:transition>
+    </mc:Fallback>
+  </mc:AlternateContent>
+</p:sld>
+</file>
+
+<file path=ppt/slides/slide22.xml><?xml version="1.0" encoding="utf-8"?>
+<p:sld xmlns:a="http://schemas.openxmlformats.org/drawingml/2006/main" xmlns:r="http://schemas.openxmlformats.org/officeDocument/2006/relationships" xmlns:p="http://schemas.openxmlformats.org/presentationml/2006/main">
+  <p:cSld>
+    <p:spTree>
+      <p:nvGrpSpPr>
+        <p:cNvPr id="1" name=""/>
+        <p:cNvGrpSpPr/>
+        <p:nvPr/>
+      </p:nvGrpSpPr>
+      <p:grpSpPr>
+        <a:xfrm>
+          <a:off x="0" y="0"/>
+          <a:ext cx="0" cy="0"/>
+          <a:chOff x="0" y="0"/>
+          <a:chExt cx="0" cy="0"/>
+        </a:xfrm>
+      </p:grpSpPr>
+      <p:sp>
+        <p:nvSpPr>
+          <p:cNvPr id="9" name="Titel 8">
+            <a:extLst>
+              <a:ext uri="{FF2B5EF4-FFF2-40B4-BE49-F238E27FC236}">
+                <a16:creationId xmlns:a16="http://schemas.microsoft.com/office/drawing/2014/main" id="{85AAEC6E-2FE3-43CD-B241-D9630196B3E8}"/>
+              </a:ext>
+            </a:extLst>
+          </p:cNvPr>
+          <p:cNvSpPr>
+            <a:spLocks noGrp="1"/>
+          </p:cNvSpPr>
+          <p:nvPr>
+            <p:ph type="title"/>
+          </p:nvPr>
+        </p:nvSpPr>
+        <p:spPr/>
+        <p:txBody>
+          <a:bodyPr/>
+          <a:lstStyle/>
+          <a:p>
+            <a:r>
+              <a:rPr lang="de-DE" dirty="0"/>
+              <a:t>Online </a:t>
+            </a:r>
+            <a:r>
+              <a:rPr lang="de-DE" dirty="0" err="1"/>
+              <a:t>vs</a:t>
+            </a:r>
+            <a:r>
+              <a:rPr lang="de-DE" dirty="0"/>
+              <a:t> Offline Augmentation</a:t>
+            </a:r>
+            <a:endParaRPr lang="sr-Latn-CS" dirty="0"/>
+          </a:p>
+        </p:txBody>
+      </p:sp>
+      <p:sp>
+        <p:nvSpPr>
+          <p:cNvPr id="10" name="Inhaltsplatzhalter 9">
+            <a:extLst>
+              <a:ext uri="{FF2B5EF4-FFF2-40B4-BE49-F238E27FC236}">
+                <a16:creationId xmlns:a16="http://schemas.microsoft.com/office/drawing/2014/main" id="{8DC7BD85-1F52-4EBC-B07C-1B8FEE60F204}"/>
+              </a:ext>
+            </a:extLst>
+          </p:cNvPr>
+          <p:cNvSpPr>
+            <a:spLocks noGrp="1"/>
+          </p:cNvSpPr>
+          <p:nvPr>
+            <p:ph idx="1"/>
+          </p:nvPr>
+        </p:nvSpPr>
+        <p:spPr>
+          <a:xfrm>
+            <a:off x="719667" y="2512563"/>
+            <a:ext cx="4895517" cy="2097568"/>
+          </a:xfrm>
+        </p:spPr>
+        <p:txBody>
+          <a:bodyPr/>
+          <a:lstStyle/>
+          <a:p>
+            <a:pPr marL="0" lvl="3" indent="0">
+              <a:spcAft>
+                <a:spcPts val="800"/>
+              </a:spcAft>
+              <a:buNone/>
+            </a:pPr>
+            <a:r>
+              <a:rPr lang="de-DE" sz="1867" b="1" noProof="1"/>
+              <a:t>Online Augmentation</a:t>
+            </a:r>
+          </a:p>
+          <a:p>
+            <a:pPr marL="239178" lvl="3">
+              <a:spcAft>
+                <a:spcPts val="800"/>
+              </a:spcAft>
+            </a:pPr>
+            <a:r>
+              <a:rPr lang="de-DE" sz="1867" noProof="1"/>
+              <a:t>Verarbeitet in real-time</a:t>
+            </a:r>
+          </a:p>
+          <a:p>
+            <a:pPr marL="239178" lvl="3">
+              <a:spcAft>
+                <a:spcPts val="800"/>
+              </a:spcAft>
+            </a:pPr>
+            <a:r>
+              <a:rPr lang="de-DE" sz="1867" noProof="1"/>
+              <a:t>Training mit verschiedenen Bildern/Daten je Epoche</a:t>
+            </a:r>
+          </a:p>
+          <a:p>
+            <a:pPr marL="239178" lvl="3">
+              <a:spcAft>
+                <a:spcPts val="800"/>
+              </a:spcAft>
+            </a:pPr>
+            <a:r>
+              <a:rPr lang="de-DE" sz="1867" noProof="1"/>
+              <a:t>Speicherplatz nicht betroffen</a:t>
+            </a:r>
+            <a:endParaRPr lang="de-DE" sz="1333" noProof="1"/>
+          </a:p>
+        </p:txBody>
+      </p:sp>
+      <p:sp>
+        <p:nvSpPr>
+          <p:cNvPr id="6" name="Foliennummernplatzhalter 5">
+            <a:extLst>
+              <a:ext uri="{FF2B5EF4-FFF2-40B4-BE49-F238E27FC236}">
+                <a16:creationId xmlns:a16="http://schemas.microsoft.com/office/drawing/2014/main" id="{D6038D3A-5E68-4CAD-9B94-17116215F013}"/>
+              </a:ext>
+            </a:extLst>
+          </p:cNvPr>
+          <p:cNvSpPr>
+            <a:spLocks noGrp="1"/>
+          </p:cNvSpPr>
+          <p:nvPr>
+            <p:ph type="sldNum" sz="quarter" idx="12"/>
+          </p:nvPr>
+        </p:nvSpPr>
+        <p:spPr/>
+        <p:txBody>
+          <a:bodyPr/>
+          <a:lstStyle/>
+          <a:p>
+            <a:pPr defTabSz="609585"/>
+            <a:fld id="{45D25029-37DE-484F-BFE0-9B37AF2B26B8}" type="slidenum">
+              <a:rPr lang="de-DE"/>
+              <a:pPr defTabSz="609585"/>
+              <a:t>22</a:t>
+            </a:fld>
+            <a:endParaRPr lang="de-DE" dirty="0"/>
+          </a:p>
+        </p:txBody>
+      </p:sp>
+      <p:sp>
+        <p:nvSpPr>
+          <p:cNvPr id="11" name="Inhaltsplatzhalter 10">
+            <a:extLst>
+              <a:ext uri="{FF2B5EF4-FFF2-40B4-BE49-F238E27FC236}">
+                <a16:creationId xmlns:a16="http://schemas.microsoft.com/office/drawing/2014/main" id="{48C84155-F8C6-4B29-A05B-5CD500B75DF5}"/>
+              </a:ext>
+            </a:extLst>
+          </p:cNvPr>
+          <p:cNvSpPr>
+            <a:spLocks noGrp="1"/>
+          </p:cNvSpPr>
+          <p:nvPr>
+            <p:ph idx="13"/>
+          </p:nvPr>
+        </p:nvSpPr>
+        <p:spPr>
+          <a:xfrm>
+            <a:off x="5684582" y="2446389"/>
+            <a:ext cx="4895517" cy="2229915"/>
+          </a:xfrm>
+        </p:spPr>
+        <p:txBody>
+          <a:bodyPr/>
+          <a:lstStyle/>
+          <a:p>
+            <a:pPr marL="0" lvl="3">
+              <a:lnSpc>
+                <a:spcPct val="100000"/>
+              </a:lnSpc>
+              <a:spcAft>
+                <a:spcPts val="800"/>
+              </a:spcAft>
+            </a:pPr>
+            <a:r>
+              <a:rPr lang="de-DE" sz="1867" b="1" noProof="1"/>
+              <a:t>Offline Augmentation</a:t>
+            </a:r>
+          </a:p>
+          <a:p>
+            <a:pPr marL="239178" lvl="3" indent="-239178">
+              <a:lnSpc>
+                <a:spcPct val="100000"/>
+              </a:lnSpc>
+              <a:spcAft>
+                <a:spcPts val="800"/>
+              </a:spcAft>
+              <a:buFont typeface="Arial" panose="020B0604020202020204" pitchFamily="34" charset="0"/>
+              <a:buChar char="•"/>
+            </a:pPr>
+            <a:r>
+              <a:rPr lang="de-DE" sz="1867" noProof="1"/>
+              <a:t>Vor der Verarbeitung/dem Training des Models</a:t>
+            </a:r>
+          </a:p>
+          <a:p>
+            <a:pPr marL="239178" lvl="3" indent="-239178">
+              <a:lnSpc>
+                <a:spcPct val="100000"/>
+              </a:lnSpc>
+              <a:spcAft>
+                <a:spcPts val="800"/>
+              </a:spcAft>
+              <a:buFont typeface="Arial" panose="020B0604020202020204" pitchFamily="34" charset="0"/>
+              <a:buChar char="•"/>
+            </a:pPr>
+            <a:r>
+              <a:rPr lang="de-DE" sz="1867" noProof="1"/>
+              <a:t>Häufige Verwendung bei kleinem Datensatz</a:t>
+            </a:r>
+          </a:p>
+          <a:p>
+            <a:pPr marL="239178" lvl="3" indent="-239178">
+              <a:lnSpc>
+                <a:spcPct val="100000"/>
+              </a:lnSpc>
+              <a:spcAft>
+                <a:spcPts val="800"/>
+              </a:spcAft>
+              <a:buFont typeface="Arial" panose="020B0604020202020204" pitchFamily="34" charset="0"/>
+              <a:buChar char="•"/>
+            </a:pPr>
+            <a:r>
+              <a:rPr lang="de-DE" sz="1867" noProof="1"/>
+              <a:t>Speicherplatz beachten</a:t>
+            </a:r>
+          </a:p>
+          <a:p>
+            <a:pPr marL="239178" lvl="3" indent="-239178">
+              <a:lnSpc>
+                <a:spcPct val="100000"/>
+              </a:lnSpc>
+              <a:spcAft>
+                <a:spcPts val="800"/>
+              </a:spcAft>
+              <a:buFont typeface="Arial" panose="020B0604020202020204" pitchFamily="34" charset="0"/>
+              <a:buChar char="•"/>
+            </a:pPr>
+            <a:endParaRPr lang="de-DE" sz="1867" noProof="1"/>
+          </a:p>
+          <a:p>
+            <a:pPr marL="0" lvl="3">
+              <a:lnSpc>
+                <a:spcPct val="100000"/>
+              </a:lnSpc>
+              <a:spcAft>
+                <a:spcPts val="800"/>
+              </a:spcAft>
+            </a:pPr>
+            <a:endParaRPr lang="de-DE" sz="1333" noProof="1"/>
+          </a:p>
+        </p:txBody>
+      </p:sp>
+      <p:sp>
+        <p:nvSpPr>
+          <p:cNvPr id="2" name="Fußzeilenplatzhalter 1">
+            <a:extLst>
+              <a:ext uri="{FF2B5EF4-FFF2-40B4-BE49-F238E27FC236}">
+                <a16:creationId xmlns:a16="http://schemas.microsoft.com/office/drawing/2014/main" id="{D95A88C8-7A6F-44DC-AB39-78579D1164E7}"/>
+              </a:ext>
+            </a:extLst>
+          </p:cNvPr>
+          <p:cNvSpPr>
+            <a:spLocks noGrp="1"/>
+          </p:cNvSpPr>
+          <p:nvPr>
+            <p:ph type="ftr" sz="quarter" idx="11"/>
+          </p:nvPr>
+        </p:nvSpPr>
+        <p:spPr/>
+        <p:txBody>
+          <a:bodyPr/>
+          <a:lstStyle/>
+          <a:p>
+            <a:pPr marL="0" marR="0" lvl="0" indent="0" algn="l" defTabSz="914400" rtl="0" eaLnBrk="1" fontAlgn="auto" latinLnBrk="0" hangingPunct="1">
+              <a:lnSpc>
+                <a:spcPct val="100000"/>
+              </a:lnSpc>
+              <a:spcBef>
+                <a:spcPts val="0"/>
+              </a:spcBef>
+              <a:spcAft>
+                <a:spcPts val="0"/>
+              </a:spcAft>
+              <a:buClrTx/>
+              <a:buSzTx/>
+              <a:buFontTx/>
+              <a:buNone/>
+              <a:tabLst/>
+              <a:defRPr/>
+            </a:pPr>
+            <a:r>
+              <a:rPr kumimoji="0" lang="de-DE" sz="1333" b="0" i="0" u="none" strike="noStrike" kern="1200" cap="none" spc="0" normalizeH="0" baseline="0" noProof="0" dirty="0">
+                <a:ln>
+                  <a:noFill/>
+                </a:ln>
+                <a:solidFill>
+                  <a:srgbClr val="FFFFFF">
+                    <a:lumMod val="65000"/>
+                  </a:srgbClr>
+                </a:solidFill>
+                <a:effectLst/>
+                <a:uLnTx/>
+                <a:uFillTx/>
+                <a:latin typeface="HTWBerlin Office" panose="02000000000000000000" pitchFamily="2" charset="0"/>
+                <a:ea typeface="+mn-ea"/>
+                <a:cs typeface="+mn-cs"/>
+              </a:rPr>
+              <a:t>Oliver </a:t>
+            </a:r>
+            <a:r>
+              <a:rPr kumimoji="0" lang="de-DE" sz="1333" b="0" i="0" u="none" strike="noStrike" kern="1200" cap="none" spc="0" normalizeH="0" baseline="0" noProof="0" dirty="0" err="1">
+                <a:ln>
+                  <a:noFill/>
+                </a:ln>
+                <a:solidFill>
+                  <a:srgbClr val="FFFFFF">
+                    <a:lumMod val="65000"/>
+                  </a:srgbClr>
+                </a:solidFill>
+                <a:effectLst/>
+                <a:uLnTx/>
+                <a:uFillTx/>
+                <a:latin typeface="HTWBerlin Office" panose="02000000000000000000" pitchFamily="2" charset="0"/>
+                <a:ea typeface="+mn-ea"/>
+                <a:cs typeface="+mn-cs"/>
+              </a:rPr>
+              <a:t>Thomaschewski</a:t>
+            </a:r>
+            <a:r>
+              <a:rPr kumimoji="0" lang="de-DE" sz="1333" b="0" i="0" u="none" strike="noStrike" kern="1200" cap="none" spc="0" normalizeH="0" baseline="0" noProof="0" dirty="0">
+                <a:ln>
+                  <a:noFill/>
+                </a:ln>
+                <a:solidFill>
+                  <a:srgbClr val="FFFFFF">
+                    <a:lumMod val="65000"/>
+                  </a:srgbClr>
+                </a:solidFill>
+                <a:effectLst/>
+                <a:uLnTx/>
+                <a:uFillTx/>
+                <a:latin typeface="HTWBerlin Office" panose="02000000000000000000" pitchFamily="2" charset="0"/>
+                <a:ea typeface="+mn-ea"/>
+                <a:cs typeface="+mn-cs"/>
+              </a:rPr>
+              <a:t> | Lisa-Marlen Wiegandt</a:t>
+            </a:r>
+          </a:p>
+        </p:txBody>
+      </p:sp>
+      <p:sp>
+        <p:nvSpPr>
+          <p:cNvPr id="3" name="Fußzeilenplatzhalter 1">
+            <a:extLst>
+              <a:ext uri="{FF2B5EF4-FFF2-40B4-BE49-F238E27FC236}">
+                <a16:creationId xmlns:a16="http://schemas.microsoft.com/office/drawing/2014/main" id="{D77D6ED9-846A-AE9B-9F5D-9CA9F8E1B3A9}"/>
+              </a:ext>
+            </a:extLst>
+          </p:cNvPr>
+          <p:cNvSpPr txBox="1">
+            <a:spLocks/>
+          </p:cNvSpPr>
+          <p:nvPr/>
+        </p:nvSpPr>
+        <p:spPr>
+          <a:xfrm>
+            <a:off x="719667" y="4366897"/>
+            <a:ext cx="9860432" cy="730658"/>
+          </a:xfrm>
+          <a:prstGeom prst="rect">
+            <a:avLst/>
+          </a:prstGeom>
+        </p:spPr>
+        <p:txBody>
+          <a:bodyPr vert="horz" lIns="0" tIns="0" rIns="0" bIns="0" rtlCol="0" anchor="t" anchorCtr="0">
+            <a:noAutofit/>
+          </a:bodyPr>
+          <a:lstStyle>
+            <a:defPPr>
+              <a:defRPr lang="de-DE"/>
+            </a:defPPr>
+            <a:lvl1pPr marL="0" algn="l" defTabSz="914400" rtl="0" eaLnBrk="1" latinLnBrk="0" hangingPunct="1">
+              <a:defRPr lang="de-DE" sz="1333" b="0" kern="1200" smtClean="0">
+                <a:solidFill>
+                  <a:schemeClr val="bg1">
+                    <a:lumMod val="65000"/>
+                  </a:schemeClr>
+                </a:solidFill>
+                <a:latin typeface="HTWBerlin Office" panose="02000000000000000000" pitchFamily="2" charset="0"/>
+                <a:ea typeface="+mn-ea"/>
+                <a:cs typeface="+mn-cs"/>
+              </a:defRPr>
+            </a:lvl1pPr>
+            <a:lvl2pPr marL="457200" algn="l" defTabSz="914400" rtl="0" eaLnBrk="1" latinLnBrk="0" hangingPunct="1">
+              <a:defRPr sz="1800" kern="1200">
+                <a:solidFill>
+                  <a:schemeClr val="tx1"/>
+                </a:solidFill>
+                <a:latin typeface="+mn-lt"/>
+                <a:ea typeface="+mn-ea"/>
+                <a:cs typeface="+mn-cs"/>
+              </a:defRPr>
+            </a:lvl2pPr>
+            <a:lvl3pPr marL="914400" algn="l" defTabSz="914400" rtl="0" eaLnBrk="1" latinLnBrk="0" hangingPunct="1">
+              <a:defRPr sz="1800" kern="1200">
+                <a:solidFill>
+                  <a:schemeClr val="tx1"/>
+                </a:solidFill>
+                <a:latin typeface="+mn-lt"/>
+                <a:ea typeface="+mn-ea"/>
+                <a:cs typeface="+mn-cs"/>
+              </a:defRPr>
+            </a:lvl3pPr>
+            <a:lvl4pPr marL="1371600" algn="l" defTabSz="914400" rtl="0" eaLnBrk="1" latinLnBrk="0" hangingPunct="1">
+              <a:defRPr sz="1800" kern="1200">
+                <a:solidFill>
+                  <a:schemeClr val="tx1"/>
+                </a:solidFill>
+                <a:latin typeface="+mn-lt"/>
+                <a:ea typeface="+mn-ea"/>
+                <a:cs typeface="+mn-cs"/>
+              </a:defRPr>
+            </a:lvl4pPr>
+            <a:lvl5pPr marL="1828800" algn="l" defTabSz="914400" rtl="0" eaLnBrk="1" latinLnBrk="0" hangingPunct="1">
+              <a:defRPr sz="1800" kern="1200">
+                <a:solidFill>
+                  <a:schemeClr val="tx1"/>
+                </a:solidFill>
+                <a:latin typeface="+mn-lt"/>
+                <a:ea typeface="+mn-ea"/>
+                <a:cs typeface="+mn-cs"/>
+              </a:defRPr>
+            </a:lvl5pPr>
+            <a:lvl6pPr marL="2286000" algn="l" defTabSz="914400" rtl="0" eaLnBrk="1" latinLnBrk="0" hangingPunct="1">
+              <a:defRPr sz="1800" kern="1200">
+                <a:solidFill>
+                  <a:schemeClr val="tx1"/>
+                </a:solidFill>
+                <a:latin typeface="+mn-lt"/>
+                <a:ea typeface="+mn-ea"/>
+                <a:cs typeface="+mn-cs"/>
+              </a:defRPr>
+            </a:lvl6pPr>
+            <a:lvl7pPr marL="2743200" algn="l" defTabSz="914400" rtl="0" eaLnBrk="1" latinLnBrk="0" hangingPunct="1">
+              <a:defRPr sz="1800" kern="1200">
+                <a:solidFill>
+                  <a:schemeClr val="tx1"/>
+                </a:solidFill>
+                <a:latin typeface="+mn-lt"/>
+                <a:ea typeface="+mn-ea"/>
+                <a:cs typeface="+mn-cs"/>
+              </a:defRPr>
+            </a:lvl7pPr>
+            <a:lvl8pPr marL="3200400" algn="l" defTabSz="914400" rtl="0" eaLnBrk="1" latinLnBrk="0" hangingPunct="1">
+              <a:defRPr sz="1800" kern="1200">
+                <a:solidFill>
+                  <a:schemeClr val="tx1"/>
+                </a:solidFill>
+                <a:latin typeface="+mn-lt"/>
+                <a:ea typeface="+mn-ea"/>
+                <a:cs typeface="+mn-cs"/>
+              </a:defRPr>
+            </a:lvl8pPr>
+            <a:lvl9pPr marL="3657600" algn="l" defTabSz="914400" rtl="0" eaLnBrk="1" latinLnBrk="0" hangingPunct="1">
+              <a:defRPr sz="1800" kern="1200">
+                <a:solidFill>
+                  <a:schemeClr val="tx1"/>
+                </a:solidFill>
+                <a:latin typeface="+mn-lt"/>
+                <a:ea typeface="+mn-ea"/>
+                <a:cs typeface="+mn-cs"/>
+              </a:defRPr>
+            </a:lvl9pPr>
+          </a:lstStyle>
+          <a:p>
+            <a:pPr>
+              <a:defRPr/>
+            </a:pPr>
+            <a:r>
+              <a:rPr lang="de-DE" sz="1000" dirty="0">
+                <a:solidFill>
+                  <a:srgbClr val="FFFFFF">
+                    <a:lumMod val="65000"/>
+                  </a:srgbClr>
+                </a:solidFill>
+              </a:rPr>
+              <a:t>https://www.analyticsvidhya.com/blog/2021/06/offline-data-augmentation-for-multiple-images/ (14.11.2022)</a:t>
+            </a:r>
+          </a:p>
+        </p:txBody>
+      </p:sp>
+    </p:spTree>
+    <p:extLst>
+      <p:ext uri="{BB962C8B-B14F-4D97-AF65-F5344CB8AC3E}">
+        <p14:creationId xmlns:p14="http://schemas.microsoft.com/office/powerpoint/2010/main" val="1921198408"/>
+      </p:ext>
+    </p:extLst>
+  </p:cSld>
+  <p:clrMapOvr>
+    <a:masterClrMapping/>
+  </p:clrMapOvr>
+  <mc:AlternateContent xmlns:mc="http://schemas.openxmlformats.org/markup-compatibility/2006" xmlns:p14="http://schemas.microsoft.com/office/powerpoint/2010/main">
+    <mc:Choice Requires="p14">
+      <p:transition spd="med" p14:dur="700">
+        <p:fade/>
+      </p:transition>
+    </mc:Choice>
+    <mc:Fallback xmlns="">
+      <p:transition spd="med">
+        <p:fade/>
+      </p:transition>
+    </mc:Fallback>
+  </mc:AlternateContent>
+</p:sld>
+</file>
+
+<file path=ppt/slides/slide23.xml><?xml version="1.0" encoding="utf-8"?>
+<p:sld xmlns:a="http://schemas.openxmlformats.org/drawingml/2006/main" xmlns:r="http://schemas.openxmlformats.org/officeDocument/2006/relationships" xmlns:p="http://schemas.openxmlformats.org/presentationml/2006/main">
+  <p:cSld>
+    <p:spTree>
+      <p:nvGrpSpPr>
+        <p:cNvPr id="1" name=""/>
+        <p:cNvGrpSpPr/>
+        <p:nvPr/>
+      </p:nvGrpSpPr>
+      <p:grpSpPr>
+        <a:xfrm>
+          <a:off x="0" y="0"/>
+          <a:ext cx="0" cy="0"/>
+          <a:chOff x="0" y="0"/>
+          <a:chExt cx="0" cy="0"/>
+        </a:xfrm>
+      </p:grpSpPr>
+      <p:sp>
+        <p:nvSpPr>
+          <p:cNvPr id="7" name="Titel 6">
+            <a:extLst>
+              <a:ext uri="{FF2B5EF4-FFF2-40B4-BE49-F238E27FC236}">
+                <a16:creationId xmlns:a16="http://schemas.microsoft.com/office/drawing/2014/main" id="{A2BA0C1E-7BE0-4EA4-93B2-80850F76EFF7}"/>
+              </a:ext>
+            </a:extLst>
+          </p:cNvPr>
+          <p:cNvSpPr>
+            <a:spLocks noGrp="1"/>
+          </p:cNvSpPr>
+          <p:nvPr>
+            <p:ph type="title"/>
+          </p:nvPr>
+        </p:nvSpPr>
+        <p:spPr>
+          <a:xfrm>
+            <a:off x="719666" y="1348381"/>
+            <a:ext cx="8040511" cy="584327"/>
+          </a:xfrm>
+        </p:spPr>
+        <p:txBody>
+          <a:bodyPr/>
+          <a:lstStyle/>
+          <a:p>
+            <a:r>
+              <a:rPr lang="de-DE" dirty="0"/>
+              <a:t>8. Bewertung von </a:t>
+            </a:r>
+            <a:r>
+              <a:rPr lang="de-DE" dirty="0" err="1"/>
+              <a:t>Augmentierungen</a:t>
+            </a:r>
+            <a:endParaRPr lang="sr-Latn-CS" b="0" dirty="0"/>
+          </a:p>
+        </p:txBody>
+      </p:sp>
+      <p:sp>
+        <p:nvSpPr>
+          <p:cNvPr id="8" name="Foliennummernplatzhalter 7">
+            <a:extLst>
+              <a:ext uri="{FF2B5EF4-FFF2-40B4-BE49-F238E27FC236}">
+                <a16:creationId xmlns:a16="http://schemas.microsoft.com/office/drawing/2014/main" id="{B4709D36-B4EC-4703-8CE4-A0457C99B432}"/>
+              </a:ext>
+            </a:extLst>
+          </p:cNvPr>
+          <p:cNvSpPr>
+            <a:spLocks noGrp="1"/>
+          </p:cNvSpPr>
+          <p:nvPr>
+            <p:ph type="sldNum" sz="quarter" idx="11"/>
+          </p:nvPr>
+        </p:nvSpPr>
+        <p:spPr/>
+        <p:txBody>
+          <a:bodyPr/>
+          <a:lstStyle/>
+          <a:p>
+            <a:pPr marL="0" marR="0" lvl="0" indent="0" algn="l" defTabSz="609585" rtl="0" eaLnBrk="1" fontAlgn="auto" latinLnBrk="0" hangingPunct="1">
+              <a:lnSpc>
+                <a:spcPct val="100000"/>
+              </a:lnSpc>
+              <a:spcBef>
+                <a:spcPts val="0"/>
+              </a:spcBef>
+              <a:spcAft>
+                <a:spcPts val="0"/>
+              </a:spcAft>
+              <a:buClrTx/>
+              <a:buSzTx/>
+              <a:buFontTx/>
+              <a:buNone/>
+              <a:tabLst/>
+              <a:defRPr/>
+            </a:pPr>
+            <a:fld id="{45D25029-37DE-484F-BFE0-9B37AF2B26B8}" type="slidenum">
+              <a:rPr kumimoji="0" lang="de-DE" sz="1333" b="1" i="0" u="none" strike="noStrike" kern="1200" cap="none" spc="0" normalizeH="0" baseline="0" noProof="0">
+                <a:ln>
+                  <a:noFill/>
+                </a:ln>
+                <a:solidFill>
+                  <a:srgbClr val="FFFFFF"/>
+                </a:solidFill>
+                <a:effectLst/>
+                <a:uLnTx/>
+                <a:uFillTx/>
+                <a:latin typeface="HTWBerlin Office" panose="02000000000000000000" pitchFamily="2" charset="0"/>
+                <a:ea typeface="+mn-ea"/>
+                <a:cs typeface="+mn-cs"/>
+              </a:rPr>
+              <a:pPr marL="0" marR="0" lvl="0" indent="0" algn="l" defTabSz="609585" rtl="0" eaLnBrk="1" fontAlgn="auto" latinLnBrk="0" hangingPunct="1">
+                <a:lnSpc>
+                  <a:spcPct val="100000"/>
+                </a:lnSpc>
+                <a:spcBef>
+                  <a:spcPts val="0"/>
+                </a:spcBef>
+                <a:spcAft>
+                  <a:spcPts val="0"/>
+                </a:spcAft>
+                <a:buClrTx/>
+                <a:buSzTx/>
+                <a:buFontTx/>
+                <a:buNone/>
+                <a:tabLst/>
+                <a:defRPr/>
+              </a:pPr>
+              <a:t>23</a:t>
+            </a:fld>
+            <a:endParaRPr kumimoji="0" lang="de-DE" sz="1333" b="1" i="0" u="none" strike="noStrike" kern="1200" cap="none" spc="0" normalizeH="0" baseline="0" noProof="0" dirty="0">
+              <a:ln>
+                <a:noFill/>
+              </a:ln>
+              <a:solidFill>
+                <a:srgbClr val="FFFFFF"/>
+              </a:solidFill>
+              <a:effectLst/>
+              <a:uLnTx/>
+              <a:uFillTx/>
+              <a:latin typeface="HTWBerlin Office" panose="02000000000000000000" pitchFamily="2" charset="0"/>
+              <a:ea typeface="+mn-ea"/>
+              <a:cs typeface="+mn-cs"/>
+            </a:endParaRPr>
+          </a:p>
+        </p:txBody>
+      </p:sp>
+      <p:sp>
+        <p:nvSpPr>
+          <p:cNvPr id="2" name="Fußzeilenplatzhalter 1">
+            <a:extLst>
+              <a:ext uri="{FF2B5EF4-FFF2-40B4-BE49-F238E27FC236}">
+                <a16:creationId xmlns:a16="http://schemas.microsoft.com/office/drawing/2014/main" id="{931BEC8B-5A45-4C7F-9B47-9A1E161FAC78}"/>
+              </a:ext>
+            </a:extLst>
+          </p:cNvPr>
+          <p:cNvSpPr>
+            <a:spLocks noGrp="1"/>
+          </p:cNvSpPr>
+          <p:nvPr>
+            <p:ph type="ftr" sz="quarter" idx="10"/>
+          </p:nvPr>
+        </p:nvSpPr>
+        <p:spPr/>
+        <p:txBody>
+          <a:bodyPr/>
+          <a:lstStyle/>
+          <a:p>
+            <a:pPr marL="0" marR="0" lvl="0" indent="0" algn="l" defTabSz="609585" rtl="0" eaLnBrk="1" fontAlgn="auto" latinLnBrk="0" hangingPunct="1">
+              <a:lnSpc>
+                <a:spcPct val="100000"/>
+              </a:lnSpc>
+              <a:spcBef>
+                <a:spcPts val="0"/>
+              </a:spcBef>
+              <a:spcAft>
+                <a:spcPts val="0"/>
+              </a:spcAft>
+              <a:buClrTx/>
+              <a:buSzTx/>
+              <a:buFontTx/>
+              <a:buNone/>
+              <a:tabLst/>
+              <a:defRPr/>
+            </a:pPr>
+            <a:r>
+              <a:rPr kumimoji="0" lang="de-DE" sz="1333" b="0" i="0" u="none" strike="noStrike" kern="1200" cap="none" spc="0" normalizeH="0" baseline="0" noProof="0" dirty="0">
+                <a:ln>
+                  <a:noFill/>
+                </a:ln>
+                <a:solidFill>
+                  <a:srgbClr val="FFFFFF"/>
+                </a:solidFill>
+                <a:effectLst/>
+                <a:uLnTx/>
+                <a:uFillTx/>
+                <a:latin typeface="HTWBerlin Office" panose="02000000000000000000" pitchFamily="2" charset="0"/>
+                <a:ea typeface="+mn-ea"/>
+                <a:cs typeface="+mn-cs"/>
+              </a:rPr>
+              <a:t>Oliver </a:t>
+            </a:r>
+            <a:r>
+              <a:rPr kumimoji="0" lang="de-DE" sz="1333" b="0" i="0" u="none" strike="noStrike" kern="1200" cap="none" spc="0" normalizeH="0" baseline="0" noProof="0" dirty="0" err="1">
+                <a:ln>
+                  <a:noFill/>
+                </a:ln>
+                <a:solidFill>
+                  <a:srgbClr val="FFFFFF"/>
+                </a:solidFill>
+                <a:effectLst/>
+                <a:uLnTx/>
+                <a:uFillTx/>
+                <a:latin typeface="HTWBerlin Office" panose="02000000000000000000" pitchFamily="2" charset="0"/>
+                <a:ea typeface="+mn-ea"/>
+                <a:cs typeface="+mn-cs"/>
+              </a:rPr>
+              <a:t>Thomaschewski</a:t>
+            </a:r>
+            <a:r>
+              <a:rPr kumimoji="0" lang="de-DE" sz="1333" b="0" i="0" u="none" strike="noStrike" kern="1200" cap="none" spc="0" normalizeH="0" baseline="0" noProof="0" dirty="0">
+                <a:ln>
+                  <a:noFill/>
+                </a:ln>
+                <a:solidFill>
+                  <a:srgbClr val="FFFFFF"/>
+                </a:solidFill>
+                <a:effectLst/>
+                <a:uLnTx/>
+                <a:uFillTx/>
+                <a:latin typeface="HTWBerlin Office" panose="02000000000000000000" pitchFamily="2" charset="0"/>
+                <a:ea typeface="+mn-ea"/>
+                <a:cs typeface="+mn-cs"/>
+              </a:rPr>
+              <a:t> | Lisa-Marlen Wiegandt</a:t>
+            </a:r>
+          </a:p>
+        </p:txBody>
+      </p:sp>
+    </p:spTree>
+    <p:extLst>
+      <p:ext uri="{BB962C8B-B14F-4D97-AF65-F5344CB8AC3E}">
+        <p14:creationId xmlns:p14="http://schemas.microsoft.com/office/powerpoint/2010/main" val="565262518"/>
+      </p:ext>
+    </p:extLst>
+  </p:cSld>
+  <p:clrMapOvr>
+    <a:masterClrMapping/>
+  </p:clrMapOvr>
+  <mc:AlternateContent xmlns:mc="http://schemas.openxmlformats.org/markup-compatibility/2006" xmlns:p14="http://schemas.microsoft.com/office/powerpoint/2010/main">
+    <mc:Choice Requires="p14">
+      <p:transition spd="med" p14:dur="700">
+        <p:fade/>
+      </p:transition>
+    </mc:Choice>
+    <mc:Fallback xmlns="">
+      <p:transition spd="med">
+        <p:fade/>
+      </p:transition>
+    </mc:Fallback>
+  </mc:AlternateContent>
+</p:sld>
+</file>
+
+<file path=ppt/slides/slide24.xml><?xml version="1.0" encoding="utf-8"?>
+<p:sld xmlns:a="http://schemas.openxmlformats.org/drawingml/2006/main" xmlns:r="http://schemas.openxmlformats.org/officeDocument/2006/relationships" xmlns:p="http://schemas.openxmlformats.org/presentationml/2006/main">
+  <p:cSld>
+    <p:spTree>
+      <p:nvGrpSpPr>
+        <p:cNvPr id="1" name=""/>
+        <p:cNvGrpSpPr/>
+        <p:nvPr/>
+      </p:nvGrpSpPr>
+      <p:grpSpPr>
+        <a:xfrm>
+          <a:off x="0" y="0"/>
+          <a:ext cx="0" cy="0"/>
+          <a:chOff x="0" y="0"/>
+          <a:chExt cx="0" cy="0"/>
+        </a:xfrm>
+      </p:grpSpPr>
+      <p:sp>
+        <p:nvSpPr>
+          <p:cNvPr id="5" name="Titel 4">
+            <a:extLst>
+              <a:ext uri="{FF2B5EF4-FFF2-40B4-BE49-F238E27FC236}">
+                <a16:creationId xmlns:a16="http://schemas.microsoft.com/office/drawing/2014/main" id="{42C11151-AFD3-4918-B546-DA880E401E81}"/>
+              </a:ext>
+            </a:extLst>
+          </p:cNvPr>
+          <p:cNvSpPr>
+            <a:spLocks noGrp="1"/>
+          </p:cNvSpPr>
+          <p:nvPr>
+            <p:ph type="title"/>
+          </p:nvPr>
+        </p:nvSpPr>
+        <p:spPr/>
+        <p:txBody>
+          <a:bodyPr/>
+          <a:lstStyle/>
+          <a:p>
+            <a:r>
+              <a:rPr lang="de-DE" dirty="0"/>
+              <a:t>Bewertung – Baseline Model</a:t>
+            </a:r>
+            <a:endParaRPr lang="sr-Latn-CS" dirty="0"/>
+          </a:p>
+        </p:txBody>
+      </p:sp>
+      <p:sp>
+        <p:nvSpPr>
+          <p:cNvPr id="4" name="Foliennummernplatzhalter 3">
+            <a:extLst>
+              <a:ext uri="{FF2B5EF4-FFF2-40B4-BE49-F238E27FC236}">
+                <a16:creationId xmlns:a16="http://schemas.microsoft.com/office/drawing/2014/main" id="{65C6B3CB-482B-4686-A31C-3C1E7DE2CB2C}"/>
+              </a:ext>
+            </a:extLst>
+          </p:cNvPr>
+          <p:cNvSpPr>
+            <a:spLocks noGrp="1"/>
+          </p:cNvSpPr>
+          <p:nvPr>
+            <p:ph type="sldNum" sz="quarter" idx="11"/>
+          </p:nvPr>
+        </p:nvSpPr>
+        <p:spPr/>
+        <p:txBody>
+          <a:bodyPr/>
+          <a:lstStyle/>
+          <a:p>
+            <a:pPr marL="0" marR="0" lvl="0" indent="0" algn="l" defTabSz="609585" rtl="0" eaLnBrk="1" fontAlgn="auto" latinLnBrk="0" hangingPunct="1">
+              <a:lnSpc>
+                <a:spcPct val="100000"/>
+              </a:lnSpc>
+              <a:spcBef>
+                <a:spcPts val="0"/>
+              </a:spcBef>
+              <a:spcAft>
+                <a:spcPts val="0"/>
+              </a:spcAft>
+              <a:buClrTx/>
+              <a:buSzTx/>
+              <a:buFontTx/>
+              <a:buNone/>
+              <a:tabLst/>
+              <a:defRPr/>
+            </a:pPr>
+            <a:fld id="{45D25029-37DE-484F-BFE0-9B37AF2B26B8}" type="slidenum">
+              <a:rPr kumimoji="0" lang="de-DE" sz="1333" b="1" i="0" u="none" strike="noStrike" kern="1200" cap="none" spc="0" normalizeH="0" baseline="0" noProof="0">
+                <a:ln>
+                  <a:noFill/>
+                </a:ln>
+                <a:solidFill>
+                  <a:srgbClr val="787878"/>
+                </a:solidFill>
+                <a:effectLst/>
+                <a:uLnTx/>
+                <a:uFillTx/>
+                <a:latin typeface="HTWBerlin Office" panose="02000000000000000000" pitchFamily="2" charset="0"/>
+                <a:ea typeface="+mn-ea"/>
+                <a:cs typeface="+mn-cs"/>
+              </a:rPr>
+              <a:pPr marL="0" marR="0" lvl="0" indent="0" algn="l" defTabSz="609585" rtl="0" eaLnBrk="1" fontAlgn="auto" latinLnBrk="0" hangingPunct="1">
+                <a:lnSpc>
+                  <a:spcPct val="100000"/>
+                </a:lnSpc>
+                <a:spcBef>
+                  <a:spcPts val="0"/>
+                </a:spcBef>
+                <a:spcAft>
+                  <a:spcPts val="0"/>
+                </a:spcAft>
+                <a:buClrTx/>
+                <a:buSzTx/>
+                <a:buFontTx/>
+                <a:buNone/>
+                <a:tabLst/>
+                <a:defRPr/>
+              </a:pPr>
+              <a:t>24</a:t>
+            </a:fld>
+            <a:endParaRPr kumimoji="0" lang="de-DE" sz="1333" b="1" i="0" u="none" strike="noStrike" kern="1200" cap="none" spc="0" normalizeH="0" baseline="0" noProof="0" dirty="0">
+              <a:ln>
+                <a:noFill/>
+              </a:ln>
+              <a:solidFill>
+                <a:srgbClr val="787878"/>
+              </a:solidFill>
+              <a:effectLst/>
+              <a:uLnTx/>
+              <a:uFillTx/>
+              <a:latin typeface="HTWBerlin Office" panose="02000000000000000000" pitchFamily="2" charset="0"/>
+              <a:ea typeface="+mn-ea"/>
+              <a:cs typeface="+mn-cs"/>
+            </a:endParaRPr>
+          </a:p>
+        </p:txBody>
+      </p:sp>
+      <p:sp>
+        <p:nvSpPr>
+          <p:cNvPr id="2" name="Fußzeilenplatzhalter 1">
+            <a:extLst>
+              <a:ext uri="{FF2B5EF4-FFF2-40B4-BE49-F238E27FC236}">
+                <a16:creationId xmlns:a16="http://schemas.microsoft.com/office/drawing/2014/main" id="{132B9206-613C-42CD-9344-72F6A9511C96}"/>
+              </a:ext>
+            </a:extLst>
+          </p:cNvPr>
+          <p:cNvSpPr>
+            <a:spLocks noGrp="1"/>
+          </p:cNvSpPr>
+          <p:nvPr>
+            <p:ph type="ftr" sz="quarter" idx="10"/>
+          </p:nvPr>
+        </p:nvSpPr>
+        <p:spPr/>
+        <p:txBody>
+          <a:bodyPr/>
+          <a:lstStyle/>
+          <a:p>
+            <a:pPr marL="0" marR="0" lvl="0" indent="0" algn="l" defTabSz="914400" rtl="0" eaLnBrk="1" fontAlgn="auto" latinLnBrk="0" hangingPunct="1">
+              <a:lnSpc>
+                <a:spcPct val="100000"/>
+              </a:lnSpc>
+              <a:spcBef>
+                <a:spcPts val="0"/>
+              </a:spcBef>
+              <a:spcAft>
+                <a:spcPts val="0"/>
+              </a:spcAft>
+              <a:buClrTx/>
+              <a:buSzTx/>
+              <a:buFontTx/>
+              <a:buNone/>
+              <a:tabLst/>
+              <a:defRPr/>
+            </a:pPr>
+            <a:r>
+              <a:rPr kumimoji="0" lang="de-DE" sz="1333" b="0" i="0" u="none" strike="noStrike" kern="1200" cap="none" spc="0" normalizeH="0" baseline="0" noProof="0" dirty="0">
+                <a:ln>
+                  <a:noFill/>
+                </a:ln>
+                <a:solidFill>
+                  <a:srgbClr val="FFFFFF">
+                    <a:lumMod val="65000"/>
+                  </a:srgbClr>
+                </a:solidFill>
+                <a:effectLst/>
+                <a:uLnTx/>
+                <a:uFillTx/>
+                <a:latin typeface="HTWBerlin Office" panose="02000000000000000000" pitchFamily="2" charset="0"/>
+                <a:ea typeface="+mn-ea"/>
+                <a:cs typeface="+mn-cs"/>
+              </a:rPr>
+              <a:t>Oliver </a:t>
+            </a:r>
+            <a:r>
+              <a:rPr kumimoji="0" lang="de-DE" sz="1333" b="0" i="0" u="none" strike="noStrike" kern="1200" cap="none" spc="0" normalizeH="0" baseline="0" noProof="0" dirty="0" err="1">
+                <a:ln>
+                  <a:noFill/>
+                </a:ln>
+                <a:solidFill>
+                  <a:srgbClr val="FFFFFF">
+                    <a:lumMod val="65000"/>
+                  </a:srgbClr>
+                </a:solidFill>
+                <a:effectLst/>
+                <a:uLnTx/>
+                <a:uFillTx/>
+                <a:latin typeface="HTWBerlin Office" panose="02000000000000000000" pitchFamily="2" charset="0"/>
+                <a:ea typeface="+mn-ea"/>
+                <a:cs typeface="+mn-cs"/>
+              </a:rPr>
+              <a:t>Thomaschewski</a:t>
+            </a:r>
+            <a:r>
+              <a:rPr kumimoji="0" lang="de-DE" sz="1333" b="0" i="0" u="none" strike="noStrike" kern="1200" cap="none" spc="0" normalizeH="0" baseline="0" noProof="0" dirty="0">
+                <a:ln>
+                  <a:noFill/>
+                </a:ln>
+                <a:solidFill>
+                  <a:srgbClr val="FFFFFF">
+                    <a:lumMod val="65000"/>
+                  </a:srgbClr>
+                </a:solidFill>
+                <a:effectLst/>
+                <a:uLnTx/>
+                <a:uFillTx/>
+                <a:latin typeface="HTWBerlin Office" panose="02000000000000000000" pitchFamily="2" charset="0"/>
+                <a:ea typeface="+mn-ea"/>
+                <a:cs typeface="+mn-cs"/>
+              </a:rPr>
+              <a:t> | Lisa-Marlen Wiegandt</a:t>
+            </a:r>
+          </a:p>
+        </p:txBody>
+      </p:sp>
+      <p:sp>
+        <p:nvSpPr>
+          <p:cNvPr id="10" name="Pfeil: nach rechts 9">
+            <a:extLst>
+              <a:ext uri="{FF2B5EF4-FFF2-40B4-BE49-F238E27FC236}">
+                <a16:creationId xmlns:a16="http://schemas.microsoft.com/office/drawing/2014/main" id="{4DC28271-4EAE-F9A7-3966-27F578989F06}"/>
+              </a:ext>
+            </a:extLst>
+          </p:cNvPr>
+          <p:cNvSpPr/>
+          <p:nvPr/>
+        </p:nvSpPr>
+        <p:spPr>
+          <a:xfrm>
+            <a:off x="3701247" y="1984130"/>
+            <a:ext cx="1043058" cy="373813"/>
+          </a:xfrm>
+          <a:prstGeom prst="rightArrow">
+            <a:avLst/>
+          </a:prstGeom>
+        </p:spPr>
+        <p:style>
+          <a:lnRef idx="2">
+            <a:schemeClr val="accent1">
+              <a:shade val="50000"/>
+            </a:schemeClr>
+          </a:lnRef>
+          <a:fillRef idx="1">
+            <a:schemeClr val="accent1"/>
+          </a:fillRef>
+          <a:effectRef idx="0">
+            <a:schemeClr val="accent1"/>
+          </a:effectRef>
+          <a:fontRef idx="minor">
+            <a:schemeClr val="lt1"/>
+          </a:fontRef>
+        </p:style>
+        <p:txBody>
+          <a:bodyPr rtlCol="0" anchor="ctr"/>
+          <a:lstStyle/>
+          <a:p>
+            <a:pPr marL="0" marR="0" lvl="0" indent="0" algn="ctr" defTabSz="914400" rtl="0" eaLnBrk="1" fontAlgn="auto" latinLnBrk="0" hangingPunct="1">
+              <a:lnSpc>
+                <a:spcPct val="100000"/>
+              </a:lnSpc>
+              <a:spcBef>
+                <a:spcPts val="0"/>
+              </a:spcBef>
+              <a:spcAft>
+                <a:spcPts val="0"/>
+              </a:spcAft>
+              <a:buClrTx/>
+              <a:buSzTx/>
+              <a:buFontTx/>
+              <a:buNone/>
+              <a:tabLst/>
+              <a:defRPr/>
+            </a:pPr>
+            <a:endParaRPr kumimoji="0" lang="de-DE" sz="1800" b="0" i="0" u="none" strike="noStrike" kern="1200" cap="none" spc="0" normalizeH="0" baseline="0" noProof="0">
+              <a:ln>
+                <a:noFill/>
+              </a:ln>
+              <a:solidFill>
+                <a:srgbClr val="FFFFFF"/>
+              </a:solidFill>
+              <a:effectLst/>
+              <a:uLnTx/>
+              <a:uFillTx/>
+              <a:latin typeface="Calibri"/>
+              <a:ea typeface="+mn-ea"/>
+              <a:cs typeface="+mn-cs"/>
+            </a:endParaRPr>
+          </a:p>
+        </p:txBody>
+      </p:sp>
+      <p:sp>
+        <p:nvSpPr>
+          <p:cNvPr id="9" name="Pfeil: nach rechts 8">
+            <a:extLst>
+              <a:ext uri="{FF2B5EF4-FFF2-40B4-BE49-F238E27FC236}">
+                <a16:creationId xmlns:a16="http://schemas.microsoft.com/office/drawing/2014/main" id="{31054DB8-8FB0-2949-86B8-FBD63EA6A380}"/>
+              </a:ext>
+            </a:extLst>
+          </p:cNvPr>
+          <p:cNvSpPr/>
+          <p:nvPr/>
+        </p:nvSpPr>
+        <p:spPr>
+          <a:xfrm>
+            <a:off x="3701247" y="4329345"/>
+            <a:ext cx="1043058" cy="373813"/>
+          </a:xfrm>
+          <a:prstGeom prst="rightArrow">
+            <a:avLst/>
+          </a:prstGeom>
+        </p:spPr>
+        <p:style>
+          <a:lnRef idx="2">
+            <a:schemeClr val="accent1">
+              <a:shade val="50000"/>
+            </a:schemeClr>
+          </a:lnRef>
+          <a:fillRef idx="1">
+            <a:schemeClr val="accent1"/>
+          </a:fillRef>
+          <a:effectRef idx="0">
+            <a:schemeClr val="accent1"/>
+          </a:effectRef>
+          <a:fontRef idx="minor">
+            <a:schemeClr val="lt1"/>
+          </a:fontRef>
+        </p:style>
+        <p:txBody>
+          <a:bodyPr rtlCol="0" anchor="ctr"/>
+          <a:lstStyle/>
+          <a:p>
+            <a:pPr marL="0" marR="0" lvl="0" indent="0" algn="ctr" defTabSz="914400" rtl="0" eaLnBrk="1" fontAlgn="auto" latinLnBrk="0" hangingPunct="1">
+              <a:lnSpc>
+                <a:spcPct val="100000"/>
+              </a:lnSpc>
+              <a:spcBef>
+                <a:spcPts val="0"/>
+              </a:spcBef>
+              <a:spcAft>
+                <a:spcPts val="0"/>
+              </a:spcAft>
+              <a:buClrTx/>
+              <a:buSzTx/>
+              <a:buFontTx/>
+              <a:buNone/>
+              <a:tabLst/>
+              <a:defRPr/>
+            </a:pPr>
+            <a:endParaRPr kumimoji="0" lang="de-DE" sz="1800" b="0" i="0" u="none" strike="noStrike" kern="1200" cap="none" spc="0" normalizeH="0" baseline="0" noProof="0">
+              <a:ln>
+                <a:noFill/>
+              </a:ln>
+              <a:solidFill>
+                <a:srgbClr val="FFFFFF"/>
+              </a:solidFill>
+              <a:effectLst/>
+              <a:uLnTx/>
+              <a:uFillTx/>
+              <a:latin typeface="Calibri"/>
+              <a:ea typeface="+mn-ea"/>
+              <a:cs typeface="+mn-cs"/>
+            </a:endParaRPr>
+          </a:p>
+        </p:txBody>
+      </p:sp>
+      <p:sp>
+        <p:nvSpPr>
+          <p:cNvPr id="11" name="Textfeld 10">
+            <a:extLst>
+              <a:ext uri="{FF2B5EF4-FFF2-40B4-BE49-F238E27FC236}">
+                <a16:creationId xmlns:a16="http://schemas.microsoft.com/office/drawing/2014/main" id="{EDCB85B2-BFA9-0C0E-F3F3-71C1E475D535}"/>
+              </a:ext>
+            </a:extLst>
+          </p:cNvPr>
+          <p:cNvSpPr txBox="1"/>
+          <p:nvPr/>
+        </p:nvSpPr>
+        <p:spPr>
+          <a:xfrm>
+            <a:off x="1395685" y="1847870"/>
+            <a:ext cx="2111802" cy="646331"/>
+          </a:xfrm>
+          <a:prstGeom prst="rect">
+            <a:avLst/>
+          </a:prstGeom>
+          <a:noFill/>
+        </p:spPr>
+        <p:txBody>
+          <a:bodyPr wrap="square" rtlCol="0">
+            <a:spAutoFit/>
+          </a:bodyPr>
+          <a:lstStyle/>
+          <a:p>
+            <a:r>
+              <a:rPr lang="de-DE" dirty="0"/>
+              <a:t>Trainingsdaten ohne </a:t>
+            </a:r>
+            <a:r>
+              <a:rPr lang="de-DE" dirty="0" err="1"/>
+              <a:t>Augmentierung</a:t>
+            </a:r>
+            <a:endParaRPr lang="de-DE" dirty="0"/>
+          </a:p>
+        </p:txBody>
+      </p:sp>
+      <p:sp>
+        <p:nvSpPr>
+          <p:cNvPr id="12" name="Textfeld 11">
+            <a:extLst>
+              <a:ext uri="{FF2B5EF4-FFF2-40B4-BE49-F238E27FC236}">
+                <a16:creationId xmlns:a16="http://schemas.microsoft.com/office/drawing/2014/main" id="{27C9CCD2-0FCB-94D5-BD66-6DB2C8521915}"/>
+              </a:ext>
+            </a:extLst>
+          </p:cNvPr>
+          <p:cNvSpPr txBox="1"/>
+          <p:nvPr/>
+        </p:nvSpPr>
+        <p:spPr>
+          <a:xfrm>
+            <a:off x="1395685" y="4193086"/>
+            <a:ext cx="2111802" cy="646331"/>
+          </a:xfrm>
+          <a:prstGeom prst="rect">
+            <a:avLst/>
+          </a:prstGeom>
+          <a:noFill/>
+        </p:spPr>
+        <p:txBody>
+          <a:bodyPr wrap="square" rtlCol="0">
+            <a:spAutoFit/>
+          </a:bodyPr>
+          <a:lstStyle/>
+          <a:p>
+            <a:r>
+              <a:rPr lang="de-DE" dirty="0"/>
+              <a:t>Trainingsdaten mit </a:t>
+            </a:r>
+            <a:r>
+              <a:rPr lang="de-DE" dirty="0" err="1"/>
+              <a:t>Augmentierung</a:t>
+            </a:r>
+            <a:endParaRPr lang="de-DE" dirty="0"/>
+          </a:p>
+        </p:txBody>
+      </p:sp>
+      <p:sp>
+        <p:nvSpPr>
+          <p:cNvPr id="14" name="Pfeil: nach rechts 13">
+            <a:extLst>
+              <a:ext uri="{FF2B5EF4-FFF2-40B4-BE49-F238E27FC236}">
+                <a16:creationId xmlns:a16="http://schemas.microsoft.com/office/drawing/2014/main" id="{E5A2F21B-DCA6-3171-F124-5A283E8F3A5C}"/>
+              </a:ext>
+            </a:extLst>
+          </p:cNvPr>
+          <p:cNvSpPr/>
+          <p:nvPr/>
+        </p:nvSpPr>
+        <p:spPr>
+          <a:xfrm rot="2289218">
+            <a:off x="7143719" y="2262114"/>
+            <a:ext cx="1043058" cy="373813"/>
+          </a:xfrm>
+          <a:prstGeom prst="rightArrow">
+            <a:avLst/>
+          </a:prstGeom>
+        </p:spPr>
+        <p:style>
+          <a:lnRef idx="2">
+            <a:schemeClr val="accent1">
+              <a:shade val="50000"/>
+            </a:schemeClr>
+          </a:lnRef>
+          <a:fillRef idx="1">
+            <a:schemeClr val="accent1"/>
+          </a:fillRef>
+          <a:effectRef idx="0">
+            <a:schemeClr val="accent1"/>
+          </a:effectRef>
+          <a:fontRef idx="minor">
+            <a:schemeClr val="lt1"/>
+          </a:fontRef>
+        </p:style>
+        <p:txBody>
+          <a:bodyPr rtlCol="0" anchor="ctr"/>
+          <a:lstStyle/>
+          <a:p>
+            <a:pPr marL="0" marR="0" lvl="0" indent="0" algn="ctr" defTabSz="914400" rtl="0" eaLnBrk="1" fontAlgn="auto" latinLnBrk="0" hangingPunct="1">
+              <a:lnSpc>
+                <a:spcPct val="100000"/>
+              </a:lnSpc>
+              <a:spcBef>
+                <a:spcPts val="0"/>
+              </a:spcBef>
+              <a:spcAft>
+                <a:spcPts val="0"/>
+              </a:spcAft>
+              <a:buClrTx/>
+              <a:buSzTx/>
+              <a:buFontTx/>
+              <a:buNone/>
+              <a:tabLst/>
+              <a:defRPr/>
+            </a:pPr>
+            <a:endParaRPr kumimoji="0" lang="de-DE" sz="1800" b="0" i="0" u="none" strike="noStrike" kern="1200" cap="none" spc="0" normalizeH="0" baseline="0" noProof="0">
+              <a:ln>
+                <a:noFill/>
+              </a:ln>
+              <a:solidFill>
+                <a:srgbClr val="FFFFFF"/>
+              </a:solidFill>
+              <a:effectLst/>
+              <a:uLnTx/>
+              <a:uFillTx/>
+              <a:latin typeface="Calibri"/>
+              <a:ea typeface="+mn-ea"/>
+              <a:cs typeface="+mn-cs"/>
+            </a:endParaRPr>
+          </a:p>
+        </p:txBody>
+      </p:sp>
+      <p:sp>
+        <p:nvSpPr>
+          <p:cNvPr id="15" name="Pfeil: nach rechts 14">
+            <a:extLst>
+              <a:ext uri="{FF2B5EF4-FFF2-40B4-BE49-F238E27FC236}">
+                <a16:creationId xmlns:a16="http://schemas.microsoft.com/office/drawing/2014/main" id="{486907F7-1284-6F3F-4675-DEEDE7C797F9}"/>
+              </a:ext>
+            </a:extLst>
+          </p:cNvPr>
+          <p:cNvSpPr/>
+          <p:nvPr/>
+        </p:nvSpPr>
+        <p:spPr>
+          <a:xfrm rot="19911968">
+            <a:off x="7121250" y="4105510"/>
+            <a:ext cx="1043058" cy="373813"/>
+          </a:xfrm>
+          <a:prstGeom prst="rightArrow">
+            <a:avLst/>
+          </a:prstGeom>
+        </p:spPr>
+        <p:style>
+          <a:lnRef idx="2">
+            <a:schemeClr val="accent1">
+              <a:shade val="50000"/>
+            </a:schemeClr>
+          </a:lnRef>
+          <a:fillRef idx="1">
+            <a:schemeClr val="accent1"/>
+          </a:fillRef>
+          <a:effectRef idx="0">
+            <a:schemeClr val="accent1"/>
+          </a:effectRef>
+          <a:fontRef idx="minor">
+            <a:schemeClr val="lt1"/>
+          </a:fontRef>
+        </p:style>
+        <p:txBody>
+          <a:bodyPr rtlCol="0" anchor="ctr"/>
+          <a:lstStyle/>
+          <a:p>
+            <a:pPr marL="0" marR="0" lvl="0" indent="0" algn="ctr" defTabSz="914400" rtl="0" eaLnBrk="1" fontAlgn="auto" latinLnBrk="0" hangingPunct="1">
+              <a:lnSpc>
+                <a:spcPct val="100000"/>
+              </a:lnSpc>
+              <a:spcBef>
+                <a:spcPts val="0"/>
+              </a:spcBef>
+              <a:spcAft>
+                <a:spcPts val="0"/>
+              </a:spcAft>
+              <a:buClrTx/>
+              <a:buSzTx/>
+              <a:buFontTx/>
+              <a:buNone/>
+              <a:tabLst/>
+              <a:defRPr/>
+            </a:pPr>
+            <a:endParaRPr kumimoji="0" lang="de-DE" sz="1800" b="0" i="0" u="none" strike="noStrike" kern="1200" cap="none" spc="0" normalizeH="0" baseline="0" noProof="0">
+              <a:ln>
+                <a:noFill/>
+              </a:ln>
+              <a:solidFill>
+                <a:srgbClr val="FFFFFF"/>
+              </a:solidFill>
+              <a:effectLst/>
+              <a:uLnTx/>
+              <a:uFillTx/>
+              <a:latin typeface="Calibri"/>
+              <a:ea typeface="+mn-ea"/>
+              <a:cs typeface="+mn-cs"/>
+            </a:endParaRPr>
+          </a:p>
+        </p:txBody>
+      </p:sp>
+      <p:sp>
+        <p:nvSpPr>
+          <p:cNvPr id="16" name="Textfeld 15">
+            <a:extLst>
+              <a:ext uri="{FF2B5EF4-FFF2-40B4-BE49-F238E27FC236}">
+                <a16:creationId xmlns:a16="http://schemas.microsoft.com/office/drawing/2014/main" id="{63A0DC70-4F5C-346A-023B-EE445BB56F29}"/>
+              </a:ext>
+            </a:extLst>
+          </p:cNvPr>
+          <p:cNvSpPr txBox="1"/>
+          <p:nvPr/>
+        </p:nvSpPr>
+        <p:spPr>
+          <a:xfrm>
+            <a:off x="8190822" y="2958345"/>
+            <a:ext cx="2111802" cy="923330"/>
+          </a:xfrm>
+          <a:prstGeom prst="rect">
+            <a:avLst/>
+          </a:prstGeom>
+          <a:noFill/>
+        </p:spPr>
+        <p:txBody>
+          <a:bodyPr wrap="square" rtlCol="0">
+            <a:spAutoFit/>
+          </a:bodyPr>
+          <a:lstStyle/>
+          <a:p>
+            <a:r>
+              <a:rPr lang="de-DE" dirty="0"/>
+              <a:t>Vergleich der Genauigkeit mittels Baseline Models</a:t>
+            </a:r>
+          </a:p>
+        </p:txBody>
+      </p:sp>
+      <p:sp>
+        <p:nvSpPr>
+          <p:cNvPr id="18" name="Fußzeilenplatzhalter 1">
+            <a:extLst>
+              <a:ext uri="{FF2B5EF4-FFF2-40B4-BE49-F238E27FC236}">
+                <a16:creationId xmlns:a16="http://schemas.microsoft.com/office/drawing/2014/main" id="{6BBF8634-C5D4-84A1-E8DE-5DEBCF3DF84E}"/>
+              </a:ext>
+            </a:extLst>
+          </p:cNvPr>
+          <p:cNvSpPr txBox="1">
+            <a:spLocks/>
+          </p:cNvSpPr>
+          <p:nvPr/>
+        </p:nvSpPr>
+        <p:spPr>
+          <a:xfrm>
+            <a:off x="5329990" y="2842822"/>
+            <a:ext cx="1482112" cy="703656"/>
+          </a:xfrm>
+          <a:prstGeom prst="rect">
+            <a:avLst/>
+          </a:prstGeom>
+        </p:spPr>
+        <p:txBody>
+          <a:bodyPr vert="horz" lIns="0" tIns="0" rIns="0" bIns="0" rtlCol="0" anchor="t" anchorCtr="0">
+            <a:noAutofit/>
+          </a:bodyPr>
+          <a:lstStyle>
+            <a:defPPr>
+              <a:defRPr lang="de-DE"/>
+            </a:defPPr>
+            <a:lvl1pPr marL="0" algn="l" defTabSz="914400" rtl="0" eaLnBrk="1" latinLnBrk="0" hangingPunct="1">
+              <a:defRPr lang="de-DE" sz="1333" b="0" kern="1200" smtClean="0">
+                <a:solidFill>
+                  <a:schemeClr val="bg1">
+                    <a:lumMod val="65000"/>
+                  </a:schemeClr>
+                </a:solidFill>
+                <a:latin typeface="HTWBerlin Office" panose="02000000000000000000" pitchFamily="2" charset="0"/>
+                <a:ea typeface="+mn-ea"/>
+                <a:cs typeface="+mn-cs"/>
+              </a:defRPr>
+            </a:lvl1pPr>
+            <a:lvl2pPr marL="457200" algn="l" defTabSz="914400" rtl="0" eaLnBrk="1" latinLnBrk="0" hangingPunct="1">
+              <a:defRPr sz="1800" kern="1200">
+                <a:solidFill>
+                  <a:schemeClr val="tx1"/>
+                </a:solidFill>
+                <a:latin typeface="+mn-lt"/>
+                <a:ea typeface="+mn-ea"/>
+                <a:cs typeface="+mn-cs"/>
+              </a:defRPr>
+            </a:lvl2pPr>
+            <a:lvl3pPr marL="914400" algn="l" defTabSz="914400" rtl="0" eaLnBrk="1" latinLnBrk="0" hangingPunct="1">
+              <a:defRPr sz="1800" kern="1200">
+                <a:solidFill>
+                  <a:schemeClr val="tx1"/>
+                </a:solidFill>
+                <a:latin typeface="+mn-lt"/>
+                <a:ea typeface="+mn-ea"/>
+                <a:cs typeface="+mn-cs"/>
+              </a:defRPr>
+            </a:lvl3pPr>
+            <a:lvl4pPr marL="1371600" algn="l" defTabSz="914400" rtl="0" eaLnBrk="1" latinLnBrk="0" hangingPunct="1">
+              <a:defRPr sz="1800" kern="1200">
+                <a:solidFill>
+                  <a:schemeClr val="tx1"/>
+                </a:solidFill>
+                <a:latin typeface="+mn-lt"/>
+                <a:ea typeface="+mn-ea"/>
+                <a:cs typeface="+mn-cs"/>
+              </a:defRPr>
+            </a:lvl4pPr>
+            <a:lvl5pPr marL="1828800" algn="l" defTabSz="914400" rtl="0" eaLnBrk="1" latinLnBrk="0" hangingPunct="1">
+              <a:defRPr sz="1800" kern="1200">
+                <a:solidFill>
+                  <a:schemeClr val="tx1"/>
+                </a:solidFill>
+                <a:latin typeface="+mn-lt"/>
+                <a:ea typeface="+mn-ea"/>
+                <a:cs typeface="+mn-cs"/>
+              </a:defRPr>
+            </a:lvl5pPr>
+            <a:lvl6pPr marL="2286000" algn="l" defTabSz="914400" rtl="0" eaLnBrk="1" latinLnBrk="0" hangingPunct="1">
+              <a:defRPr sz="1800" kern="1200">
+                <a:solidFill>
+                  <a:schemeClr val="tx1"/>
+                </a:solidFill>
+                <a:latin typeface="+mn-lt"/>
+                <a:ea typeface="+mn-ea"/>
+                <a:cs typeface="+mn-cs"/>
+              </a:defRPr>
+            </a:lvl6pPr>
+            <a:lvl7pPr marL="2743200" algn="l" defTabSz="914400" rtl="0" eaLnBrk="1" latinLnBrk="0" hangingPunct="1">
+              <a:defRPr sz="1800" kern="1200">
+                <a:solidFill>
+                  <a:schemeClr val="tx1"/>
+                </a:solidFill>
+                <a:latin typeface="+mn-lt"/>
+                <a:ea typeface="+mn-ea"/>
+                <a:cs typeface="+mn-cs"/>
+              </a:defRPr>
+            </a:lvl7pPr>
+            <a:lvl8pPr marL="3200400" algn="l" defTabSz="914400" rtl="0" eaLnBrk="1" latinLnBrk="0" hangingPunct="1">
+              <a:defRPr sz="1800" kern="1200">
+                <a:solidFill>
+                  <a:schemeClr val="tx1"/>
+                </a:solidFill>
+                <a:latin typeface="+mn-lt"/>
+                <a:ea typeface="+mn-ea"/>
+                <a:cs typeface="+mn-cs"/>
+              </a:defRPr>
+            </a:lvl8pPr>
+            <a:lvl9pPr marL="3657600" algn="l" defTabSz="914400" rtl="0" eaLnBrk="1" latinLnBrk="0" hangingPunct="1">
+              <a:defRPr sz="1800" kern="1200">
+                <a:solidFill>
+                  <a:schemeClr val="tx1"/>
+                </a:solidFill>
+                <a:latin typeface="+mn-lt"/>
+                <a:ea typeface="+mn-ea"/>
+                <a:cs typeface="+mn-cs"/>
+              </a:defRPr>
+            </a:lvl9pPr>
+          </a:lstStyle>
+          <a:p>
+            <a:pPr>
+              <a:defRPr/>
+            </a:pPr>
+            <a:r>
+              <a:rPr lang="de-DE" sz="1000" dirty="0">
+                <a:solidFill>
+                  <a:srgbClr val="FFFFFF">
+                    <a:lumMod val="65000"/>
+                  </a:srgbClr>
+                </a:solidFill>
+              </a:rPr>
+              <a:t>https://static.thenounproject.com/png/911654-200.png (20.11.22)</a:t>
+            </a:r>
+          </a:p>
+        </p:txBody>
+      </p:sp>
+      <p:pic>
+        <p:nvPicPr>
+          <p:cNvPr id="7174" name="Picture 6" descr="Neural Network Icons - Download Free Vector Icons | Noun Project">
+            <a:extLst>
+              <a:ext uri="{FF2B5EF4-FFF2-40B4-BE49-F238E27FC236}">
+                <a16:creationId xmlns:a16="http://schemas.microsoft.com/office/drawing/2014/main" id="{E1058015-5164-235A-2A57-A4FD92D936AC}"/>
+              </a:ext>
+            </a:extLst>
+          </p:cNvPr>
+          <p:cNvPicPr>
+            <a:picLocks noChangeAspect="1" noChangeArrowheads="1"/>
+          </p:cNvPicPr>
+          <p:nvPr/>
+        </p:nvPicPr>
+        <p:blipFill>
+          <a:blip r:embed="rId2">
+            <a:extLst>
+              <a:ext uri="{28A0092B-C50C-407E-A947-70E740481C1C}">
+                <a14:useLocalDpi xmlns:a14="http://schemas.microsoft.com/office/drawing/2010/main" val="0"/>
+              </a:ext>
+            </a:extLst>
+          </a:blip>
+          <a:srcRect/>
+          <a:stretch>
+            <a:fillRect/>
+          </a:stretch>
+        </p:blipFill>
+        <p:spPr bwMode="auto">
+          <a:xfrm>
+            <a:off x="5221990" y="1530351"/>
+            <a:ext cx="1440000" cy="1440000"/>
+          </a:xfrm>
+          <a:prstGeom prst="rect">
+            <a:avLst/>
+          </a:prstGeom>
+          <a:noFill/>
+          <a:extLst>
+            <a:ext uri="{909E8E84-426E-40DD-AFC4-6F175D3DCCD1}">
+              <a14:hiddenFill xmlns:a14="http://schemas.microsoft.com/office/drawing/2010/main">
+                <a:solidFill>
+                  <a:srgbClr val="FFFFFF"/>
+                </a:solidFill>
+              </a14:hiddenFill>
+            </a:ext>
+          </a:extLst>
+        </p:spPr>
+      </p:pic>
+      <p:pic>
+        <p:nvPicPr>
+          <p:cNvPr id="7176" name="Picture 8" descr="Neural Network Icons - Download Free Vector Icons | Noun Project">
+            <a:extLst>
+              <a:ext uri="{FF2B5EF4-FFF2-40B4-BE49-F238E27FC236}">
+                <a16:creationId xmlns:a16="http://schemas.microsoft.com/office/drawing/2014/main" id="{7B7E261B-5166-B7D1-A97C-4990CBC633F5}"/>
+              </a:ext>
+            </a:extLst>
+          </p:cNvPr>
+          <p:cNvPicPr>
+            <a:picLocks noChangeAspect="1" noChangeArrowheads="1"/>
+          </p:cNvPicPr>
+          <p:nvPr/>
+        </p:nvPicPr>
+        <p:blipFill>
+          <a:blip r:embed="rId2">
+            <a:extLst>
+              <a:ext uri="{28A0092B-C50C-407E-A947-70E740481C1C}">
+                <a14:useLocalDpi xmlns:a14="http://schemas.microsoft.com/office/drawing/2010/main" val="0"/>
+              </a:ext>
+            </a:extLst>
+          </a:blip>
+          <a:srcRect/>
+          <a:stretch>
+            <a:fillRect/>
+          </a:stretch>
+        </p:blipFill>
+        <p:spPr bwMode="auto">
+          <a:xfrm>
+            <a:off x="5221990" y="3796251"/>
+            <a:ext cx="1440000" cy="1440000"/>
+          </a:xfrm>
+          <a:prstGeom prst="rect">
+            <a:avLst/>
+          </a:prstGeom>
+          <a:noFill/>
+          <a:extLst>
+            <a:ext uri="{909E8E84-426E-40DD-AFC4-6F175D3DCCD1}">
+              <a14:hiddenFill xmlns:a14="http://schemas.microsoft.com/office/drawing/2010/main">
+                <a:solidFill>
+                  <a:srgbClr val="FFFFFF"/>
+                </a:solidFill>
+              </a14:hiddenFill>
+            </a:ext>
+          </a:extLst>
+        </p:spPr>
+      </p:pic>
+    </p:spTree>
+    <p:extLst>
+      <p:ext uri="{BB962C8B-B14F-4D97-AF65-F5344CB8AC3E}">
+        <p14:creationId xmlns:p14="http://schemas.microsoft.com/office/powerpoint/2010/main" val="2388387712"/>
+      </p:ext>
+    </p:extLst>
+  </p:cSld>
+  <p:clrMapOvr>
+    <a:masterClrMapping/>
+  </p:clrMapOvr>
+  <mc:AlternateContent xmlns:mc="http://schemas.openxmlformats.org/markup-compatibility/2006" xmlns:p14="http://schemas.microsoft.com/office/powerpoint/2010/main">
+    <mc:Choice Requires="p14">
+      <p:transition spd="med" p14:dur="700">
+        <p:fade/>
+      </p:transition>
+    </mc:Choice>
+    <mc:Fallback xmlns="">
+      <p:transition spd="med">
+        <p:fade/>
+      </p:transition>
+    </mc:Fallback>
+  </mc:AlternateContent>
+</p:sld>
+</file>
+
+<file path=ppt/slides/slide25.xml><?xml version="1.0" encoding="utf-8"?>
+<p:sld xmlns:a="http://schemas.openxmlformats.org/drawingml/2006/main" xmlns:r="http://schemas.openxmlformats.org/officeDocument/2006/relationships" xmlns:p="http://schemas.openxmlformats.org/presentationml/2006/main">
+  <p:cSld>
+    <p:spTree>
+      <p:nvGrpSpPr>
+        <p:cNvPr id="1" name=""/>
+        <p:cNvGrpSpPr/>
+        <p:nvPr/>
+      </p:nvGrpSpPr>
+      <p:grpSpPr>
+        <a:xfrm>
+          <a:off x="0" y="0"/>
+          <a:ext cx="0" cy="0"/>
+          <a:chOff x="0" y="0"/>
+          <a:chExt cx="0" cy="0"/>
+        </a:xfrm>
+      </p:grpSpPr>
+      <p:sp>
+        <p:nvSpPr>
+          <p:cNvPr id="9" name="Titel 8">
+            <a:extLst>
+              <a:ext uri="{FF2B5EF4-FFF2-40B4-BE49-F238E27FC236}">
+                <a16:creationId xmlns:a16="http://schemas.microsoft.com/office/drawing/2014/main" id="{85AAEC6E-2FE3-43CD-B241-D9630196B3E8}"/>
+              </a:ext>
+            </a:extLst>
+          </p:cNvPr>
+          <p:cNvSpPr>
+            <a:spLocks noGrp="1"/>
+          </p:cNvSpPr>
+          <p:nvPr>
+            <p:ph type="title"/>
+          </p:nvPr>
+        </p:nvSpPr>
+        <p:spPr/>
+        <p:txBody>
+          <a:bodyPr/>
+          <a:lstStyle/>
+          <a:p>
+            <a:r>
+              <a:rPr lang="de-DE" dirty="0"/>
+              <a:t>Bewertung – Baseline Model</a:t>
+            </a:r>
+            <a:endParaRPr lang="sr-Latn-CS" dirty="0"/>
+          </a:p>
+        </p:txBody>
+      </p:sp>
+      <p:sp>
+        <p:nvSpPr>
+          <p:cNvPr id="10" name="Inhaltsplatzhalter 9">
+            <a:extLst>
+              <a:ext uri="{FF2B5EF4-FFF2-40B4-BE49-F238E27FC236}">
+                <a16:creationId xmlns:a16="http://schemas.microsoft.com/office/drawing/2014/main" id="{8DC7BD85-1F52-4EBC-B07C-1B8FEE60F204}"/>
+              </a:ext>
+            </a:extLst>
+          </p:cNvPr>
+          <p:cNvSpPr>
+            <a:spLocks noGrp="1"/>
+          </p:cNvSpPr>
+          <p:nvPr>
+            <p:ph idx="1"/>
+          </p:nvPr>
+        </p:nvSpPr>
+        <p:spPr>
+          <a:xfrm>
+            <a:off x="576959" y="1182664"/>
+            <a:ext cx="4895517" cy="4882503"/>
+          </a:xfrm>
+        </p:spPr>
+        <p:txBody>
+          <a:bodyPr/>
+          <a:lstStyle/>
+          <a:p>
+            <a:pPr marL="0" lvl="3" indent="0">
+              <a:spcAft>
+                <a:spcPts val="800"/>
+              </a:spcAft>
+              <a:buNone/>
+            </a:pPr>
+            <a:r>
+              <a:rPr lang="de-DE" sz="1867" b="1" noProof="1"/>
+              <a:t>Case 1</a:t>
+            </a:r>
+          </a:p>
+          <a:p>
+            <a:pPr marL="342900" lvl="3" indent="-342900">
+              <a:spcAft>
+                <a:spcPts val="800"/>
+              </a:spcAft>
+            </a:pPr>
+            <a:r>
+              <a:rPr lang="de-DE" sz="1867" noProof="1"/>
+              <a:t>Ohne Augmentierung – geringste Varianz</a:t>
+            </a:r>
+          </a:p>
+          <a:p>
+            <a:pPr marL="0" lvl="3" indent="0">
+              <a:spcAft>
+                <a:spcPts val="800"/>
+              </a:spcAft>
+              <a:buNone/>
+            </a:pPr>
+            <a:r>
+              <a:rPr lang="de-DE" sz="1867" b="1" noProof="1"/>
+              <a:t>Case 2</a:t>
+            </a:r>
+          </a:p>
+          <a:p>
+            <a:pPr marL="342900" lvl="3" indent="-342900">
+              <a:spcAft>
+                <a:spcPts val="800"/>
+              </a:spcAft>
+            </a:pPr>
+            <a:r>
+              <a:rPr lang="de-DE" sz="1867" noProof="1"/>
+              <a:t>Anwendung einfacher Transformationen (Skalierung, horizontale und vertikale Spiegelungen)</a:t>
+            </a:r>
+          </a:p>
+          <a:p>
+            <a:pPr marL="0" lvl="3" indent="0">
+              <a:spcAft>
+                <a:spcPts val="800"/>
+              </a:spcAft>
+              <a:buNone/>
+            </a:pPr>
+            <a:r>
+              <a:rPr lang="de-DE" sz="1867" b="1" noProof="1"/>
+              <a:t>Case 3</a:t>
+            </a:r>
+          </a:p>
+          <a:p>
+            <a:pPr marL="342900" lvl="3" indent="-342900">
+              <a:spcAft>
+                <a:spcPts val="800"/>
+              </a:spcAft>
+            </a:pPr>
+            <a:r>
+              <a:rPr lang="de-DE" sz="1867" noProof="1"/>
+              <a:t>Weitere Transformationen, wie in Case 2 und zufällige Rotationen</a:t>
+            </a:r>
+          </a:p>
+          <a:p>
+            <a:pPr marL="0" lvl="3" indent="0">
+              <a:spcAft>
+                <a:spcPts val="800"/>
+              </a:spcAft>
+              <a:buNone/>
+            </a:pPr>
+            <a:r>
+              <a:rPr lang="de-DE" sz="1867" b="1" noProof="1"/>
+              <a:t>Case 4</a:t>
+            </a:r>
+          </a:p>
+          <a:p>
+            <a:pPr marL="342900" lvl="3" indent="-342900">
+              <a:spcAft>
+                <a:spcPts val="800"/>
+              </a:spcAft>
+            </a:pPr>
+            <a:r>
+              <a:rPr lang="de-DE" sz="1867" noProof="1"/>
+              <a:t>Horizontale und vertikale Verschiebungen </a:t>
+            </a:r>
+          </a:p>
+          <a:p>
+            <a:pPr marL="0" lvl="3" indent="0">
+              <a:spcAft>
+                <a:spcPts val="800"/>
+              </a:spcAft>
+              <a:buNone/>
+            </a:pPr>
+            <a:r>
+              <a:rPr lang="de-DE" sz="1867" b="1" noProof="1"/>
+              <a:t>Case 5</a:t>
+            </a:r>
+          </a:p>
+          <a:p>
+            <a:pPr marL="342900" lvl="3" indent="-342900">
+              <a:spcAft>
+                <a:spcPts val="800"/>
+              </a:spcAft>
+            </a:pPr>
+            <a:r>
+              <a:rPr lang="de-DE" sz="1867" noProof="1"/>
+              <a:t>Zufällige Vergrößerungen und Veränderungen zB des Kontrastes</a:t>
+            </a:r>
+          </a:p>
+        </p:txBody>
+      </p:sp>
+      <p:sp>
+        <p:nvSpPr>
+          <p:cNvPr id="6" name="Foliennummernplatzhalter 5">
+            <a:extLst>
+              <a:ext uri="{FF2B5EF4-FFF2-40B4-BE49-F238E27FC236}">
+                <a16:creationId xmlns:a16="http://schemas.microsoft.com/office/drawing/2014/main" id="{D6038D3A-5E68-4CAD-9B94-17116215F013}"/>
+              </a:ext>
+            </a:extLst>
+          </p:cNvPr>
+          <p:cNvSpPr>
+            <a:spLocks noGrp="1"/>
+          </p:cNvSpPr>
+          <p:nvPr>
+            <p:ph type="sldNum" sz="quarter" idx="12"/>
+          </p:nvPr>
+        </p:nvSpPr>
+        <p:spPr/>
+        <p:txBody>
+          <a:bodyPr/>
+          <a:lstStyle/>
+          <a:p>
+            <a:pPr marL="0" marR="0" lvl="0" indent="0" algn="l" defTabSz="609585" rtl="0" eaLnBrk="1" fontAlgn="auto" latinLnBrk="0" hangingPunct="1">
+              <a:lnSpc>
+                <a:spcPct val="100000"/>
+              </a:lnSpc>
+              <a:spcBef>
+                <a:spcPts val="0"/>
+              </a:spcBef>
+              <a:spcAft>
+                <a:spcPts val="0"/>
+              </a:spcAft>
+              <a:buClrTx/>
+              <a:buSzTx/>
+              <a:buFontTx/>
+              <a:buNone/>
+              <a:tabLst/>
+              <a:defRPr/>
+            </a:pPr>
+            <a:fld id="{45D25029-37DE-484F-BFE0-9B37AF2B26B8}" type="slidenum">
+              <a:rPr kumimoji="0" lang="de-DE" sz="1333" b="1" i="0" u="none" strike="noStrike" kern="1200" cap="none" spc="0" normalizeH="0" baseline="0" noProof="0">
+                <a:ln>
+                  <a:noFill/>
+                </a:ln>
+                <a:solidFill>
+                  <a:srgbClr val="787878"/>
+                </a:solidFill>
+                <a:effectLst/>
+                <a:uLnTx/>
+                <a:uFillTx/>
+                <a:latin typeface="HTWBerlin Office" panose="02000000000000000000" pitchFamily="2" charset="0"/>
+                <a:ea typeface="+mn-ea"/>
+                <a:cs typeface="+mn-cs"/>
+              </a:rPr>
+              <a:pPr marL="0" marR="0" lvl="0" indent="0" algn="l" defTabSz="609585" rtl="0" eaLnBrk="1" fontAlgn="auto" latinLnBrk="0" hangingPunct="1">
+                <a:lnSpc>
+                  <a:spcPct val="100000"/>
+                </a:lnSpc>
+                <a:spcBef>
+                  <a:spcPts val="0"/>
+                </a:spcBef>
+                <a:spcAft>
+                  <a:spcPts val="0"/>
+                </a:spcAft>
+                <a:buClrTx/>
+                <a:buSzTx/>
+                <a:buFontTx/>
+                <a:buNone/>
+                <a:tabLst/>
+                <a:defRPr/>
+              </a:pPr>
+              <a:t>25</a:t>
+            </a:fld>
+            <a:endParaRPr kumimoji="0" lang="de-DE" sz="1333" b="1" i="0" u="none" strike="noStrike" kern="1200" cap="none" spc="0" normalizeH="0" baseline="0" noProof="0" dirty="0">
+              <a:ln>
+                <a:noFill/>
+              </a:ln>
+              <a:solidFill>
+                <a:srgbClr val="787878"/>
+              </a:solidFill>
+              <a:effectLst/>
+              <a:uLnTx/>
+              <a:uFillTx/>
+              <a:latin typeface="HTWBerlin Office" panose="02000000000000000000" pitchFamily="2" charset="0"/>
+              <a:ea typeface="+mn-ea"/>
+              <a:cs typeface="+mn-cs"/>
+            </a:endParaRPr>
+          </a:p>
+        </p:txBody>
+      </p:sp>
+      <p:sp>
+        <p:nvSpPr>
+          <p:cNvPr id="2" name="Fußzeilenplatzhalter 1">
+            <a:extLst>
+              <a:ext uri="{FF2B5EF4-FFF2-40B4-BE49-F238E27FC236}">
+                <a16:creationId xmlns:a16="http://schemas.microsoft.com/office/drawing/2014/main" id="{D95A88C8-7A6F-44DC-AB39-78579D1164E7}"/>
+              </a:ext>
+            </a:extLst>
+          </p:cNvPr>
+          <p:cNvSpPr>
+            <a:spLocks noGrp="1"/>
+          </p:cNvSpPr>
+          <p:nvPr>
+            <p:ph type="ftr" sz="quarter" idx="11"/>
+          </p:nvPr>
+        </p:nvSpPr>
+        <p:spPr/>
+        <p:txBody>
+          <a:bodyPr/>
+          <a:lstStyle/>
+          <a:p>
+            <a:pPr marL="0" marR="0" lvl="0" indent="0" algn="l" defTabSz="914400" rtl="0" eaLnBrk="1" fontAlgn="auto" latinLnBrk="0" hangingPunct="1">
+              <a:lnSpc>
+                <a:spcPct val="100000"/>
+              </a:lnSpc>
+              <a:spcBef>
+                <a:spcPts val="0"/>
+              </a:spcBef>
+              <a:spcAft>
+                <a:spcPts val="0"/>
+              </a:spcAft>
+              <a:buClrTx/>
+              <a:buSzTx/>
+              <a:buFontTx/>
+              <a:buNone/>
+              <a:tabLst/>
+              <a:defRPr/>
+            </a:pPr>
+            <a:r>
+              <a:rPr kumimoji="0" lang="de-DE" sz="1333" b="0" i="0" u="none" strike="noStrike" kern="1200" cap="none" spc="0" normalizeH="0" baseline="0" noProof="0" dirty="0">
+                <a:ln>
+                  <a:noFill/>
+                </a:ln>
+                <a:solidFill>
+                  <a:srgbClr val="FFFFFF">
+                    <a:lumMod val="65000"/>
+                  </a:srgbClr>
+                </a:solidFill>
+                <a:effectLst/>
+                <a:uLnTx/>
+                <a:uFillTx/>
+                <a:latin typeface="HTWBerlin Office" panose="02000000000000000000" pitchFamily="2" charset="0"/>
+                <a:ea typeface="+mn-ea"/>
+                <a:cs typeface="+mn-cs"/>
+              </a:rPr>
+              <a:t>Oliver </a:t>
+            </a:r>
+            <a:r>
+              <a:rPr kumimoji="0" lang="de-DE" sz="1333" b="0" i="0" u="none" strike="noStrike" kern="1200" cap="none" spc="0" normalizeH="0" baseline="0" noProof="0" dirty="0" err="1">
+                <a:ln>
+                  <a:noFill/>
+                </a:ln>
+                <a:solidFill>
+                  <a:srgbClr val="FFFFFF">
+                    <a:lumMod val="65000"/>
+                  </a:srgbClr>
+                </a:solidFill>
+                <a:effectLst/>
+                <a:uLnTx/>
+                <a:uFillTx/>
+                <a:latin typeface="HTWBerlin Office" panose="02000000000000000000" pitchFamily="2" charset="0"/>
+                <a:ea typeface="+mn-ea"/>
+                <a:cs typeface="+mn-cs"/>
+              </a:rPr>
+              <a:t>Thomaschewski</a:t>
+            </a:r>
+            <a:r>
+              <a:rPr kumimoji="0" lang="de-DE" sz="1333" b="0" i="0" u="none" strike="noStrike" kern="1200" cap="none" spc="0" normalizeH="0" baseline="0" noProof="0" dirty="0">
+                <a:ln>
+                  <a:noFill/>
+                </a:ln>
+                <a:solidFill>
+                  <a:srgbClr val="FFFFFF">
+                    <a:lumMod val="65000"/>
+                  </a:srgbClr>
+                </a:solidFill>
+                <a:effectLst/>
+                <a:uLnTx/>
+                <a:uFillTx/>
+                <a:latin typeface="HTWBerlin Office" panose="02000000000000000000" pitchFamily="2" charset="0"/>
+                <a:ea typeface="+mn-ea"/>
+                <a:cs typeface="+mn-cs"/>
+              </a:rPr>
+              <a:t> | Lisa-Marlen Wiegandt</a:t>
+            </a:r>
+          </a:p>
+        </p:txBody>
+      </p:sp>
+      <p:pic>
+        <p:nvPicPr>
+          <p:cNvPr id="12290" name="Picture 2">
+            <a:extLst>
+              <a:ext uri="{FF2B5EF4-FFF2-40B4-BE49-F238E27FC236}">
+                <a16:creationId xmlns:a16="http://schemas.microsoft.com/office/drawing/2014/main" id="{9FB6DAAA-45C0-B0E6-F424-CED019896BEC}"/>
+              </a:ext>
+            </a:extLst>
+          </p:cNvPr>
+          <p:cNvPicPr>
+            <a:picLocks noChangeAspect="1" noChangeArrowheads="1"/>
+          </p:cNvPicPr>
+          <p:nvPr/>
+        </p:nvPicPr>
+        <p:blipFill>
+          <a:blip r:embed="rId2">
+            <a:extLst>
+              <a:ext uri="{28A0092B-C50C-407E-A947-70E740481C1C}">
+                <a14:useLocalDpi xmlns:a14="http://schemas.microsoft.com/office/drawing/2010/main" val="0"/>
+              </a:ext>
+            </a:extLst>
+          </a:blip>
+          <a:srcRect/>
+          <a:stretch>
+            <a:fillRect/>
+          </a:stretch>
+        </p:blipFill>
+        <p:spPr bwMode="auto">
+          <a:xfrm>
+            <a:off x="5330853" y="2471737"/>
+            <a:ext cx="6429375" cy="1914525"/>
+          </a:xfrm>
+          <a:prstGeom prst="rect">
+            <a:avLst/>
+          </a:prstGeom>
+          <a:noFill/>
+          <a:extLst>
+            <a:ext uri="{909E8E84-426E-40DD-AFC4-6F175D3DCCD1}">
+              <a14:hiddenFill xmlns:a14="http://schemas.microsoft.com/office/drawing/2010/main">
+                <a:solidFill>
+                  <a:srgbClr val="FFFFFF"/>
+                </a:solidFill>
+              </a14:hiddenFill>
+            </a:ext>
+          </a:extLst>
+        </p:spPr>
+      </p:pic>
+      <p:sp>
+        <p:nvSpPr>
+          <p:cNvPr id="5" name="Fußzeilenplatzhalter 1">
+            <a:extLst>
+              <a:ext uri="{FF2B5EF4-FFF2-40B4-BE49-F238E27FC236}">
+                <a16:creationId xmlns:a16="http://schemas.microsoft.com/office/drawing/2014/main" id="{D70EF4D8-3A63-AC69-74F9-A2A2379FC9FB}"/>
+              </a:ext>
+            </a:extLst>
+          </p:cNvPr>
+          <p:cNvSpPr txBox="1">
+            <a:spLocks/>
+          </p:cNvSpPr>
+          <p:nvPr/>
+        </p:nvSpPr>
+        <p:spPr>
+          <a:xfrm>
+            <a:off x="5330853" y="4605403"/>
+            <a:ext cx="6429375" cy="584161"/>
+          </a:xfrm>
+          <a:prstGeom prst="rect">
+            <a:avLst/>
+          </a:prstGeom>
+        </p:spPr>
+        <p:txBody>
+          <a:bodyPr vert="horz" lIns="0" tIns="0" rIns="0" bIns="0" rtlCol="0" anchor="t" anchorCtr="0">
+            <a:noAutofit/>
+          </a:bodyPr>
+          <a:lstStyle>
+            <a:defPPr>
+              <a:defRPr lang="de-DE"/>
+            </a:defPPr>
+            <a:lvl1pPr marL="0" algn="l" defTabSz="914400" rtl="0" eaLnBrk="1" latinLnBrk="0" hangingPunct="1">
+              <a:defRPr lang="de-DE" sz="1333" b="0" kern="1200" smtClean="0">
+                <a:solidFill>
+                  <a:schemeClr val="bg1">
+                    <a:lumMod val="65000"/>
+                  </a:schemeClr>
+                </a:solidFill>
+                <a:latin typeface="HTWBerlin Office" panose="02000000000000000000" pitchFamily="2" charset="0"/>
+                <a:ea typeface="+mn-ea"/>
+                <a:cs typeface="+mn-cs"/>
+              </a:defRPr>
+            </a:lvl1pPr>
+            <a:lvl2pPr marL="457200" algn="l" defTabSz="914400" rtl="0" eaLnBrk="1" latinLnBrk="0" hangingPunct="1">
+              <a:defRPr sz="1800" kern="1200">
+                <a:solidFill>
+                  <a:schemeClr val="tx1"/>
+                </a:solidFill>
+                <a:latin typeface="+mn-lt"/>
+                <a:ea typeface="+mn-ea"/>
+                <a:cs typeface="+mn-cs"/>
+              </a:defRPr>
+            </a:lvl2pPr>
+            <a:lvl3pPr marL="914400" algn="l" defTabSz="914400" rtl="0" eaLnBrk="1" latinLnBrk="0" hangingPunct="1">
+              <a:defRPr sz="1800" kern="1200">
+                <a:solidFill>
+                  <a:schemeClr val="tx1"/>
+                </a:solidFill>
+                <a:latin typeface="+mn-lt"/>
+                <a:ea typeface="+mn-ea"/>
+                <a:cs typeface="+mn-cs"/>
+              </a:defRPr>
+            </a:lvl3pPr>
+            <a:lvl4pPr marL="1371600" algn="l" defTabSz="914400" rtl="0" eaLnBrk="1" latinLnBrk="0" hangingPunct="1">
+              <a:defRPr sz="1800" kern="1200">
+                <a:solidFill>
+                  <a:schemeClr val="tx1"/>
+                </a:solidFill>
+                <a:latin typeface="+mn-lt"/>
+                <a:ea typeface="+mn-ea"/>
+                <a:cs typeface="+mn-cs"/>
+              </a:defRPr>
+            </a:lvl4pPr>
+            <a:lvl5pPr marL="1828800" algn="l" defTabSz="914400" rtl="0" eaLnBrk="1" latinLnBrk="0" hangingPunct="1">
+              <a:defRPr sz="1800" kern="1200">
+                <a:solidFill>
+                  <a:schemeClr val="tx1"/>
+                </a:solidFill>
+                <a:latin typeface="+mn-lt"/>
+                <a:ea typeface="+mn-ea"/>
+                <a:cs typeface="+mn-cs"/>
+              </a:defRPr>
+            </a:lvl5pPr>
+            <a:lvl6pPr marL="2286000" algn="l" defTabSz="914400" rtl="0" eaLnBrk="1" latinLnBrk="0" hangingPunct="1">
+              <a:defRPr sz="1800" kern="1200">
+                <a:solidFill>
+                  <a:schemeClr val="tx1"/>
+                </a:solidFill>
+                <a:latin typeface="+mn-lt"/>
+                <a:ea typeface="+mn-ea"/>
+                <a:cs typeface="+mn-cs"/>
+              </a:defRPr>
+            </a:lvl6pPr>
+            <a:lvl7pPr marL="2743200" algn="l" defTabSz="914400" rtl="0" eaLnBrk="1" latinLnBrk="0" hangingPunct="1">
+              <a:defRPr sz="1800" kern="1200">
+                <a:solidFill>
+                  <a:schemeClr val="tx1"/>
+                </a:solidFill>
+                <a:latin typeface="+mn-lt"/>
+                <a:ea typeface="+mn-ea"/>
+                <a:cs typeface="+mn-cs"/>
+              </a:defRPr>
+            </a:lvl7pPr>
+            <a:lvl8pPr marL="3200400" algn="l" defTabSz="914400" rtl="0" eaLnBrk="1" latinLnBrk="0" hangingPunct="1">
+              <a:defRPr sz="1800" kern="1200">
+                <a:solidFill>
+                  <a:schemeClr val="tx1"/>
+                </a:solidFill>
+                <a:latin typeface="+mn-lt"/>
+                <a:ea typeface="+mn-ea"/>
+                <a:cs typeface="+mn-cs"/>
+              </a:defRPr>
+            </a:lvl8pPr>
+            <a:lvl9pPr marL="3657600" algn="l" defTabSz="914400" rtl="0" eaLnBrk="1" latinLnBrk="0" hangingPunct="1">
+              <a:defRPr sz="1800" kern="1200">
+                <a:solidFill>
+                  <a:schemeClr val="tx1"/>
+                </a:solidFill>
+                <a:latin typeface="+mn-lt"/>
+                <a:ea typeface="+mn-ea"/>
+                <a:cs typeface="+mn-cs"/>
+              </a:defRPr>
+            </a:lvl9pPr>
+          </a:lstStyle>
+          <a:p>
+            <a:pPr>
+              <a:defRPr/>
+            </a:pPr>
+            <a:r>
+              <a:rPr lang="de-DE" sz="1000" dirty="0">
+                <a:solidFill>
+                  <a:srgbClr val="FFFFFF">
+                    <a:lumMod val="65000"/>
+                  </a:srgbClr>
+                </a:solidFill>
+              </a:rPr>
+              <a:t>https://towardsdatascience.com/balancing-the-regularization-effect-of-data-augmentation-eb551be48374#:~:text=The%20Effect%20of%20Data%20Augmentation&amp;text=But%20another%20important%20effect%20is,version%20of%20the%20original%20data. (20.11.22)</a:t>
+            </a:r>
+          </a:p>
+        </p:txBody>
+      </p:sp>
+    </p:spTree>
+    <p:extLst>
+      <p:ext uri="{BB962C8B-B14F-4D97-AF65-F5344CB8AC3E}">
+        <p14:creationId xmlns:p14="http://schemas.microsoft.com/office/powerpoint/2010/main" val="2303649609"/>
+      </p:ext>
+    </p:extLst>
+  </p:cSld>
+  <p:clrMapOvr>
+    <a:masterClrMapping/>
+  </p:clrMapOvr>
+  <mc:AlternateContent xmlns:mc="http://schemas.openxmlformats.org/markup-compatibility/2006" xmlns:p14="http://schemas.microsoft.com/office/powerpoint/2010/main">
+    <mc:Choice Requires="p14">
+      <p:transition spd="med" p14:dur="700">
+        <p:fade/>
+      </p:transition>
+    </mc:Choice>
+    <mc:Fallback xmlns="">
+      <p:transition spd="med">
+        <p:fade/>
+      </p:transition>
+    </mc:Fallback>
+  </mc:AlternateContent>
+</p:sld>
+</file>
+
+<file path=ppt/slides/slide26.xml><?xml version="1.0" encoding="utf-8"?>
+<p:sld xmlns:a="http://schemas.openxmlformats.org/drawingml/2006/main" xmlns:r="http://schemas.openxmlformats.org/officeDocument/2006/relationships" xmlns:p="http://schemas.openxmlformats.org/presentationml/2006/main">
+  <p:cSld>
+    <p:spTree>
+      <p:nvGrpSpPr>
+        <p:cNvPr id="1" name=""/>
+        <p:cNvGrpSpPr/>
+        <p:nvPr/>
+      </p:nvGrpSpPr>
+      <p:grpSpPr>
+        <a:xfrm>
+          <a:off x="0" y="0"/>
+          <a:ext cx="0" cy="0"/>
+          <a:chOff x="0" y="0"/>
+          <a:chExt cx="0" cy="0"/>
+        </a:xfrm>
+      </p:grpSpPr>
+      <p:sp>
+        <p:nvSpPr>
+          <p:cNvPr id="2" name="Titel 1">
+            <a:extLst>
+              <a:ext uri="{FF2B5EF4-FFF2-40B4-BE49-F238E27FC236}">
+                <a16:creationId xmlns:a16="http://schemas.microsoft.com/office/drawing/2014/main" id="{C2D873D4-E197-0443-88DC-D02E3995E574}"/>
+              </a:ext>
+            </a:extLst>
+          </p:cNvPr>
+          <p:cNvSpPr>
+            <a:spLocks noGrp="1"/>
+          </p:cNvSpPr>
+          <p:nvPr>
+            <p:ph type="title"/>
+          </p:nvPr>
+        </p:nvSpPr>
+        <p:spPr/>
+        <p:txBody>
+          <a:bodyPr/>
+          <a:lstStyle/>
+          <a:p>
+            <a:r>
+              <a:rPr lang="de-DE" dirty="0"/>
+              <a:t>Vielen Dank.</a:t>
+            </a:r>
+          </a:p>
+        </p:txBody>
+      </p:sp>
+    </p:spTree>
+    <p:extLst>
+      <p:ext uri="{BB962C8B-B14F-4D97-AF65-F5344CB8AC3E}">
+        <p14:creationId xmlns:p14="http://schemas.microsoft.com/office/powerpoint/2010/main" val="1723378223"/>
       </p:ext>
     </p:extLst>
   </p:cSld>
@@ -25806,7 +31728,7 @@
           <a:p>
             <a:r>
               <a:rPr lang="de-DE" dirty="0"/>
-              <a:t>1. Was ist Data Augmentation?</a:t>
+              <a:t>1. Definition von Data Augmentation</a:t>
             </a:r>
             <a:endParaRPr lang="sr-Latn-CS" b="0" dirty="0"/>
           </a:p>
@@ -25958,7 +31880,12 @@
             <p:ph idx="1"/>
           </p:nvPr>
         </p:nvSpPr>
-        <p:spPr/>
+        <p:spPr>
+          <a:xfrm>
+            <a:off x="719667" y="2795196"/>
+            <a:ext cx="10514928" cy="1657440"/>
+          </a:xfrm>
+        </p:spPr>
         <p:txBody>
           <a:bodyPr/>
           <a:lstStyle/>
@@ -25973,7 +31900,7 @@
             </a:pPr>
             <a:r>
               <a:rPr lang="de-DE" sz="1867" noProof="1"/>
-              <a:t>Zu deutsch: Erweitern des Datensets</a:t>
+              <a:t>Zu deutsch: Erweitern des Datensatzes</a:t>
             </a:r>
           </a:p>
           <a:p>
@@ -26188,7 +32115,7 @@
           <a:p>
             <a:r>
               <a:rPr lang="de-DE" dirty="0"/>
-              <a:t>2. Warum braucht man Data Augmentation?</a:t>
+              <a:t>2. Warum sollte man Daten augmentieren?</a:t>
             </a:r>
             <a:endParaRPr lang="sr-Latn-CS" b="0" dirty="0"/>
           </a:p>
@@ -26463,8 +32390,8 @@
         </p:nvSpPr>
         <p:spPr>
           <a:xfrm>
-            <a:off x="1879489" y="4373353"/>
-            <a:ext cx="2648842" cy="505327"/>
+            <a:off x="1872192" y="4319532"/>
+            <a:ext cx="2648842" cy="322016"/>
           </a:xfrm>
         </p:spPr>
         <p:txBody>
@@ -26536,8 +32463,8 @@
         </p:nvSpPr>
         <p:spPr>
           <a:xfrm>
-            <a:off x="7200374" y="4373353"/>
-            <a:ext cx="3176251" cy="784430"/>
+            <a:off x="7403848" y="4360540"/>
+            <a:ext cx="3176251" cy="240000"/>
           </a:xfrm>
         </p:spPr>
         <p:txBody>
@@ -26598,102 +32525,66 @@
       </p:sp>
       <p:pic>
         <p:nvPicPr>
-          <p:cNvPr id="1028" name="Picture 4">
+          <p:cNvPr id="14" name="Grafik 13">
             <a:extLst>
               <a:ext uri="{FF2B5EF4-FFF2-40B4-BE49-F238E27FC236}">
-                <a16:creationId xmlns:a16="http://schemas.microsoft.com/office/drawing/2014/main" id="{F434F5DF-D082-A42F-1D1E-1C572B1A43A3}"/>
+                <a16:creationId xmlns:a16="http://schemas.microsoft.com/office/drawing/2014/main" id="{D656791C-B92D-3148-2E2A-7A301D5C6E0A}"/>
               </a:ext>
             </a:extLst>
           </p:cNvPr>
           <p:cNvPicPr>
-            <a:picLocks noChangeAspect="1" noChangeArrowheads="1"/>
+            <a:picLocks noChangeAspect="1"/>
           </p:cNvPicPr>
           <p:nvPr/>
         </p:nvPicPr>
-        <p:blipFill>
-          <a:blip r:embed="rId2">
-            <a:extLst>
-              <a:ext uri="{28A0092B-C50C-407E-A947-70E740481C1C}">
-                <a14:useLocalDpi xmlns:a14="http://schemas.microsoft.com/office/drawing/2010/main" val="0"/>
-              </a:ext>
-            </a:extLst>
-          </a:blip>
-          <a:srcRect/>
-          <a:stretch>
-            <a:fillRect/>
-          </a:stretch>
+        <p:blipFill rotWithShape="1">
+          <a:blip r:embed="rId2"/>
+          <a:srcRect l="16870" r="16870"/>
+          <a:stretch/>
         </p:blipFill>
-        <p:spPr bwMode="auto">
+        <p:spPr>
           <a:xfrm>
-            <a:off x="1879489" y="1586445"/>
-            <a:ext cx="2381250" cy="2381250"/>
+            <a:off x="1872192" y="1739957"/>
+            <a:ext cx="2160000" cy="2160000"/>
           </a:xfrm>
           <a:prstGeom prst="rect">
             <a:avLst/>
           </a:prstGeom>
-          <a:noFill/>
-          <a:extLst>
-            <a:ext uri="{909E8E84-426E-40DD-AFC4-6F175D3DCCD1}">
-              <a14:hiddenFill xmlns:a14="http://schemas.microsoft.com/office/drawing/2010/main">
-                <a:solidFill>
-                  <a:srgbClr val="FFFFFF"/>
-                </a:solidFill>
-              </a14:hiddenFill>
-            </a:ext>
-          </a:extLst>
         </p:spPr>
       </p:pic>
       <p:pic>
         <p:nvPicPr>
-          <p:cNvPr id="1030" name="Picture 6">
+          <p:cNvPr id="18" name="Grafik 17">
             <a:extLst>
               <a:ext uri="{FF2B5EF4-FFF2-40B4-BE49-F238E27FC236}">
-                <a16:creationId xmlns:a16="http://schemas.microsoft.com/office/drawing/2014/main" id="{D28E8285-7EB7-B768-1D94-029A5D27974E}"/>
+                <a16:creationId xmlns:a16="http://schemas.microsoft.com/office/drawing/2014/main" id="{A8F9A5D5-D3AC-5F21-8478-F4EE5EEBAB8F}"/>
               </a:ext>
             </a:extLst>
           </p:cNvPr>
           <p:cNvPicPr>
-            <a:picLocks noChangeAspect="1" noChangeArrowheads="1"/>
+            <a:picLocks noChangeAspect="1"/>
           </p:cNvPicPr>
           <p:nvPr/>
         </p:nvPicPr>
-        <p:blipFill>
-          <a:blip r:embed="rId3">
-            <a:extLst>
-              <a:ext uri="{28A0092B-C50C-407E-A947-70E740481C1C}">
-                <a14:useLocalDpi xmlns:a14="http://schemas.microsoft.com/office/drawing/2010/main" val="0"/>
-              </a:ext>
-            </a:extLst>
-          </a:blip>
-          <a:srcRect/>
-          <a:stretch>
-            <a:fillRect/>
-          </a:stretch>
+        <p:blipFill rotWithShape="1">
+          <a:blip r:embed="rId3"/>
+          <a:srcRect l="13867" r="13867"/>
+          <a:stretch/>
         </p:blipFill>
-        <p:spPr bwMode="auto">
+        <p:spPr>
           <a:xfrm>
-            <a:off x="7200374" y="1591406"/>
-            <a:ext cx="2381250" cy="2381250"/>
+            <a:off x="7440142" y="1739957"/>
+            <a:ext cx="2160000" cy="2160000"/>
           </a:xfrm>
           <a:prstGeom prst="rect">
             <a:avLst/>
           </a:prstGeom>
-          <a:noFill/>
-          <a:extLst>
-            <a:ext uri="{909E8E84-426E-40DD-AFC4-6F175D3DCCD1}">
-              <a14:hiddenFill xmlns:a14="http://schemas.microsoft.com/office/drawing/2010/main">
-                <a:solidFill>
-                  <a:srgbClr val="FFFFFF"/>
-                </a:solidFill>
-              </a14:hiddenFill>
-            </a:ext>
-          </a:extLst>
         </p:spPr>
       </p:pic>
     </p:spTree>
     <p:extLst>
       <p:ext uri="{BB962C8B-B14F-4D97-AF65-F5344CB8AC3E}">
-        <p14:creationId xmlns:p14="http://schemas.microsoft.com/office/powerpoint/2010/main" val="734397347"/>
+        <p14:creationId xmlns:p14="http://schemas.microsoft.com/office/powerpoint/2010/main" val="1777107802"/>
       </p:ext>
     </p:extLst>
   </p:cSld>
@@ -26778,8 +32669,8 @@
         </p:nvSpPr>
         <p:spPr>
           <a:xfrm>
-            <a:off x="1879489" y="4373353"/>
-            <a:ext cx="2648842" cy="505327"/>
+            <a:off x="1872192" y="4319532"/>
+            <a:ext cx="2648842" cy="322016"/>
           </a:xfrm>
         </p:spPr>
         <p:txBody>
@@ -26823,71 +32714,13 @@
           <a:bodyPr/>
           <a:lstStyle/>
           <a:p>
-            <a:pPr marL="0" marR="0" lvl="0" indent="0" algn="l" defTabSz="609585" rtl="0" eaLnBrk="1" fontAlgn="auto" latinLnBrk="0" hangingPunct="1">
-              <a:lnSpc>
-                <a:spcPct val="100000"/>
-              </a:lnSpc>
-              <a:spcBef>
-                <a:spcPts val="0"/>
-              </a:spcBef>
-              <a:spcAft>
-                <a:spcPts val="0"/>
-              </a:spcAft>
-              <a:buClrTx/>
-              <a:buSzTx/>
-              <a:buFontTx/>
-              <a:buNone/>
-              <a:tabLst/>
-              <a:defRPr/>
-            </a:pPr>
+            <a:pPr defTabSz="609585"/>
             <a:fld id="{45D25029-37DE-484F-BFE0-9B37AF2B26B8}" type="slidenum">
-              <a:rPr kumimoji="0" lang="de-DE" sz="1333" b="1" i="0" u="none" strike="noStrike" kern="1200" cap="none" spc="0" normalizeH="0" baseline="0" noProof="1">
-                <a:ln>
-                  <a:noFill/>
-                </a:ln>
-                <a:solidFill>
-                  <a:srgbClr val="787878"/>
-                </a:solidFill>
-                <a:effectLst/>
-                <a:uLnTx/>
-                <a:uFillTx/>
-                <a:latin typeface="HTWBerlin Office" panose="02000000000000000000" pitchFamily="2" charset="0"/>
-                <a:ea typeface="+mn-ea"/>
-                <a:cs typeface="+mn-cs"/>
-              </a:rPr>
-              <a:pPr marL="0" marR="0" lvl="0" indent="0" algn="l" defTabSz="609585" rtl="0" eaLnBrk="1" fontAlgn="auto" latinLnBrk="0" hangingPunct="1">
-                <a:lnSpc>
-                  <a:spcPct val="100000"/>
-                </a:lnSpc>
-                <a:spcBef>
-                  <a:spcPts val="0"/>
-                </a:spcBef>
-                <a:spcAft>
-                  <a:spcPts val="0"/>
-                </a:spcAft>
-                <a:buClrTx/>
-                <a:buSzTx/>
-                <a:buFontTx/>
-                <a:buNone/>
-                <a:tabLst/>
-                <a:defRPr/>
-              </a:pPr>
+              <a:rPr lang="de-DE" noProof="1"/>
+              <a:pPr defTabSz="609585"/>
               <a:t>7</a:t>
             </a:fld>
-            <a:endParaRPr kumimoji="0" lang="de-DE" sz="1333" b="1" i="0" u="none" strike="noStrike" kern="1200" cap="none" spc="0" normalizeH="0" baseline="0" noProof="1">
-              <a:ln>
-                <a:noFill/>
-              </a:ln>
-              <a:solidFill>
-                <a:srgbClr val="787878"/>
-              </a:solidFill>
-              <a:effectLst/>
-              <a:uLnTx/>
-              <a:uFillTx/>
-              <a:latin typeface="HTWBerlin Office" panose="02000000000000000000" pitchFamily="2" charset="0"/>
-              <a:ea typeface="+mn-ea"/>
-              <a:cs typeface="+mn-cs"/>
-            </a:endParaRPr>
+            <a:endParaRPr lang="de-DE" noProof="1"/>
           </a:p>
         </p:txBody>
       </p:sp>
@@ -26909,8 +32742,8 @@
         </p:nvSpPr>
         <p:spPr>
           <a:xfrm>
-            <a:off x="7200374" y="4373353"/>
-            <a:ext cx="3176251" cy="784430"/>
+            <a:off x="7403848" y="4360540"/>
+            <a:ext cx="3176251" cy="240000"/>
           </a:xfrm>
         </p:spPr>
         <p:txBody>
@@ -26969,106 +32802,12 @@
           </a:p>
         </p:txBody>
       </p:sp>
-      <p:pic>
-        <p:nvPicPr>
-          <p:cNvPr id="1028" name="Picture 4">
+      <p:sp>
+        <p:nvSpPr>
+          <p:cNvPr id="7" name="Inhaltsplatzhalter 9">
             <a:extLst>
               <a:ext uri="{FF2B5EF4-FFF2-40B4-BE49-F238E27FC236}">
-                <a16:creationId xmlns:a16="http://schemas.microsoft.com/office/drawing/2014/main" id="{F434F5DF-D082-A42F-1D1E-1C572B1A43A3}"/>
-              </a:ext>
-            </a:extLst>
-          </p:cNvPr>
-          <p:cNvPicPr>
-            <a:picLocks noChangeAspect="1" noChangeArrowheads="1"/>
-          </p:cNvPicPr>
-          <p:nvPr/>
-        </p:nvPicPr>
-        <p:blipFill>
-          <a:blip r:embed="rId2">
-            <a:extLst>
-              <a:ext uri="{28A0092B-C50C-407E-A947-70E740481C1C}">
-                <a14:useLocalDpi xmlns:a14="http://schemas.microsoft.com/office/drawing/2010/main" val="0"/>
-              </a:ext>
-            </a:extLst>
-          </a:blip>
-          <a:srcRect/>
-          <a:stretch>
-            <a:fillRect/>
-          </a:stretch>
-        </p:blipFill>
-        <p:spPr bwMode="auto">
-          <a:xfrm>
-            <a:off x="1879489" y="1586445"/>
-            <a:ext cx="2381250" cy="2381250"/>
-          </a:xfrm>
-          <a:prstGeom prst="rect">
-            <a:avLst/>
-          </a:prstGeom>
-          <a:noFill/>
-          <a:extLst>
-            <a:ext uri="{909E8E84-426E-40DD-AFC4-6F175D3DCCD1}">
-              <a14:hiddenFill xmlns:a14="http://schemas.microsoft.com/office/drawing/2010/main">
-                <a:solidFill>
-                  <a:srgbClr val="FFFFFF"/>
-                </a:solidFill>
-              </a14:hiddenFill>
-            </a:ext>
-          </a:extLst>
-        </p:spPr>
-      </p:pic>
-      <p:pic>
-        <p:nvPicPr>
-          <p:cNvPr id="1030" name="Picture 6">
-            <a:extLst>
-              <a:ext uri="{FF2B5EF4-FFF2-40B4-BE49-F238E27FC236}">
-                <a16:creationId xmlns:a16="http://schemas.microsoft.com/office/drawing/2014/main" id="{D28E8285-7EB7-B768-1D94-029A5D27974E}"/>
-              </a:ext>
-            </a:extLst>
-          </p:cNvPr>
-          <p:cNvPicPr>
-            <a:picLocks noChangeAspect="1" noChangeArrowheads="1"/>
-          </p:cNvPicPr>
-          <p:nvPr/>
-        </p:nvPicPr>
-        <p:blipFill>
-          <a:blip r:embed="rId3">
-            <a:extLst>
-              <a:ext uri="{28A0092B-C50C-407E-A947-70E740481C1C}">
-                <a14:useLocalDpi xmlns:a14="http://schemas.microsoft.com/office/drawing/2010/main" val="0"/>
-              </a:ext>
-            </a:extLst>
-          </a:blip>
-          <a:srcRect/>
-          <a:stretch>
-            <a:fillRect/>
-          </a:stretch>
-        </p:blipFill>
-        <p:spPr bwMode="auto">
-          <a:xfrm>
-            <a:off x="7200374" y="1591406"/>
-            <a:ext cx="2381250" cy="2381250"/>
-          </a:xfrm>
-          <a:prstGeom prst="rect">
-            <a:avLst/>
-          </a:prstGeom>
-          <a:noFill/>
-          <a:extLst>
-            <a:ext uri="{909E8E84-426E-40DD-AFC4-6F175D3DCCD1}">
-              <a14:hiddenFill xmlns:a14="http://schemas.microsoft.com/office/drawing/2010/main">
-                <a:solidFill>
-                  <a:srgbClr val="FFFFFF"/>
-                </a:solidFill>
-              </a14:hiddenFill>
-            </a:ext>
-          </a:extLst>
-        </p:spPr>
-      </p:pic>
-      <p:sp>
-        <p:nvSpPr>
-          <p:cNvPr id="4" name="Inhaltsplatzhalter 9">
-            <a:extLst>
-              <a:ext uri="{FF2B5EF4-FFF2-40B4-BE49-F238E27FC236}">
-                <a16:creationId xmlns:a16="http://schemas.microsoft.com/office/drawing/2014/main" id="{F3D427AB-3CC2-4E0E-9D04-60ABACB3D4C2}"/>
+                <a16:creationId xmlns:a16="http://schemas.microsoft.com/office/drawing/2014/main" id="{379F1C01-A43E-0C66-623C-1D231CB96A62}"/>
               </a:ext>
             </a:extLst>
           </p:cNvPr>
@@ -27079,7 +32818,7 @@
         </p:nvSpPr>
         <p:spPr>
           <a:xfrm>
-            <a:off x="4411746" y="5144029"/>
+            <a:off x="4411746" y="5300117"/>
             <a:ext cx="2648842" cy="505327"/>
           </a:xfrm>
           <a:prstGeom prst="rect">
@@ -27308,55 +33047,95 @@
       </p:sp>
       <p:pic>
         <p:nvPicPr>
-          <p:cNvPr id="2050" name="Picture 2">
+          <p:cNvPr id="14" name="Grafik 13">
             <a:extLst>
               <a:ext uri="{FF2B5EF4-FFF2-40B4-BE49-F238E27FC236}">
-                <a16:creationId xmlns:a16="http://schemas.microsoft.com/office/drawing/2014/main" id="{02AA603B-7BB5-FA65-12CD-8D394515E659}"/>
+                <a16:creationId xmlns:a16="http://schemas.microsoft.com/office/drawing/2014/main" id="{D656791C-B92D-3148-2E2A-7A301D5C6E0A}"/>
               </a:ext>
             </a:extLst>
           </p:cNvPr>
           <p:cNvPicPr>
-            <a:picLocks noChangeAspect="1" noChangeArrowheads="1"/>
+            <a:picLocks noChangeAspect="1"/>
           </p:cNvPicPr>
           <p:nvPr/>
         </p:nvPicPr>
-        <p:blipFill>
-          <a:blip r:embed="rId4">
-            <a:extLst>
-              <a:ext uri="{28A0092B-C50C-407E-A947-70E740481C1C}">
-                <a14:useLocalDpi xmlns:a14="http://schemas.microsoft.com/office/drawing/2010/main" val="0"/>
-              </a:ext>
-            </a:extLst>
-          </a:blip>
-          <a:srcRect/>
-          <a:stretch>
-            <a:fillRect/>
-          </a:stretch>
+        <p:blipFill rotWithShape="1">
+          <a:blip r:embed="rId2"/>
+          <a:srcRect l="16870" r="16870"/>
+          <a:stretch/>
         </p:blipFill>
-        <p:spPr bwMode="auto">
+        <p:spPr>
           <a:xfrm>
-            <a:off x="4900447" y="3197854"/>
-            <a:ext cx="1680826" cy="1680826"/>
+            <a:off x="1872192" y="1739957"/>
+            <a:ext cx="2160000" cy="2160000"/>
           </a:xfrm>
           <a:prstGeom prst="rect">
             <a:avLst/>
           </a:prstGeom>
-          <a:noFill/>
-          <a:extLst>
-            <a:ext uri="{909E8E84-426E-40DD-AFC4-6F175D3DCCD1}">
-              <a14:hiddenFill xmlns:a14="http://schemas.microsoft.com/office/drawing/2010/main">
-                <a:solidFill>
-                  <a:srgbClr val="FFFFFF"/>
-                </a:solidFill>
-              </a14:hiddenFill>
-            </a:ext>
-          </a:extLst>
+        </p:spPr>
+      </p:pic>
+      <p:pic>
+        <p:nvPicPr>
+          <p:cNvPr id="18" name="Grafik 17">
+            <a:extLst>
+              <a:ext uri="{FF2B5EF4-FFF2-40B4-BE49-F238E27FC236}">
+                <a16:creationId xmlns:a16="http://schemas.microsoft.com/office/drawing/2014/main" id="{A8F9A5D5-D3AC-5F21-8478-F4EE5EEBAB8F}"/>
+              </a:ext>
+            </a:extLst>
+          </p:cNvPr>
+          <p:cNvPicPr>
+            <a:picLocks noChangeAspect="1"/>
+          </p:cNvPicPr>
+          <p:nvPr/>
+        </p:nvPicPr>
+        <p:blipFill rotWithShape="1">
+          <a:blip r:embed="rId3"/>
+          <a:srcRect l="13867" r="13867"/>
+          <a:stretch/>
+        </p:blipFill>
+        <p:spPr>
+          <a:xfrm>
+            <a:off x="7440142" y="1739957"/>
+            <a:ext cx="2160000" cy="2160000"/>
+          </a:xfrm>
+          <a:prstGeom prst="rect">
+            <a:avLst/>
+          </a:prstGeom>
+        </p:spPr>
+      </p:pic>
+      <p:pic>
+        <p:nvPicPr>
+          <p:cNvPr id="20" name="Grafik 19">
+            <a:extLst>
+              <a:ext uri="{FF2B5EF4-FFF2-40B4-BE49-F238E27FC236}">
+                <a16:creationId xmlns:a16="http://schemas.microsoft.com/office/drawing/2014/main" id="{DE644C4B-08FF-D63E-056E-D71F1797A869}"/>
+              </a:ext>
+            </a:extLst>
+          </p:cNvPr>
+          <p:cNvPicPr>
+            <a:picLocks noChangeAspect="1"/>
+          </p:cNvPicPr>
+          <p:nvPr/>
+        </p:nvPicPr>
+        <p:blipFill rotWithShape="1">
+          <a:blip r:embed="rId4"/>
+          <a:srcRect l="26233" t="5807" r="36388" b="38461"/>
+          <a:stretch/>
+        </p:blipFill>
+        <p:spPr>
+          <a:xfrm>
+            <a:off x="4656167" y="2918107"/>
+            <a:ext cx="2160000" cy="2160000"/>
+          </a:xfrm>
+          <a:prstGeom prst="rect">
+            <a:avLst/>
+          </a:prstGeom>
         </p:spPr>
       </p:pic>
     </p:spTree>
     <p:extLst>
       <p:ext uri="{BB962C8B-B14F-4D97-AF65-F5344CB8AC3E}">
-        <p14:creationId xmlns:p14="http://schemas.microsoft.com/office/powerpoint/2010/main" val="2830997938"/>
+        <p14:creationId xmlns:p14="http://schemas.microsoft.com/office/powerpoint/2010/main" val="70219379"/>
       </p:ext>
     </p:extLst>
   </p:cSld>
@@ -27411,7 +33190,12 @@
             <p:ph idx="1"/>
           </p:nvPr>
         </p:nvSpPr>
-        <p:spPr/>
+        <p:spPr>
+          <a:xfrm>
+            <a:off x="720000" y="2471957"/>
+            <a:ext cx="10032667" cy="1914086"/>
+          </a:xfrm>
+        </p:spPr>
         <p:txBody>
           <a:bodyPr/>
           <a:lstStyle/>
@@ -27426,7 +33210,7 @@
             </a:pPr>
             <a:r>
               <a:rPr lang="de-DE" sz="1867" noProof="1"/>
-              <a:t>Vorhersage-Genauigkeit basierend auf Menge und Diversität des Training-Datensatzs</a:t>
+              <a:t>Verbeserung der Genauigkeit</a:t>
             </a:r>
           </a:p>
           <a:p>
@@ -27440,7 +33224,7 @@
             </a:pPr>
             <a:r>
               <a:rPr lang="de-DE" sz="1867" noProof="1"/>
-              <a:t>Best case: Verbeserung der Vorhersage-Genauigkeit</a:t>
+              <a:t>Bessere Generalisierung</a:t>
             </a:r>
           </a:p>
           <a:p>
@@ -27468,7 +33252,21 @@
             </a:pPr>
             <a:r>
               <a:rPr lang="de-DE" sz="1867" noProof="1"/>
-              <a:t>Vermeidung von Datenschutzproblemen</a:t>
+              <a:t>Vermeidung Datenschutzproblemen</a:t>
+            </a:r>
+          </a:p>
+          <a:p>
+            <a:pPr marL="239178" lvl="3" indent="-239178">
+              <a:lnSpc>
+                <a:spcPct val="100000"/>
+              </a:lnSpc>
+              <a:spcAft>
+                <a:spcPts val="800"/>
+              </a:spcAft>
+            </a:pPr>
+            <a:r>
+              <a:rPr lang="de-DE" sz="1867" noProof="1"/>
+              <a:t>Vermeidung Overfitting </a:t>
             </a:r>
           </a:p>
         </p:txBody>
@@ -27685,6 +33483,147 @@
                 <a:cs typeface="+mn-cs"/>
               </a:rPr>
               <a:t> | Lisa-Marlen Wiegandt</a:t>
+            </a:r>
+          </a:p>
+        </p:txBody>
+      </p:sp>
+      <p:sp>
+        <p:nvSpPr>
+          <p:cNvPr id="3" name="Fußzeilenplatzhalter 1">
+            <a:extLst>
+              <a:ext uri="{FF2B5EF4-FFF2-40B4-BE49-F238E27FC236}">
+                <a16:creationId xmlns:a16="http://schemas.microsoft.com/office/drawing/2014/main" id="{E18CED07-9D9B-0AE5-3407-2CF63AEFC5D5}"/>
+              </a:ext>
+            </a:extLst>
+          </p:cNvPr>
+          <p:cNvSpPr txBox="1">
+            <a:spLocks/>
+          </p:cNvSpPr>
+          <p:nvPr/>
+        </p:nvSpPr>
+        <p:spPr>
+          <a:xfrm>
+            <a:off x="719667" y="4386043"/>
+            <a:ext cx="7313265" cy="240000"/>
+          </a:xfrm>
+          <a:prstGeom prst="rect">
+            <a:avLst/>
+          </a:prstGeom>
+        </p:spPr>
+        <p:txBody>
+          <a:bodyPr vert="horz" lIns="0" tIns="0" rIns="0" bIns="0" rtlCol="0" anchor="t" anchorCtr="0">
+            <a:noAutofit/>
+          </a:bodyPr>
+          <a:lstStyle>
+            <a:defPPr>
+              <a:defRPr lang="de-DE"/>
+            </a:defPPr>
+            <a:lvl1pPr marL="0" algn="l" defTabSz="914400" rtl="0" eaLnBrk="1" latinLnBrk="0" hangingPunct="1">
+              <a:defRPr lang="de-DE" sz="1333" b="0" kern="1200" smtClean="0">
+                <a:solidFill>
+                  <a:schemeClr val="bg1">
+                    <a:lumMod val="65000"/>
+                  </a:schemeClr>
+                </a:solidFill>
+                <a:latin typeface="HTWBerlin Office" panose="02000000000000000000" pitchFamily="2" charset="0"/>
+                <a:ea typeface="+mn-ea"/>
+                <a:cs typeface="+mn-cs"/>
+              </a:defRPr>
+            </a:lvl1pPr>
+            <a:lvl2pPr marL="457200" algn="l" defTabSz="914400" rtl="0" eaLnBrk="1" latinLnBrk="0" hangingPunct="1">
+              <a:defRPr sz="1800" kern="1200">
+                <a:solidFill>
+                  <a:schemeClr val="tx1"/>
+                </a:solidFill>
+                <a:latin typeface="+mn-lt"/>
+                <a:ea typeface="+mn-ea"/>
+                <a:cs typeface="+mn-cs"/>
+              </a:defRPr>
+            </a:lvl2pPr>
+            <a:lvl3pPr marL="914400" algn="l" defTabSz="914400" rtl="0" eaLnBrk="1" latinLnBrk="0" hangingPunct="1">
+              <a:defRPr sz="1800" kern="1200">
+                <a:solidFill>
+                  <a:schemeClr val="tx1"/>
+                </a:solidFill>
+                <a:latin typeface="+mn-lt"/>
+                <a:ea typeface="+mn-ea"/>
+                <a:cs typeface="+mn-cs"/>
+              </a:defRPr>
+            </a:lvl3pPr>
+            <a:lvl4pPr marL="1371600" algn="l" defTabSz="914400" rtl="0" eaLnBrk="1" latinLnBrk="0" hangingPunct="1">
+              <a:defRPr sz="1800" kern="1200">
+                <a:solidFill>
+                  <a:schemeClr val="tx1"/>
+                </a:solidFill>
+                <a:latin typeface="+mn-lt"/>
+                <a:ea typeface="+mn-ea"/>
+                <a:cs typeface="+mn-cs"/>
+              </a:defRPr>
+            </a:lvl4pPr>
+            <a:lvl5pPr marL="1828800" algn="l" defTabSz="914400" rtl="0" eaLnBrk="1" latinLnBrk="0" hangingPunct="1">
+              <a:defRPr sz="1800" kern="1200">
+                <a:solidFill>
+                  <a:schemeClr val="tx1"/>
+                </a:solidFill>
+                <a:latin typeface="+mn-lt"/>
+                <a:ea typeface="+mn-ea"/>
+                <a:cs typeface="+mn-cs"/>
+              </a:defRPr>
+            </a:lvl5pPr>
+            <a:lvl6pPr marL="2286000" algn="l" defTabSz="914400" rtl="0" eaLnBrk="1" latinLnBrk="0" hangingPunct="1">
+              <a:defRPr sz="1800" kern="1200">
+                <a:solidFill>
+                  <a:schemeClr val="tx1"/>
+                </a:solidFill>
+                <a:latin typeface="+mn-lt"/>
+                <a:ea typeface="+mn-ea"/>
+                <a:cs typeface="+mn-cs"/>
+              </a:defRPr>
+            </a:lvl6pPr>
+            <a:lvl7pPr marL="2743200" algn="l" defTabSz="914400" rtl="0" eaLnBrk="1" latinLnBrk="0" hangingPunct="1">
+              <a:defRPr sz="1800" kern="1200">
+                <a:solidFill>
+                  <a:schemeClr val="tx1"/>
+                </a:solidFill>
+                <a:latin typeface="+mn-lt"/>
+                <a:ea typeface="+mn-ea"/>
+                <a:cs typeface="+mn-cs"/>
+              </a:defRPr>
+            </a:lvl7pPr>
+            <a:lvl8pPr marL="3200400" algn="l" defTabSz="914400" rtl="0" eaLnBrk="1" latinLnBrk="0" hangingPunct="1">
+              <a:defRPr sz="1800" kern="1200">
+                <a:solidFill>
+                  <a:schemeClr val="tx1"/>
+                </a:solidFill>
+                <a:latin typeface="+mn-lt"/>
+                <a:ea typeface="+mn-ea"/>
+                <a:cs typeface="+mn-cs"/>
+              </a:defRPr>
+            </a:lvl8pPr>
+            <a:lvl9pPr marL="3657600" algn="l" defTabSz="914400" rtl="0" eaLnBrk="1" latinLnBrk="0" hangingPunct="1">
+              <a:defRPr sz="1800" kern="1200">
+                <a:solidFill>
+                  <a:schemeClr val="tx1"/>
+                </a:solidFill>
+                <a:latin typeface="+mn-lt"/>
+                <a:ea typeface="+mn-ea"/>
+                <a:cs typeface="+mn-cs"/>
+              </a:defRPr>
+            </a:lvl9pPr>
+          </a:lstStyle>
+          <a:p>
+            <a:pPr>
+              <a:defRPr/>
+            </a:pPr>
+            <a:r>
+              <a:rPr lang="de-DE" sz="1000" dirty="0">
+                <a:solidFill>
+                  <a:srgbClr val="FFFFFF">
+                    <a:lumMod val="65000"/>
+                  </a:srgbClr>
+                </a:solidFill>
+              </a:rPr>
+              <a:t>https://snapstack.cz/data-augmentation-advantages-challenges-and-instances/ (14.11.22) </a:t>
             </a:r>
           </a:p>
         </p:txBody>
